--- a/ApresentacaoDSM.pptx
+++ b/ApresentacaoDSM.pptx
@@ -5,12 +5,25 @@
     <p:sldMasterId id="2147483648" r:id="rId1"/>
   </p:sldMasterIdLst>
   <p:notesMasterIdLst>
-    <p:notesMasterId r:id="rId5"/>
+    <p:notesMasterId r:id="rId18"/>
   </p:notesMasterIdLst>
   <p:sldIdLst>
-    <p:sldId id="257" r:id="rId2"/>
-    <p:sldId id="258" r:id="rId3"/>
+    <p:sldId id="271" r:id="rId2"/>
+    <p:sldId id="272" r:id="rId3"/>
     <p:sldId id="259" r:id="rId4"/>
+    <p:sldId id="260" r:id="rId5"/>
+    <p:sldId id="261" r:id="rId6"/>
+    <p:sldId id="262" r:id="rId7"/>
+    <p:sldId id="263" r:id="rId8"/>
+    <p:sldId id="264" r:id="rId9"/>
+    <p:sldId id="265" r:id="rId10"/>
+    <p:sldId id="266" r:id="rId11"/>
+    <p:sldId id="267" r:id="rId12"/>
+    <p:sldId id="268" r:id="rId13"/>
+    <p:sldId id="269" r:id="rId14"/>
+    <p:sldId id="273" r:id="rId15"/>
+    <p:sldId id="274" r:id="rId16"/>
+    <p:sldId id="275" r:id="rId17"/>
   </p:sldIdLst>
   <p:sldSz cx="12192000" cy="6858000"/>
   <p:notesSz cx="6858000" cy="9144000"/>
@@ -111,7 +124,18 @@
   </p:defaultTextStyle>
   <p:extLst>
     <p:ext uri="{EFAFB233-063F-42B5-8137-9DF3F51BA10A}">
-      <p15:sldGuideLst xmlns:p15="http://schemas.microsoft.com/office/powerpoint/2012/main"/>
+      <p15:sldGuideLst xmlns:p15="http://schemas.microsoft.com/office/powerpoint/2012/main">
+        <p15:guide id="1" orient="horz" pos="2160" userDrawn="1">
+          <p15:clr>
+            <a:srgbClr val="A4A3A4"/>
+          </p15:clr>
+        </p15:guide>
+        <p15:guide id="2" pos="3840" userDrawn="1">
+          <p15:clr>
+            <a:srgbClr val="A4A3A4"/>
+          </p15:clr>
+        </p15:guide>
+      </p15:sldGuideLst>
     </p:ext>
   </p:extLst>
 </p:presentation>
@@ -199,7 +223,7 @@
           <a:p>
             <a:fld id="{A6EE7257-E60A-4BB3-907A-17E7FEB69F0B}" type="datetimeFigureOut">
               <a:rPr lang="pt-BR" smtClean="0"/>
-              <a:t>31/05/2021</a:t>
+              <a:t>07/07/2021</a:t>
             </a:fld>
             <a:endParaRPr lang="pt-BR"/>
           </a:p>
@@ -655,7 +679,7 @@
             <a:fld id="{B61BEF0D-F0BB-DE4B-95CE-6DB70DBA9567}" type="datetimeFigureOut">
               <a:rPr lang="en-US" dirty="0"/>
               <a:pPr/>
-              <a:t>5/31/2021</a:t>
+              <a:t>7/7/2021</a:t>
             </a:fld>
             <a:endParaRPr lang="en-US" dirty="0"/>
           </a:p>
@@ -990,7 +1014,7 @@
             <a:fld id="{B61BEF0D-F0BB-DE4B-95CE-6DB70DBA9567}" type="datetimeFigureOut">
               <a:rPr lang="en-US" dirty="0"/>
               <a:pPr/>
-              <a:t>5/31/2021</a:t>
+              <a:t>7/7/2021</a:t>
             </a:fld>
             <a:endParaRPr lang="en-US" dirty="0"/>
           </a:p>
@@ -1388,7 +1412,7 @@
             <a:fld id="{B61BEF0D-F0BB-DE4B-95CE-6DB70DBA9567}" type="datetimeFigureOut">
               <a:rPr lang="en-US" dirty="0"/>
               <a:pPr/>
-              <a:t>5/31/2021</a:t>
+              <a:t>7/7/2021</a:t>
             </a:fld>
             <a:endParaRPr lang="en-US" dirty="0"/>
           </a:p>
@@ -1721,7 +1745,7 @@
             <a:fld id="{B61BEF0D-F0BB-DE4B-95CE-6DB70DBA9567}" type="datetimeFigureOut">
               <a:rPr lang="en-US" dirty="0"/>
               <a:pPr/>
-              <a:t>5/31/2021</a:t>
+              <a:t>7/7/2021</a:t>
             </a:fld>
             <a:endParaRPr lang="en-US" dirty="0"/>
           </a:p>
@@ -2038,7 +2062,7 @@
             <a:fld id="{B61BEF0D-F0BB-DE4B-95CE-6DB70DBA9567}" type="datetimeFigureOut">
               <a:rPr lang="en-US" dirty="0"/>
               <a:pPr/>
-              <a:t>5/31/2021</a:t>
+              <a:t>7/7/2021</a:t>
             </a:fld>
             <a:endParaRPr lang="en-US" dirty="0"/>
           </a:p>
@@ -2431,7 +2455,7 @@
             <a:fld id="{B61BEF0D-F0BB-DE4B-95CE-6DB70DBA9567}" type="datetimeFigureOut">
               <a:rPr lang="en-US" dirty="0"/>
               <a:pPr/>
-              <a:t>5/31/2021</a:t>
+              <a:t>7/7/2021</a:t>
             </a:fld>
             <a:endParaRPr lang="en-US" dirty="0"/>
           </a:p>
@@ -2685,7 +2709,7 @@
             <a:fld id="{B61BEF0D-F0BB-DE4B-95CE-6DB70DBA9567}" type="datetimeFigureOut">
               <a:rPr lang="en-US" dirty="0"/>
               <a:pPr/>
-              <a:t>5/31/2021</a:t>
+              <a:t>7/7/2021</a:t>
             </a:fld>
             <a:endParaRPr lang="en-US" dirty="0"/>
           </a:p>
@@ -2944,7 +2968,7 @@
             <a:fld id="{B61BEF0D-F0BB-DE4B-95CE-6DB70DBA9567}" type="datetimeFigureOut">
               <a:rPr lang="en-US" dirty="0"/>
               <a:pPr/>
-              <a:t>5/31/2021</a:t>
+              <a:t>7/7/2021</a:t>
             </a:fld>
             <a:endParaRPr lang="en-US" dirty="0"/>
           </a:p>
@@ -3203,7 +3227,7 @@
             <a:fld id="{B61BEF0D-F0BB-DE4B-95CE-6DB70DBA9567}" type="datetimeFigureOut">
               <a:rPr lang="en-US" dirty="0"/>
               <a:pPr/>
-              <a:t>5/31/2021</a:t>
+              <a:t>7/7/2021</a:t>
             </a:fld>
             <a:endParaRPr lang="en-US" dirty="0"/>
           </a:p>
@@ -3529,7 +3553,7 @@
             <a:fld id="{B61BEF0D-F0BB-DE4B-95CE-6DB70DBA9567}" type="datetimeFigureOut">
               <a:rPr lang="en-US" dirty="0"/>
               <a:pPr/>
-              <a:t>5/31/2021</a:t>
+              <a:t>7/7/2021</a:t>
             </a:fld>
             <a:endParaRPr lang="en-US" dirty="0"/>
           </a:p>
@@ -3849,7 +3873,7 @@
             <a:fld id="{B61BEF0D-F0BB-DE4B-95CE-6DB70DBA9567}" type="datetimeFigureOut">
               <a:rPr lang="en-US" dirty="0"/>
               <a:pPr/>
-              <a:t>5/31/2021</a:t>
+              <a:t>7/7/2021</a:t>
             </a:fld>
             <a:endParaRPr lang="en-US" dirty="0"/>
           </a:p>
@@ -4303,7 +4327,7 @@
             <a:fld id="{B61BEF0D-F0BB-DE4B-95CE-6DB70DBA9567}" type="datetimeFigureOut">
               <a:rPr lang="en-US" dirty="0"/>
               <a:pPr/>
-              <a:t>5/31/2021</a:t>
+              <a:t>7/7/2021</a:t>
             </a:fld>
             <a:endParaRPr lang="en-US" dirty="0"/>
           </a:p>
@@ -4505,7 +4529,7 @@
             <a:fld id="{B61BEF0D-F0BB-DE4B-95CE-6DB70DBA9567}" type="datetimeFigureOut">
               <a:rPr lang="en-US" dirty="0"/>
               <a:pPr/>
-              <a:t>5/31/2021</a:t>
+              <a:t>7/7/2021</a:t>
             </a:fld>
             <a:endParaRPr lang="en-US" dirty="0"/>
           </a:p>
@@ -4679,7 +4703,7 @@
             <a:fld id="{B61BEF0D-F0BB-DE4B-95CE-6DB70DBA9567}" type="datetimeFigureOut">
               <a:rPr lang="en-US" dirty="0"/>
               <a:pPr/>
-              <a:t>5/31/2021</a:t>
+              <a:t>7/7/2021</a:t>
             </a:fld>
             <a:endParaRPr lang="en-US" dirty="0"/>
           </a:p>
@@ -5009,7 +5033,7 @@
             <a:fld id="{B61BEF0D-F0BB-DE4B-95CE-6DB70DBA9567}" type="datetimeFigureOut">
               <a:rPr lang="en-US" dirty="0"/>
               <a:pPr/>
-              <a:t>5/31/2021</a:t>
+              <a:t>7/7/2021</a:t>
             </a:fld>
             <a:endParaRPr lang="en-US" dirty="0"/>
           </a:p>
@@ -5351,7 +5375,7 @@
             <a:fld id="{B61BEF0D-F0BB-DE4B-95CE-6DB70DBA9567}" type="datetimeFigureOut">
               <a:rPr lang="en-US" dirty="0"/>
               <a:pPr/>
-              <a:t>5/31/2021</a:t>
+              <a:t>7/7/2021</a:t>
             </a:fld>
             <a:endParaRPr lang="en-US" dirty="0"/>
           </a:p>
@@ -7465,7 +7489,7 @@
             <a:fld id="{B61BEF0D-F0BB-DE4B-95CE-6DB70DBA9567}" type="datetimeFigureOut">
               <a:rPr lang="en-US" dirty="0"/>
               <a:pPr/>
-              <a:t>5/31/2021</a:t>
+              <a:t>7/7/2021</a:t>
             </a:fld>
             <a:endParaRPr lang="en-US" dirty="0"/>
           </a:p>
@@ -7978,12 +8002,126 @@
           <a:chExt cx="0" cy="0"/>
         </a:xfrm>
       </p:grpSpPr>
+      <p:sp>
+        <p:nvSpPr>
+          <p:cNvPr id="4" name="Título 1">
+            <a:extLst>
+              <a:ext uri="{FF2B5EF4-FFF2-40B4-BE49-F238E27FC236}">
+                <a16:creationId xmlns:a16="http://schemas.microsoft.com/office/drawing/2014/main" id="{AF0E39DD-F867-44F6-98ED-A28F6B8B111E}"/>
+              </a:ext>
+            </a:extLst>
+          </p:cNvPr>
+          <p:cNvSpPr>
+            <a:spLocks noGrp="1"/>
+          </p:cNvSpPr>
+          <p:nvPr>
+            <p:ph type="title"/>
+          </p:nvPr>
+        </p:nvSpPr>
+        <p:spPr>
+          <a:xfrm>
+            <a:off x="1854694" y="625463"/>
+            <a:ext cx="4688720" cy="708387"/>
+          </a:xfrm>
+        </p:spPr>
+        <p:txBody>
+          <a:bodyPr>
+            <a:normAutofit/>
+          </a:bodyPr>
+          <a:lstStyle/>
+          <a:p>
+            <a:r>
+              <a:rPr lang="pt-BR" b="1" dirty="0" err="1">
+                <a:solidFill>
+                  <a:schemeClr val="tx1"/>
+                </a:solidFill>
+              </a:rPr>
+              <a:t>Snakes</a:t>
+            </a:r>
+            <a:r>
+              <a:rPr lang="pt-BR" b="1" dirty="0">
+                <a:solidFill>
+                  <a:schemeClr val="tx1"/>
+                </a:solidFill>
+              </a:rPr>
+              <a:t> </a:t>
+            </a:r>
+            <a:r>
+              <a:rPr lang="pt-BR" b="1" dirty="0" err="1">
+                <a:solidFill>
+                  <a:schemeClr val="tx1"/>
+                </a:solidFill>
+              </a:rPr>
+              <a:t>and</a:t>
+            </a:r>
+            <a:r>
+              <a:rPr lang="pt-BR" b="1" dirty="0">
+                <a:solidFill>
+                  <a:schemeClr val="tx1"/>
+                </a:solidFill>
+              </a:rPr>
+              <a:t> </a:t>
+            </a:r>
+            <a:r>
+              <a:rPr lang="pt-BR" b="1" dirty="0" err="1">
+                <a:solidFill>
+                  <a:schemeClr val="tx1"/>
+                </a:solidFill>
+              </a:rPr>
+              <a:t>Ladders</a:t>
+            </a:r>
+            <a:endParaRPr lang="pt-BR" b="1" dirty="0">
+              <a:solidFill>
+                <a:schemeClr val="tx1"/>
+              </a:solidFill>
+            </a:endParaRPr>
+          </a:p>
+        </p:txBody>
+      </p:sp>
+      <p:sp>
+        <p:nvSpPr>
+          <p:cNvPr id="6" name="CaixaDeTexto 5">
+            <a:extLst>
+              <a:ext uri="{FF2B5EF4-FFF2-40B4-BE49-F238E27FC236}">
+                <a16:creationId xmlns:a16="http://schemas.microsoft.com/office/drawing/2014/main" id="{35D9A92F-3531-41B5-8646-4665E32962DE}"/>
+              </a:ext>
+            </a:extLst>
+          </p:cNvPr>
+          <p:cNvSpPr txBox="1"/>
+          <p:nvPr/>
+        </p:nvSpPr>
+        <p:spPr>
+          <a:xfrm>
+            <a:off x="637563" y="214390"/>
+            <a:ext cx="3122971" cy="400110"/>
+          </a:xfrm>
+          <a:prstGeom prst="rect">
+            <a:avLst/>
+          </a:prstGeom>
+          <a:noFill/>
+        </p:spPr>
+        <p:txBody>
+          <a:bodyPr wrap="none" rtlCol="0">
+            <a:spAutoFit/>
+          </a:bodyPr>
+          <a:lstStyle/>
+          <a:p>
+            <a:r>
+              <a:rPr lang="pt-BR" sz="2000" dirty="0">
+                <a:latin typeface="Arial" panose="020B0604020202020204" pitchFamily="34" charset="0"/>
+                <a:cs typeface="Arial" panose="020B0604020202020204" pitchFamily="34" charset="0"/>
+              </a:rPr>
+              <a:t>Felipe Figueiredo Furtado</a:t>
+            </a:r>
+          </a:p>
+        </p:txBody>
+      </p:sp>
       <p:pic>
         <p:nvPicPr>
-          <p:cNvPr id="9" name="Imagem 8">
+          <p:cNvPr id="11" name="Imagem 10">
             <a:extLst>
               <a:ext uri="{FF2B5EF4-FFF2-40B4-BE49-F238E27FC236}">
-                <a16:creationId xmlns:a16="http://schemas.microsoft.com/office/drawing/2014/main" id="{CD7BD90C-FDDD-4EA2-B38E-77202C35D810}"/>
+                <a16:creationId xmlns:a16="http://schemas.microsoft.com/office/drawing/2014/main" id="{DC6E2998-667F-4C51-8877-8D5F522EFEB9}"/>
               </a:ext>
             </a:extLst>
           </p:cNvPr>
@@ -8000,20 +8138,257 @@
         </p:blipFill>
         <p:spPr>
           <a:xfrm>
-            <a:off x="10645629" y="61298"/>
-            <a:ext cx="1457212" cy="706294"/>
+            <a:off x="11407112" y="6027651"/>
+            <a:ext cx="726165" cy="763237"/>
           </a:xfrm>
           <a:prstGeom prst="rect">
             <a:avLst/>
           </a:prstGeom>
         </p:spPr>
       </p:pic>
-      <p:sp>
-        <p:nvSpPr>
-          <p:cNvPr id="10" name="CaixaDeTexto 9">
+      <p:pic>
+        <p:nvPicPr>
+          <p:cNvPr id="10" name="Gráfico 9" descr="Ponto de interrogação">
             <a:extLst>
               <a:ext uri="{FF2B5EF4-FFF2-40B4-BE49-F238E27FC236}">
-                <a16:creationId xmlns:a16="http://schemas.microsoft.com/office/drawing/2014/main" id="{64AFBFEA-1A44-42AC-B8E5-B004C347708A}"/>
+                <a16:creationId xmlns:a16="http://schemas.microsoft.com/office/drawing/2014/main" id="{52BC2F20-4E86-464A-9637-6B5197739811}"/>
+              </a:ext>
+            </a:extLst>
+          </p:cNvPr>
+          <p:cNvPicPr>
+            <a:picLocks noChangeAspect="1"/>
+          </p:cNvPicPr>
+          <p:nvPr/>
+        </p:nvPicPr>
+        <p:blipFill>
+          <a:blip r:embed="rId3">
+            <a:extLst>
+              <a:ext uri="{96DAC541-7B7A-43D3-8B79-37D633B846F1}">
+                <asvg:svgBlip xmlns:asvg="http://schemas.microsoft.com/office/drawing/2016/SVG/main" r:embed="rId4"/>
+              </a:ext>
+            </a:extLst>
+          </a:blip>
+          <a:stretch>
+            <a:fillRect/>
+          </a:stretch>
+        </p:blipFill>
+        <p:spPr>
+          <a:xfrm>
+            <a:off x="5186717" y="2519717"/>
+            <a:ext cx="2292255" cy="2292255"/>
+          </a:xfrm>
+          <a:prstGeom prst="rect">
+            <a:avLst/>
+          </a:prstGeom>
+        </p:spPr>
+      </p:pic>
+    </p:spTree>
+    <p:extLst>
+      <p:ext uri="{BB962C8B-B14F-4D97-AF65-F5344CB8AC3E}">
+        <p14:creationId xmlns:p14="http://schemas.microsoft.com/office/powerpoint/2010/main" val="1061390053"/>
+      </p:ext>
+    </p:extLst>
+  </p:cSld>
+  <p:clrMapOvr>
+    <a:masterClrMapping/>
+  </p:clrMapOvr>
+  <mc:AlternateContent xmlns:mc="http://schemas.openxmlformats.org/markup-compatibility/2006">
+    <mc:Choice xmlns:p159="http://schemas.microsoft.com/office/powerpoint/2015/09/main" Requires="p159">
+      <p:transition xmlns:p14="http://schemas.microsoft.com/office/powerpoint/2010/main" spd="slow" p14:dur="2000">
+        <p159:morph option="byObject"/>
+      </p:transition>
+    </mc:Choice>
+    <mc:Fallback>
+      <p:transition spd="slow">
+        <p:fade/>
+      </p:transition>
+    </mc:Fallback>
+  </mc:AlternateContent>
+  <p:timing>
+    <p:tnLst>
+      <p:par>
+        <p:cTn id="1" dur="indefinite" restart="never" nodeType="tmRoot">
+          <p:childTnLst>
+            <p:seq concurrent="1" nextAc="seek">
+              <p:cTn id="2" dur="indefinite" nodeType="mainSeq">
+                <p:childTnLst>
+                  <p:par>
+                    <p:cTn id="3" fill="hold">
+                      <p:stCondLst>
+                        <p:cond delay="indefinite"/>
+                      </p:stCondLst>
+                      <p:childTnLst>
+                        <p:par>
+                          <p:cTn id="4" fill="hold">
+                            <p:stCondLst>
+                              <p:cond delay="0"/>
+                            </p:stCondLst>
+                            <p:childTnLst>
+                              <p:par>
+                                <p:cTn id="5" presetID="42" presetClass="entr" presetSubtype="0" fill="hold" nodeType="clickEffect">
+                                  <p:stCondLst>
+                                    <p:cond delay="0"/>
+                                  </p:stCondLst>
+                                  <p:childTnLst>
+                                    <p:set>
+                                      <p:cBhvr>
+                                        <p:cTn id="6" dur="1" fill="hold">
+                                          <p:stCondLst>
+                                            <p:cond delay="0"/>
+                                          </p:stCondLst>
+                                        </p:cTn>
+                                        <p:tgtEl>
+                                          <p:spTgt spid="10"/>
+                                        </p:tgtEl>
+                                        <p:attrNameLst>
+                                          <p:attrName>style.visibility</p:attrName>
+                                        </p:attrNameLst>
+                                      </p:cBhvr>
+                                      <p:to>
+                                        <p:strVal val="visible"/>
+                                      </p:to>
+                                    </p:set>
+                                    <p:animEffect transition="in" filter="fade">
+                                      <p:cBhvr>
+                                        <p:cTn id="7" dur="1000"/>
+                                        <p:tgtEl>
+                                          <p:spTgt spid="10"/>
+                                        </p:tgtEl>
+                                      </p:cBhvr>
+                                    </p:animEffect>
+                                    <p:anim calcmode="lin" valueType="num">
+                                      <p:cBhvr>
+                                        <p:cTn id="8" dur="1000" fill="hold"/>
+                                        <p:tgtEl>
+                                          <p:spTgt spid="10"/>
+                                        </p:tgtEl>
+                                        <p:attrNameLst>
+                                          <p:attrName>ppt_x</p:attrName>
+                                        </p:attrNameLst>
+                                      </p:cBhvr>
+                                      <p:tavLst>
+                                        <p:tav tm="0">
+                                          <p:val>
+                                            <p:strVal val="#ppt_x"/>
+                                          </p:val>
+                                        </p:tav>
+                                        <p:tav tm="100000">
+                                          <p:val>
+                                            <p:strVal val="#ppt_x"/>
+                                          </p:val>
+                                        </p:tav>
+                                      </p:tavLst>
+                                    </p:anim>
+                                    <p:anim calcmode="lin" valueType="num">
+                                      <p:cBhvr>
+                                        <p:cTn id="9" dur="1000" fill="hold"/>
+                                        <p:tgtEl>
+                                          <p:spTgt spid="10"/>
+                                        </p:tgtEl>
+                                        <p:attrNameLst>
+                                          <p:attrName>ppt_y</p:attrName>
+                                        </p:attrNameLst>
+                                      </p:cBhvr>
+                                      <p:tavLst>
+                                        <p:tav tm="0">
+                                          <p:val>
+                                            <p:strVal val="#ppt_y+.1"/>
+                                          </p:val>
+                                        </p:tav>
+                                        <p:tav tm="100000">
+                                          <p:val>
+                                            <p:strVal val="#ppt_y"/>
+                                          </p:val>
+                                        </p:tav>
+                                      </p:tavLst>
+                                    </p:anim>
+                                  </p:childTnLst>
+                                </p:cTn>
+                              </p:par>
+                            </p:childTnLst>
+                          </p:cTn>
+                        </p:par>
+                      </p:childTnLst>
+                    </p:cTn>
+                  </p:par>
+                </p:childTnLst>
+              </p:cTn>
+              <p:prevCondLst>
+                <p:cond evt="onPrev" delay="0">
+                  <p:tgtEl>
+                    <p:sldTgt/>
+                  </p:tgtEl>
+                </p:cond>
+              </p:prevCondLst>
+              <p:nextCondLst>
+                <p:cond evt="onNext" delay="0">
+                  <p:tgtEl>
+                    <p:sldTgt/>
+                  </p:tgtEl>
+                </p:cond>
+              </p:nextCondLst>
+            </p:seq>
+          </p:childTnLst>
+        </p:cTn>
+      </p:par>
+    </p:tnLst>
+  </p:timing>
+</p:sld>
+</file>
+
+<file path=ppt/slides/slide10.xml><?xml version="1.0" encoding="utf-8"?>
+<p:sld xmlns:a="http://schemas.openxmlformats.org/drawingml/2006/main" xmlns:r="http://schemas.openxmlformats.org/officeDocument/2006/relationships" xmlns:p="http://schemas.openxmlformats.org/presentationml/2006/main">
+  <p:cSld>
+    <p:spTree>
+      <p:nvGrpSpPr>
+        <p:cNvPr id="1" name=""/>
+        <p:cNvGrpSpPr/>
+        <p:nvPr/>
+      </p:nvGrpSpPr>
+      <p:grpSpPr>
+        <a:xfrm>
+          <a:off x="0" y="0"/>
+          <a:ext cx="0" cy="0"/>
+          <a:chOff x="0" y="0"/>
+          <a:chExt cx="0" cy="0"/>
+        </a:xfrm>
+      </p:grpSpPr>
+      <p:pic>
+        <p:nvPicPr>
+          <p:cNvPr id="2" name="Imagem 1">
+            <a:extLst>
+              <a:ext uri="{FF2B5EF4-FFF2-40B4-BE49-F238E27FC236}">
+                <a16:creationId xmlns:a16="http://schemas.microsoft.com/office/drawing/2014/main" id="{136AB5FB-DF26-4B71-AF40-44A3331F106D}"/>
+              </a:ext>
+            </a:extLst>
+          </p:cNvPr>
+          <p:cNvPicPr>
+            <a:picLocks noChangeAspect="1"/>
+          </p:cNvPicPr>
+          <p:nvPr/>
+        </p:nvPicPr>
+        <p:blipFill>
+          <a:blip r:embed="rId2"/>
+          <a:stretch>
+            <a:fillRect/>
+          </a:stretch>
+        </p:blipFill>
+        <p:spPr>
+          <a:xfrm>
+            <a:off x="11407112" y="6027651"/>
+            <a:ext cx="726165" cy="763237"/>
+          </a:xfrm>
+          <a:prstGeom prst="rect">
+            <a:avLst/>
+          </a:prstGeom>
+        </p:spPr>
+      </p:pic>
+      <p:sp>
+        <p:nvSpPr>
+          <p:cNvPr id="3" name="CaixaDeTexto 2">
+            <a:extLst>
+              <a:ext uri="{FF2B5EF4-FFF2-40B4-BE49-F238E27FC236}">
+                <a16:creationId xmlns:a16="http://schemas.microsoft.com/office/drawing/2014/main" id="{8FDB171D-9585-4DEB-B914-8B6F05CFA918}"/>
               </a:ext>
             </a:extLst>
           </p:cNvPr>
@@ -8022,88 +8397,6 @@
         </p:nvSpPr>
         <p:spPr>
           <a:xfrm>
-            <a:off x="1862069" y="1463279"/>
-            <a:ext cx="4133263" cy="892552"/>
-          </a:xfrm>
-          <a:prstGeom prst="rect">
-            <a:avLst/>
-          </a:prstGeom>
-          <a:noFill/>
-        </p:spPr>
-        <p:txBody>
-          <a:bodyPr wrap="square" rtlCol="0">
-            <a:spAutoFit/>
-          </a:bodyPr>
-          <a:lstStyle/>
-          <a:p>
-            <a:pPr algn="r"/>
-            <a:r>
-              <a:rPr lang="pt-BR" dirty="0">
-                <a:solidFill>
-                  <a:schemeClr val="tx1">
-                    <a:lumMod val="75000"/>
-                    <a:lumOff val="25000"/>
-                  </a:schemeClr>
-                </a:solidFill>
-              </a:rPr>
-              <a:t>Engenharia da Computação</a:t>
-            </a:r>
-          </a:p>
-          <a:p>
-            <a:pPr algn="r"/>
-            <a:r>
-              <a:rPr lang="pt-BR" dirty="0">
-                <a:solidFill>
-                  <a:schemeClr val="tx1">
-                    <a:lumMod val="75000"/>
-                    <a:lumOff val="25000"/>
-                  </a:schemeClr>
-                </a:solidFill>
-              </a:rPr>
-              <a:t>	</a:t>
-            </a:r>
-            <a:r>
-              <a:rPr lang="pt-BR" sz="1600" dirty="0">
-                <a:solidFill>
-                  <a:schemeClr val="tx1">
-                    <a:lumMod val="75000"/>
-                    <a:lumOff val="25000"/>
-                  </a:schemeClr>
-                </a:solidFill>
-              </a:rPr>
-              <a:t>8º semestre</a:t>
-            </a:r>
-          </a:p>
-          <a:p>
-            <a:pPr algn="r"/>
-            <a:r>
-              <a:rPr lang="pt-BR" sz="1600" dirty="0">
-                <a:solidFill>
-                  <a:schemeClr val="tx1">
-                    <a:lumMod val="75000"/>
-                    <a:lumOff val="25000"/>
-                  </a:schemeClr>
-                </a:solidFill>
-              </a:rPr>
-              <a:t>	Formação prevista: julho/2022</a:t>
-            </a:r>
-          </a:p>
-        </p:txBody>
-      </p:sp>
-      <p:sp>
-        <p:nvSpPr>
-          <p:cNvPr id="11" name="CaixaDeTexto 10">
-            <a:extLst>
-              <a:ext uri="{FF2B5EF4-FFF2-40B4-BE49-F238E27FC236}">
-                <a16:creationId xmlns:a16="http://schemas.microsoft.com/office/drawing/2014/main" id="{0EA77C97-D302-41B2-899E-AC3DB9D3D7D3}"/>
-              </a:ext>
-            </a:extLst>
-          </p:cNvPr>
-          <p:cNvSpPr txBox="1"/>
-          <p:nvPr/>
-        </p:nvSpPr>
-        <p:spPr>
-          <a:xfrm>
             <a:off x="637563" y="214390"/>
             <a:ext cx="3122971" cy="400110"/>
           </a:xfrm>
@@ -8128,12 +8421,125 @@
           </a:p>
         </p:txBody>
       </p:sp>
+      <p:sp>
+        <p:nvSpPr>
+          <p:cNvPr id="4" name="Título 1">
+            <a:extLst>
+              <a:ext uri="{FF2B5EF4-FFF2-40B4-BE49-F238E27FC236}">
+                <a16:creationId xmlns:a16="http://schemas.microsoft.com/office/drawing/2014/main" id="{244E8DC8-ED93-4C73-BC31-E449CA404766}"/>
+              </a:ext>
+            </a:extLst>
+          </p:cNvPr>
+          <p:cNvSpPr txBox="1">
+            <a:spLocks/>
+          </p:cNvSpPr>
+          <p:nvPr/>
+        </p:nvSpPr>
+        <p:spPr>
+          <a:xfrm>
+            <a:off x="1854694" y="625463"/>
+            <a:ext cx="4688720" cy="708387"/>
+          </a:xfrm>
+          <a:prstGeom prst="rect">
+            <a:avLst/>
+          </a:prstGeom>
+        </p:spPr>
+        <p:txBody>
+          <a:bodyPr>
+            <a:normAutofit/>
+          </a:bodyPr>
+          <a:lstStyle>
+            <a:lvl1pPr algn="l" defTabSz="457200" rtl="0" eaLnBrk="1" latinLnBrk="0" hangingPunct="1">
+              <a:spcBef>
+                <a:spcPct val="0"/>
+              </a:spcBef>
+              <a:buNone/>
+              <a:defRPr sz="3600" kern="1200">
+                <a:solidFill>
+                  <a:schemeClr val="accent2">
+                    <a:lumMod val="75000"/>
+                  </a:schemeClr>
+                </a:solidFill>
+                <a:latin typeface="+mj-lt"/>
+                <a:ea typeface="+mj-ea"/>
+                <a:cs typeface="+mj-cs"/>
+              </a:defRPr>
+            </a:lvl1pPr>
+            <a:lvl2pPr eaLnBrk="1" hangingPunct="1">
+              <a:defRPr>
+                <a:solidFill>
+                  <a:schemeClr val="tx2"/>
+                </a:solidFill>
+              </a:defRPr>
+            </a:lvl2pPr>
+            <a:lvl3pPr eaLnBrk="1" hangingPunct="1">
+              <a:defRPr>
+                <a:solidFill>
+                  <a:schemeClr val="tx2"/>
+                </a:solidFill>
+              </a:defRPr>
+            </a:lvl3pPr>
+            <a:lvl4pPr eaLnBrk="1" hangingPunct="1">
+              <a:defRPr>
+                <a:solidFill>
+                  <a:schemeClr val="tx2"/>
+                </a:solidFill>
+              </a:defRPr>
+            </a:lvl4pPr>
+            <a:lvl5pPr eaLnBrk="1" hangingPunct="1">
+              <a:defRPr>
+                <a:solidFill>
+                  <a:schemeClr val="tx2"/>
+                </a:solidFill>
+              </a:defRPr>
+            </a:lvl5pPr>
+            <a:lvl6pPr eaLnBrk="1" hangingPunct="1">
+              <a:defRPr>
+                <a:solidFill>
+                  <a:schemeClr val="tx2"/>
+                </a:solidFill>
+              </a:defRPr>
+            </a:lvl6pPr>
+            <a:lvl7pPr eaLnBrk="1" hangingPunct="1">
+              <a:defRPr>
+                <a:solidFill>
+                  <a:schemeClr val="tx2"/>
+                </a:solidFill>
+              </a:defRPr>
+            </a:lvl7pPr>
+            <a:lvl8pPr eaLnBrk="1" hangingPunct="1">
+              <a:defRPr>
+                <a:solidFill>
+                  <a:schemeClr val="tx2"/>
+                </a:solidFill>
+              </a:defRPr>
+            </a:lvl8pPr>
+            <a:lvl9pPr eaLnBrk="1" hangingPunct="1">
+              <a:defRPr>
+                <a:solidFill>
+                  <a:schemeClr val="tx2"/>
+                </a:solidFill>
+              </a:defRPr>
+            </a:lvl9pPr>
+          </a:lstStyle>
+          <a:p>
+            <a:r>
+              <a:rPr lang="pt-BR" dirty="0">
+                <a:solidFill>
+                  <a:schemeClr val="tx1"/>
+                </a:solidFill>
+              </a:rPr>
+              <a:t>Jogos aleatórios:</a:t>
+            </a:r>
+          </a:p>
+        </p:txBody>
+      </p:sp>
       <p:pic>
         <p:nvPicPr>
-          <p:cNvPr id="13" name="Imagem 12">
+          <p:cNvPr id="8" name="Imagem 7">
             <a:extLst>
               <a:ext uri="{FF2B5EF4-FFF2-40B4-BE49-F238E27FC236}">
-                <a16:creationId xmlns:a16="http://schemas.microsoft.com/office/drawing/2014/main" id="{7E5F6711-C1EB-43D3-8879-ED436874923A}"/>
+                <a16:creationId xmlns:a16="http://schemas.microsoft.com/office/drawing/2014/main" id="{22115BD8-6976-4849-9824-B1A5F2A1B9D7}"/>
               </a:ext>
             </a:extLst>
           </p:cNvPr>
@@ -8150,20 +8556,65 @@
         </p:blipFill>
         <p:spPr>
           <a:xfrm>
-            <a:off x="5995332" y="1454303"/>
-            <a:ext cx="2920778" cy="892552"/>
+            <a:off x="2894991" y="1493696"/>
+            <a:ext cx="6402017" cy="4943054"/>
           </a:xfrm>
           <a:prstGeom prst="rect">
             <a:avLst/>
           </a:prstGeom>
+          <a:effectLst>
+            <a:softEdge rad="38100"/>
+          </a:effectLst>
         </p:spPr>
       </p:pic>
+    </p:spTree>
+    <p:extLst>
+      <p:ext uri="{BB962C8B-B14F-4D97-AF65-F5344CB8AC3E}">
+        <p14:creationId xmlns:p14="http://schemas.microsoft.com/office/powerpoint/2010/main" val="99769106"/>
+      </p:ext>
+    </p:extLst>
+  </p:cSld>
+  <p:clrMapOvr>
+    <a:masterClrMapping/>
+  </p:clrMapOvr>
+  <mc:AlternateContent xmlns:mc="http://schemas.openxmlformats.org/markup-compatibility/2006">
+    <mc:Choice xmlns:p159="http://schemas.microsoft.com/office/powerpoint/2015/09/main" Requires="p159">
+      <p:transition xmlns:p14="http://schemas.microsoft.com/office/powerpoint/2010/main" spd="slow" p14:dur="2000">
+        <p159:morph option="byObject"/>
+      </p:transition>
+    </mc:Choice>
+    <mc:Fallback>
+      <p:transition spd="slow">
+        <p:fade/>
+      </p:transition>
+    </mc:Fallback>
+  </mc:AlternateContent>
+</p:sld>
+</file>
+
+<file path=ppt/slides/slide11.xml><?xml version="1.0" encoding="utf-8"?>
+<p:sld xmlns:a="http://schemas.openxmlformats.org/drawingml/2006/main" xmlns:r="http://schemas.openxmlformats.org/officeDocument/2006/relationships" xmlns:p="http://schemas.openxmlformats.org/presentationml/2006/main">
+  <p:cSld>
+    <p:spTree>
+      <p:nvGrpSpPr>
+        <p:cNvPr id="1" name=""/>
+        <p:cNvGrpSpPr/>
+        <p:nvPr/>
+      </p:nvGrpSpPr>
+      <p:grpSpPr>
+        <a:xfrm>
+          <a:off x="0" y="0"/>
+          <a:ext cx="0" cy="0"/>
+          <a:chOff x="0" y="0"/>
+          <a:chExt cx="0" cy="0"/>
+        </a:xfrm>
+      </p:grpSpPr>
       <p:pic>
         <p:nvPicPr>
-          <p:cNvPr id="3" name="Imagem 2">
+          <p:cNvPr id="2" name="Imagem 1">
             <a:extLst>
               <a:ext uri="{FF2B5EF4-FFF2-40B4-BE49-F238E27FC236}">
-                <a16:creationId xmlns:a16="http://schemas.microsoft.com/office/drawing/2014/main" id="{EE91EACE-59AF-4AB3-A451-7D1FE560D3ED}"/>
+                <a16:creationId xmlns:a16="http://schemas.microsoft.com/office/drawing/2014/main" id="{E25F9BC4-B60E-4A18-884F-7F234F4176AE}"/>
               </a:ext>
             </a:extLst>
           </p:cNvPr>
@@ -8173,15 +8624,15 @@
           <p:nvPr/>
         </p:nvPicPr>
         <p:blipFill>
-          <a:blip r:embed="rId4"/>
+          <a:blip r:embed="rId2"/>
           <a:stretch>
             <a:fillRect/>
           </a:stretch>
         </p:blipFill>
         <p:spPr>
           <a:xfrm>
-            <a:off x="6096000" y="2865541"/>
-            <a:ext cx="1619250" cy="419100"/>
+            <a:off x="11407112" y="6027651"/>
+            <a:ext cx="726165" cy="763237"/>
           </a:xfrm>
           <a:prstGeom prst="rect">
             <a:avLst/>
@@ -8190,10 +8641,10 @@
       </p:pic>
       <p:sp>
         <p:nvSpPr>
-          <p:cNvPr id="4" name="CaixaDeTexto 3">
+          <p:cNvPr id="3" name="CaixaDeTexto 2">
             <a:extLst>
               <a:ext uri="{FF2B5EF4-FFF2-40B4-BE49-F238E27FC236}">
-                <a16:creationId xmlns:a16="http://schemas.microsoft.com/office/drawing/2014/main" id="{E745093B-00D0-4CE6-8372-F26D1CD52A0A}"/>
+                <a16:creationId xmlns:a16="http://schemas.microsoft.com/office/drawing/2014/main" id="{EEA66575-48F1-4BA7-8AAE-F2334BB048C3}"/>
               </a:ext>
             </a:extLst>
           </p:cNvPr>
@@ -8202,8 +8653,8 @@
         </p:nvSpPr>
         <p:spPr>
           <a:xfrm>
-            <a:off x="3375704" y="2764294"/>
-            <a:ext cx="2619628" cy="892552"/>
+            <a:off x="637563" y="214390"/>
+            <a:ext cx="3122971" cy="400110"/>
           </a:xfrm>
           <a:prstGeom prst="rect">
             <a:avLst/>
@@ -8216,60 +8667,351 @@
           </a:bodyPr>
           <a:lstStyle/>
           <a:p>
-            <a:pPr algn="r"/>
+            <a:r>
+              <a:rPr lang="pt-BR" sz="2000" dirty="0">
+                <a:latin typeface="Arial" panose="020B0604020202020204" pitchFamily="34" charset="0"/>
+                <a:cs typeface="Arial" panose="020B0604020202020204" pitchFamily="34" charset="0"/>
+              </a:rPr>
+              <a:t>Felipe Figueiredo Furtado</a:t>
+            </a:r>
+          </a:p>
+        </p:txBody>
+      </p:sp>
+      <p:sp>
+        <p:nvSpPr>
+          <p:cNvPr id="4" name="Título 1">
+            <a:extLst>
+              <a:ext uri="{FF2B5EF4-FFF2-40B4-BE49-F238E27FC236}">
+                <a16:creationId xmlns:a16="http://schemas.microsoft.com/office/drawing/2014/main" id="{CBFCFD9F-FCDA-4493-8BF9-512BEE6AC6FC}"/>
+              </a:ext>
+            </a:extLst>
+          </p:cNvPr>
+          <p:cNvSpPr txBox="1">
+            <a:spLocks/>
+          </p:cNvSpPr>
+          <p:nvPr/>
+        </p:nvSpPr>
+        <p:spPr>
+          <a:xfrm>
+            <a:off x="1854694" y="625463"/>
+            <a:ext cx="4688720" cy="708387"/>
+          </a:xfrm>
+          <a:prstGeom prst="rect">
+            <a:avLst/>
+          </a:prstGeom>
+        </p:spPr>
+        <p:txBody>
+          <a:bodyPr>
+            <a:normAutofit/>
+          </a:bodyPr>
+          <a:lstStyle>
+            <a:lvl1pPr algn="l" defTabSz="457200" rtl="0" eaLnBrk="1" latinLnBrk="0" hangingPunct="1">
+              <a:spcBef>
+                <a:spcPct val="0"/>
+              </a:spcBef>
+              <a:buNone/>
+              <a:defRPr sz="3600" kern="1200">
+                <a:solidFill>
+                  <a:schemeClr val="accent2">
+                    <a:lumMod val="75000"/>
+                  </a:schemeClr>
+                </a:solidFill>
+                <a:latin typeface="+mj-lt"/>
+                <a:ea typeface="+mj-ea"/>
+                <a:cs typeface="+mj-cs"/>
+              </a:defRPr>
+            </a:lvl1pPr>
+            <a:lvl2pPr eaLnBrk="1" hangingPunct="1">
+              <a:defRPr>
+                <a:solidFill>
+                  <a:schemeClr val="tx2"/>
+                </a:solidFill>
+              </a:defRPr>
+            </a:lvl2pPr>
+            <a:lvl3pPr eaLnBrk="1" hangingPunct="1">
+              <a:defRPr>
+                <a:solidFill>
+                  <a:schemeClr val="tx2"/>
+                </a:solidFill>
+              </a:defRPr>
+            </a:lvl3pPr>
+            <a:lvl4pPr eaLnBrk="1" hangingPunct="1">
+              <a:defRPr>
+                <a:solidFill>
+                  <a:schemeClr val="tx2"/>
+                </a:solidFill>
+              </a:defRPr>
+            </a:lvl4pPr>
+            <a:lvl5pPr eaLnBrk="1" hangingPunct="1">
+              <a:defRPr>
+                <a:solidFill>
+                  <a:schemeClr val="tx2"/>
+                </a:solidFill>
+              </a:defRPr>
+            </a:lvl5pPr>
+            <a:lvl6pPr eaLnBrk="1" hangingPunct="1">
+              <a:defRPr>
+                <a:solidFill>
+                  <a:schemeClr val="tx2"/>
+                </a:solidFill>
+              </a:defRPr>
+            </a:lvl6pPr>
+            <a:lvl7pPr eaLnBrk="1" hangingPunct="1">
+              <a:defRPr>
+                <a:solidFill>
+                  <a:schemeClr val="tx2"/>
+                </a:solidFill>
+              </a:defRPr>
+            </a:lvl7pPr>
+            <a:lvl8pPr eaLnBrk="1" hangingPunct="1">
+              <a:defRPr>
+                <a:solidFill>
+                  <a:schemeClr val="tx2"/>
+                </a:solidFill>
+              </a:defRPr>
+            </a:lvl8pPr>
+            <a:lvl9pPr eaLnBrk="1" hangingPunct="1">
+              <a:defRPr>
+                <a:solidFill>
+                  <a:schemeClr val="tx2"/>
+                </a:solidFill>
+              </a:defRPr>
+            </a:lvl9pPr>
+          </a:lstStyle>
+          <a:p>
             <a:r>
               <a:rPr lang="pt-BR" dirty="0">
                 <a:solidFill>
-                  <a:schemeClr val="tx1">
-                    <a:lumMod val="75000"/>
-                    <a:lumOff val="25000"/>
-                  </a:schemeClr>
+                  <a:schemeClr val="tx1"/>
                 </a:solidFill>
               </a:rPr>
-              <a:t>Engenheiro de Dados</a:t>
-            </a:r>
-          </a:p>
-          <a:p>
-            <a:pPr algn="r"/>
-            <a:r>
-              <a:rPr lang="pt-BR" sz="1600" dirty="0">
-                <a:solidFill>
-                  <a:schemeClr val="tx1">
-                    <a:lumMod val="75000"/>
-                    <a:lumOff val="25000"/>
-                  </a:schemeClr>
-                </a:solidFill>
-              </a:rPr>
-              <a:t>Bootcamp - 148 horas</a:t>
-            </a:r>
-            <a:endParaRPr lang="pt-BR" dirty="0">
-              <a:solidFill>
-                <a:schemeClr val="tx1">
-                  <a:lumMod val="75000"/>
-                  <a:lumOff val="25000"/>
-                </a:schemeClr>
-              </a:solidFill>
-            </a:endParaRPr>
-          </a:p>
-          <a:p>
-            <a:pPr algn="r"/>
-            <a:endParaRPr lang="pt-BR" dirty="0">
-              <a:solidFill>
-                <a:schemeClr val="tx1">
-                  <a:lumMod val="75000"/>
-                  <a:lumOff val="25000"/>
-                </a:schemeClr>
-              </a:solidFill>
-            </a:endParaRPr>
-          </a:p>
-        </p:txBody>
-      </p:sp>
+              <a:t>Questões:</a:t>
+            </a:r>
+          </a:p>
+        </p:txBody>
+      </p:sp>
+      <mc:AlternateContent xmlns:mc="http://schemas.openxmlformats.org/markup-compatibility/2006">
+        <mc:Choice xmlns:a14="http://schemas.microsoft.com/office/drawing/2010/main" Requires="a14">
+          <p:sp>
+            <p:nvSpPr>
+              <p:cNvPr id="5" name="CaixaDeTexto 4">
+                <a:extLst>
+                  <a:ext uri="{FF2B5EF4-FFF2-40B4-BE49-F238E27FC236}">
+                    <a16:creationId xmlns:a16="http://schemas.microsoft.com/office/drawing/2014/main" id="{691A9EBA-A12F-4220-A9A3-E10BE885438A}"/>
+                  </a:ext>
+                </a:extLst>
+              </p:cNvPr>
+              <p:cNvSpPr txBox="1"/>
+              <p:nvPr/>
+            </p:nvSpPr>
+            <p:spPr>
+              <a:xfrm>
+                <a:off x="3071812" y="2276476"/>
+                <a:ext cx="6048376" cy="3404778"/>
+              </a:xfrm>
+              <a:prstGeom prst="rect">
+                <a:avLst/>
+              </a:prstGeom>
+              <a:noFill/>
+            </p:spPr>
+            <p:txBody>
+              <a:bodyPr wrap="square" rtlCol="0">
+                <a:spAutoFit/>
+              </a:bodyPr>
+              <a:lstStyle/>
+              <a:p>
+                <a:r>
+                  <a:rPr lang="en-US" b="1" dirty="0"/>
+                  <a:t>Question 1 </a:t>
+                </a:r>
+              </a:p>
+              <a:p>
+                <a:r>
+                  <a:rPr lang="en-US" dirty="0"/>
+                  <a:t>In a two person game, what is the probability that the player who starts the game wins? </a:t>
+                </a:r>
+              </a:p>
+              <a:p>
+                <a:endParaRPr lang="en-US" dirty="0"/>
+              </a:p>
+              <a:p>
+                <a:r>
+                  <a:rPr lang="en-US" dirty="0"/>
+                  <a:t>Player 1 – 5327</a:t>
+                </a:r>
+              </a:p>
+              <a:p>
+                <a:r>
+                  <a:rPr lang="en-US" dirty="0"/>
+                  <a:t>Player 2 – 4673</a:t>
+                </a:r>
+              </a:p>
+              <a:p>
+                <a:r>
+                  <a:rPr lang="en-US" dirty="0"/>
+                  <a:t>Total – 10,000</a:t>
+                </a:r>
+              </a:p>
+              <a:p>
+                <a:endParaRPr lang="en-US" dirty="0"/>
+              </a:p>
+              <a:p>
+                <a14:m>
+                  <m:oMathPara xmlns:m="http://schemas.openxmlformats.org/officeDocument/2006/math">
+                    <m:oMathParaPr>
+                      <m:jc m:val="centerGroup"/>
+                    </m:oMathParaPr>
+                    <m:oMath xmlns:m="http://schemas.openxmlformats.org/officeDocument/2006/math">
+                      <m:r>
+                        <a:rPr lang="pt-BR" b="0" i="1" smtClean="0">
+                          <a:latin typeface="Cambria Math" panose="02040503050406030204" pitchFamily="18" charset="0"/>
+                        </a:rPr>
+                        <m:t>%= </m:t>
+                      </m:r>
+                      <m:f>
+                        <m:fPr>
+                          <m:ctrlPr>
+                            <a:rPr lang="pt-BR" b="0" i="1" smtClean="0">
+                              <a:latin typeface="Cambria Math" panose="02040503050406030204" pitchFamily="18" charset="0"/>
+                            </a:rPr>
+                          </m:ctrlPr>
+                        </m:fPr>
+                        <m:num>
+                          <m:r>
+                            <a:rPr lang="pt-BR" b="0" i="1" smtClean="0">
+                              <a:latin typeface="Cambria Math" panose="02040503050406030204" pitchFamily="18" charset="0"/>
+                            </a:rPr>
+                            <m:t>𝑃𝑙𝑎𝑦𝑒𝑟</m:t>
+                          </m:r>
+                          <m:r>
+                            <a:rPr lang="pt-BR" b="0" i="1" smtClean="0">
+                              <a:latin typeface="Cambria Math" panose="02040503050406030204" pitchFamily="18" charset="0"/>
+                            </a:rPr>
+                            <m:t> 1</m:t>
+                          </m:r>
+                        </m:num>
+                        <m:den>
+                          <m:r>
+                            <a:rPr lang="pt-BR" b="0" i="1" smtClean="0">
+                              <a:latin typeface="Cambria Math" panose="02040503050406030204" pitchFamily="18" charset="0"/>
+                            </a:rPr>
+                            <m:t>𝑇𝑜𝑡𝑎𝑙</m:t>
+                          </m:r>
+                        </m:den>
+                      </m:f>
+                      <m:r>
+                        <a:rPr lang="pt-BR" b="0" i="1" smtClean="0">
+                          <a:latin typeface="Cambria Math" panose="02040503050406030204" pitchFamily="18" charset="0"/>
+                        </a:rPr>
+                        <m:t>=53.27%</m:t>
+                      </m:r>
+                    </m:oMath>
+                  </m:oMathPara>
+                </a14:m>
+                <a:endParaRPr lang="en-US" dirty="0"/>
+              </a:p>
+              <a:p>
+                <a:endParaRPr lang="en-US" dirty="0"/>
+              </a:p>
+              <a:p>
+                <a:endParaRPr lang="pt-BR" dirty="0"/>
+              </a:p>
+            </p:txBody>
+          </p:sp>
+        </mc:Choice>
+        <mc:Fallback>
+          <p:sp>
+            <p:nvSpPr>
+              <p:cNvPr id="5" name="CaixaDeTexto 4">
+                <a:extLst>
+                  <a:ext uri="{FF2B5EF4-FFF2-40B4-BE49-F238E27FC236}">
+                    <a16:creationId xmlns:a16="http://schemas.microsoft.com/office/drawing/2014/main" id="{691A9EBA-A12F-4220-A9A3-E10BE885438A}"/>
+                  </a:ext>
+                </a:extLst>
+              </p:cNvPr>
+              <p:cNvSpPr txBox="1">
+                <a:spLocks noRot="1" noChangeAspect="1" noMove="1" noResize="1" noEditPoints="1" noAdjustHandles="1" noChangeArrowheads="1" noChangeShapeType="1" noTextEdit="1"/>
+              </p:cNvSpPr>
+              <p:nvPr/>
+            </p:nvSpPr>
+            <p:spPr>
+              <a:xfrm>
+                <a:off x="3071812" y="2276476"/>
+                <a:ext cx="6048376" cy="3404778"/>
+              </a:xfrm>
+              <a:prstGeom prst="rect">
+                <a:avLst/>
+              </a:prstGeom>
+              <a:blipFill>
+                <a:blip r:embed="rId3"/>
+                <a:stretch>
+                  <a:fillRect l="-907" t="-894"/>
+                </a:stretch>
+              </a:blipFill>
+            </p:spPr>
+            <p:txBody>
+              <a:bodyPr/>
+              <a:lstStyle/>
+              <a:p>
+                <a:r>
+                  <a:rPr lang="pt-BR">
+                    <a:noFill/>
+                  </a:rPr>
+                  <a:t> </a:t>
+                </a:r>
+              </a:p>
+            </p:txBody>
+          </p:sp>
+        </mc:Fallback>
+      </mc:AlternateContent>
+    </p:spTree>
+    <p:extLst>
+      <p:ext uri="{BB962C8B-B14F-4D97-AF65-F5344CB8AC3E}">
+        <p14:creationId xmlns:p14="http://schemas.microsoft.com/office/powerpoint/2010/main" val="455914186"/>
+      </p:ext>
+    </p:extLst>
+  </p:cSld>
+  <p:clrMapOvr>
+    <a:masterClrMapping/>
+  </p:clrMapOvr>
+  <mc:AlternateContent xmlns:mc="http://schemas.openxmlformats.org/markup-compatibility/2006">
+    <mc:Choice xmlns:p14="http://schemas.microsoft.com/office/powerpoint/2010/main" Requires="p14">
+      <p:transition spd="med" p14:dur="700">
+        <p:fade/>
+      </p:transition>
+    </mc:Choice>
+    <mc:Fallback>
+      <p:transition spd="med">
+        <p:fade/>
+      </p:transition>
+    </mc:Fallback>
+  </mc:AlternateContent>
+</p:sld>
+</file>
+
+<file path=ppt/slides/slide12.xml><?xml version="1.0" encoding="utf-8"?>
+<p:sld xmlns:a="http://schemas.openxmlformats.org/drawingml/2006/main" xmlns:r="http://schemas.openxmlformats.org/officeDocument/2006/relationships" xmlns:p="http://schemas.openxmlformats.org/presentationml/2006/main">
+  <p:cSld>
+    <p:spTree>
+      <p:nvGrpSpPr>
+        <p:cNvPr id="1" name=""/>
+        <p:cNvGrpSpPr/>
+        <p:nvPr/>
+      </p:nvGrpSpPr>
+      <p:grpSpPr>
+        <a:xfrm>
+          <a:off x="0" y="0"/>
+          <a:ext cx="0" cy="0"/>
+          <a:chOff x="0" y="0"/>
+          <a:chExt cx="0" cy="0"/>
+        </a:xfrm>
+      </p:grpSpPr>
       <p:pic>
         <p:nvPicPr>
-          <p:cNvPr id="6" name="Imagem 5">
+          <p:cNvPr id="2" name="Imagem 1">
             <a:extLst>
               <a:ext uri="{FF2B5EF4-FFF2-40B4-BE49-F238E27FC236}">
-                <a16:creationId xmlns:a16="http://schemas.microsoft.com/office/drawing/2014/main" id="{3D9FB73E-FD6F-4137-9356-C131F653578C}"/>
+                <a16:creationId xmlns:a16="http://schemas.microsoft.com/office/drawing/2014/main" id="{E25F9BC4-B60E-4A18-884F-7F234F4176AE}"/>
               </a:ext>
             </a:extLst>
           </p:cNvPr>
@@ -8279,15 +9021,15 @@
           <p:nvPr/>
         </p:nvPicPr>
         <p:blipFill>
-          <a:blip r:embed="rId5"/>
+          <a:blip r:embed="rId2"/>
           <a:stretch>
             <a:fillRect/>
           </a:stretch>
         </p:blipFill>
         <p:spPr>
           <a:xfrm>
-            <a:off x="5995332" y="4659156"/>
-            <a:ext cx="2381250" cy="762000"/>
+            <a:off x="11407112" y="6027651"/>
+            <a:ext cx="726165" cy="763237"/>
           </a:xfrm>
           <a:prstGeom prst="rect">
             <a:avLst/>
@@ -8296,10 +9038,10 @@
       </p:pic>
       <p:sp>
         <p:nvSpPr>
-          <p:cNvPr id="7" name="CaixaDeTexto 6">
+          <p:cNvPr id="3" name="CaixaDeTexto 2">
             <a:extLst>
               <a:ext uri="{FF2B5EF4-FFF2-40B4-BE49-F238E27FC236}">
-                <a16:creationId xmlns:a16="http://schemas.microsoft.com/office/drawing/2014/main" id="{D9FF4788-D5B1-47AF-8EA0-B086378FF3C7}"/>
+                <a16:creationId xmlns:a16="http://schemas.microsoft.com/office/drawing/2014/main" id="{EEA66575-48F1-4BA7-8AAE-F2334BB048C3}"/>
               </a:ext>
             </a:extLst>
           </p:cNvPr>
@@ -8308,8 +9050,8 @@
         </p:nvSpPr>
         <p:spPr>
           <a:xfrm>
-            <a:off x="3734777" y="4820233"/>
-            <a:ext cx="2260555" cy="646331"/>
+            <a:off x="637563" y="214390"/>
+            <a:ext cx="3122971" cy="400110"/>
           </a:xfrm>
           <a:prstGeom prst="rect">
             <a:avLst/>
@@ -8322,41 +9064,185 @@
           </a:bodyPr>
           <a:lstStyle/>
           <a:p>
-            <a:pPr algn="r"/>
+            <a:r>
+              <a:rPr lang="pt-BR" sz="2000" dirty="0">
+                <a:latin typeface="Arial" panose="020B0604020202020204" pitchFamily="34" charset="0"/>
+                <a:cs typeface="Arial" panose="020B0604020202020204" pitchFamily="34" charset="0"/>
+              </a:rPr>
+              <a:t>Felipe Figueiredo Furtado</a:t>
+            </a:r>
+          </a:p>
+        </p:txBody>
+      </p:sp>
+      <p:sp>
+        <p:nvSpPr>
+          <p:cNvPr id="4" name="Título 1">
+            <a:extLst>
+              <a:ext uri="{FF2B5EF4-FFF2-40B4-BE49-F238E27FC236}">
+                <a16:creationId xmlns:a16="http://schemas.microsoft.com/office/drawing/2014/main" id="{CBFCFD9F-FCDA-4493-8BF9-512BEE6AC6FC}"/>
+              </a:ext>
+            </a:extLst>
+          </p:cNvPr>
+          <p:cNvSpPr txBox="1">
+            <a:spLocks/>
+          </p:cNvSpPr>
+          <p:nvPr/>
+        </p:nvSpPr>
+        <p:spPr>
+          <a:xfrm>
+            <a:off x="1854694" y="625463"/>
+            <a:ext cx="4688720" cy="708387"/>
+          </a:xfrm>
+          <a:prstGeom prst="rect">
+            <a:avLst/>
+          </a:prstGeom>
+        </p:spPr>
+        <p:txBody>
+          <a:bodyPr>
+            <a:normAutofit/>
+          </a:bodyPr>
+          <a:lstStyle>
+            <a:lvl1pPr algn="l" defTabSz="457200" rtl="0" eaLnBrk="1" latinLnBrk="0" hangingPunct="1">
+              <a:spcBef>
+                <a:spcPct val="0"/>
+              </a:spcBef>
+              <a:buNone/>
+              <a:defRPr sz="3600" kern="1200">
+                <a:solidFill>
+                  <a:schemeClr val="accent2">
+                    <a:lumMod val="75000"/>
+                  </a:schemeClr>
+                </a:solidFill>
+                <a:latin typeface="+mj-lt"/>
+                <a:ea typeface="+mj-ea"/>
+                <a:cs typeface="+mj-cs"/>
+              </a:defRPr>
+            </a:lvl1pPr>
+            <a:lvl2pPr eaLnBrk="1" hangingPunct="1">
+              <a:defRPr>
+                <a:solidFill>
+                  <a:schemeClr val="tx2"/>
+                </a:solidFill>
+              </a:defRPr>
+            </a:lvl2pPr>
+            <a:lvl3pPr eaLnBrk="1" hangingPunct="1">
+              <a:defRPr>
+                <a:solidFill>
+                  <a:schemeClr val="tx2"/>
+                </a:solidFill>
+              </a:defRPr>
+            </a:lvl3pPr>
+            <a:lvl4pPr eaLnBrk="1" hangingPunct="1">
+              <a:defRPr>
+                <a:solidFill>
+                  <a:schemeClr val="tx2"/>
+                </a:solidFill>
+              </a:defRPr>
+            </a:lvl4pPr>
+            <a:lvl5pPr eaLnBrk="1" hangingPunct="1">
+              <a:defRPr>
+                <a:solidFill>
+                  <a:schemeClr val="tx2"/>
+                </a:solidFill>
+              </a:defRPr>
+            </a:lvl5pPr>
+            <a:lvl6pPr eaLnBrk="1" hangingPunct="1">
+              <a:defRPr>
+                <a:solidFill>
+                  <a:schemeClr val="tx2"/>
+                </a:solidFill>
+              </a:defRPr>
+            </a:lvl6pPr>
+            <a:lvl7pPr eaLnBrk="1" hangingPunct="1">
+              <a:defRPr>
+                <a:solidFill>
+                  <a:schemeClr val="tx2"/>
+                </a:solidFill>
+              </a:defRPr>
+            </a:lvl7pPr>
+            <a:lvl8pPr eaLnBrk="1" hangingPunct="1">
+              <a:defRPr>
+                <a:solidFill>
+                  <a:schemeClr val="tx2"/>
+                </a:solidFill>
+              </a:defRPr>
+            </a:lvl8pPr>
+            <a:lvl9pPr eaLnBrk="1" hangingPunct="1">
+              <a:defRPr>
+                <a:solidFill>
+                  <a:schemeClr val="tx2"/>
+                </a:solidFill>
+              </a:defRPr>
+            </a:lvl9pPr>
+          </a:lstStyle>
+          <a:p>
             <a:r>
               <a:rPr lang="pt-BR" dirty="0">
                 <a:solidFill>
-                  <a:schemeClr val="tx1">
-                    <a:lumMod val="75000"/>
-                    <a:lumOff val="25000"/>
-                  </a:schemeClr>
+                  <a:schemeClr val="tx1"/>
                 </a:solidFill>
               </a:rPr>
-              <a:t>Voluntário – Redes</a:t>
-            </a:r>
-          </a:p>
-          <a:p>
-            <a:pPr algn="r"/>
-            <a:r>
-              <a:rPr lang="pt-BR" dirty="0">
-                <a:solidFill>
-                  <a:schemeClr val="tx1">
-                    <a:lumMod val="75000"/>
-                    <a:lumOff val="25000"/>
-                  </a:schemeClr>
-                </a:solidFill>
-              </a:rPr>
-              <a:t>CPBR12</a:t>
+              <a:t>Questões:</a:t>
+            </a:r>
+          </a:p>
+        </p:txBody>
+      </p:sp>
+      <p:sp>
+        <p:nvSpPr>
+          <p:cNvPr id="5" name="CaixaDeTexto 4">
+            <a:extLst>
+              <a:ext uri="{FF2B5EF4-FFF2-40B4-BE49-F238E27FC236}">
+                <a16:creationId xmlns:a16="http://schemas.microsoft.com/office/drawing/2014/main" id="{691A9EBA-A12F-4220-A9A3-E10BE885438A}"/>
+              </a:ext>
+            </a:extLst>
+          </p:cNvPr>
+          <p:cNvSpPr txBox="1"/>
+          <p:nvPr/>
+        </p:nvSpPr>
+        <p:spPr>
+          <a:xfrm>
+            <a:off x="7680071" y="2249665"/>
+            <a:ext cx="3448562" cy="1754326"/>
+          </a:xfrm>
+          <a:prstGeom prst="rect">
+            <a:avLst/>
+          </a:prstGeom>
+          <a:noFill/>
+        </p:spPr>
+        <p:txBody>
+          <a:bodyPr wrap="square" rtlCol="0">
+            <a:spAutoFit/>
+          </a:bodyPr>
+          <a:lstStyle/>
+          <a:p>
+            <a:r>
+              <a:rPr lang="en-US" b="1" dirty="0"/>
+              <a:t>Question 2 </a:t>
+            </a:r>
+          </a:p>
+          <a:p>
+            <a:r>
+              <a:rPr lang="en-US" dirty="0"/>
+              <a:t>On average, how many snakes are landed on in each game? </a:t>
+            </a:r>
+          </a:p>
+          <a:p>
+            <a:endParaRPr lang="en-US" dirty="0"/>
+          </a:p>
+          <a:p>
+            <a:r>
+              <a:rPr lang="pt-BR" dirty="0"/>
+              <a:t>Média de cobras = 6.9963</a:t>
             </a:r>
           </a:p>
         </p:txBody>
       </p:sp>
       <p:pic>
         <p:nvPicPr>
-          <p:cNvPr id="12" name="Imagem 11">
+          <p:cNvPr id="9" name="Imagem 8">
             <a:extLst>
               <a:ext uri="{FF2B5EF4-FFF2-40B4-BE49-F238E27FC236}">
-                <a16:creationId xmlns:a16="http://schemas.microsoft.com/office/drawing/2014/main" id="{404936F4-A977-44EF-8C25-0B46F4966F9C}"/>
+                <a16:creationId xmlns:a16="http://schemas.microsoft.com/office/drawing/2014/main" id="{3BAED844-3B7E-4138-B560-87ADDEE115E5}"/>
               </a:ext>
             </a:extLst>
           </p:cNvPr>
@@ -8366,84 +9252,69 @@
           <p:nvPr/>
         </p:nvPicPr>
         <p:blipFill>
-          <a:blip r:embed="rId6"/>
+          <a:blip r:embed="rId3"/>
           <a:stretch>
             <a:fillRect/>
           </a:stretch>
         </p:blipFill>
         <p:spPr>
           <a:xfrm>
-            <a:off x="5995332" y="5652335"/>
-            <a:ext cx="3756880" cy="627177"/>
+            <a:off x="1063367" y="2249665"/>
+            <a:ext cx="6048376" cy="3082570"/>
           </a:xfrm>
           <a:prstGeom prst="rect">
             <a:avLst/>
           </a:prstGeom>
         </p:spPr>
       </p:pic>
-      <p:sp>
-        <p:nvSpPr>
-          <p:cNvPr id="14" name="CaixaDeTexto 13">
+    </p:spTree>
+    <p:extLst>
+      <p:ext uri="{BB962C8B-B14F-4D97-AF65-F5344CB8AC3E}">
+        <p14:creationId xmlns:p14="http://schemas.microsoft.com/office/powerpoint/2010/main" val="3879129454"/>
+      </p:ext>
+    </p:extLst>
+  </p:cSld>
+  <p:clrMapOvr>
+    <a:masterClrMapping/>
+  </p:clrMapOvr>
+  <mc:AlternateContent xmlns:mc="http://schemas.openxmlformats.org/markup-compatibility/2006">
+    <mc:Choice xmlns:p14="http://schemas.microsoft.com/office/powerpoint/2010/main" Requires="p14">
+      <p:transition spd="med" p14:dur="700">
+        <p:fade/>
+      </p:transition>
+    </mc:Choice>
+    <mc:Fallback>
+      <p:transition spd="med">
+        <p:fade/>
+      </p:transition>
+    </mc:Fallback>
+  </mc:AlternateContent>
+</p:sld>
+</file>
+
+<file path=ppt/slides/slide13.xml><?xml version="1.0" encoding="utf-8"?>
+<p:sld xmlns:a="http://schemas.openxmlformats.org/drawingml/2006/main" xmlns:r="http://schemas.openxmlformats.org/officeDocument/2006/relationships" xmlns:p="http://schemas.openxmlformats.org/presentationml/2006/main">
+  <p:cSld>
+    <p:spTree>
+      <p:nvGrpSpPr>
+        <p:cNvPr id="1" name=""/>
+        <p:cNvGrpSpPr/>
+        <p:nvPr/>
+      </p:nvGrpSpPr>
+      <p:grpSpPr>
+        <a:xfrm>
+          <a:off x="0" y="0"/>
+          <a:ext cx="0" cy="0"/>
+          <a:chOff x="0" y="0"/>
+          <a:chExt cx="0" cy="0"/>
+        </a:xfrm>
+      </p:grpSpPr>
+      <p:pic>
+        <p:nvPicPr>
+          <p:cNvPr id="2" name="Imagem 1">
             <a:extLst>
               <a:ext uri="{FF2B5EF4-FFF2-40B4-BE49-F238E27FC236}">
-                <a16:creationId xmlns:a16="http://schemas.microsoft.com/office/drawing/2014/main" id="{760ABED4-C236-4D74-A40E-FC068F6FC326}"/>
-              </a:ext>
-            </a:extLst>
-          </p:cNvPr>
-          <p:cNvSpPr txBox="1"/>
-          <p:nvPr/>
-        </p:nvSpPr>
-        <p:spPr>
-          <a:xfrm>
-            <a:off x="3170520" y="5624813"/>
-            <a:ext cx="2824812" cy="646331"/>
-          </a:xfrm>
-          <a:prstGeom prst="rect">
-            <a:avLst/>
-          </a:prstGeom>
-          <a:noFill/>
-        </p:spPr>
-        <p:txBody>
-          <a:bodyPr wrap="none" rtlCol="0">
-            <a:spAutoFit/>
-          </a:bodyPr>
-          <a:lstStyle/>
-          <a:p>
-            <a:pPr algn="r"/>
-            <a:r>
-              <a:rPr lang="pt-BR" dirty="0">
-                <a:solidFill>
-                  <a:schemeClr val="tx1">
-                    <a:lumMod val="75000"/>
-                    <a:lumOff val="25000"/>
-                  </a:schemeClr>
-                </a:solidFill>
-              </a:rPr>
-              <a:t>HackerSec Conference</a:t>
-            </a:r>
-          </a:p>
-          <a:p>
-            <a:pPr algn="r"/>
-            <a:r>
-              <a:rPr lang="pt-BR" dirty="0">
-                <a:solidFill>
-                  <a:schemeClr val="tx1">
-                    <a:lumMod val="75000"/>
-                    <a:lumOff val="25000"/>
-                  </a:schemeClr>
-                </a:solidFill>
-              </a:rPr>
-              <a:t>2020</a:t>
-            </a:r>
-          </a:p>
-        </p:txBody>
-      </p:sp>
-      <p:pic>
-        <p:nvPicPr>
-          <p:cNvPr id="16" name="Imagem 15">
-            <a:extLst>
-              <a:ext uri="{FF2B5EF4-FFF2-40B4-BE49-F238E27FC236}">
-                <a16:creationId xmlns:a16="http://schemas.microsoft.com/office/drawing/2014/main" id="{2E5F8CE5-65A6-48E1-AF8A-E644A471596D}"/>
+                <a16:creationId xmlns:a16="http://schemas.microsoft.com/office/drawing/2014/main" id="{E25F9BC4-B60E-4A18-884F-7F234F4176AE}"/>
               </a:ext>
             </a:extLst>
           </p:cNvPr>
@@ -8453,15 +9324,15 @@
           <p:nvPr/>
         </p:nvPicPr>
         <p:blipFill>
-          <a:blip r:embed="rId7"/>
+          <a:blip r:embed="rId2"/>
           <a:stretch>
             <a:fillRect/>
           </a:stretch>
         </p:blipFill>
         <p:spPr>
           <a:xfrm>
-            <a:off x="6110686" y="3704608"/>
-            <a:ext cx="2445015" cy="651018"/>
+            <a:off x="11407112" y="6027651"/>
+            <a:ext cx="726165" cy="763237"/>
           </a:xfrm>
           <a:prstGeom prst="rect">
             <a:avLst/>
@@ -8470,10 +9341,48 @@
       </p:pic>
       <p:sp>
         <p:nvSpPr>
-          <p:cNvPr id="17" name="Espaço Reservado para Conteúdo 2">
+          <p:cNvPr id="3" name="CaixaDeTexto 2">
             <a:extLst>
               <a:ext uri="{FF2B5EF4-FFF2-40B4-BE49-F238E27FC236}">
-                <a16:creationId xmlns:a16="http://schemas.microsoft.com/office/drawing/2014/main" id="{B60E3D73-10BA-4EAA-806F-6E0A6425405F}"/>
+                <a16:creationId xmlns:a16="http://schemas.microsoft.com/office/drawing/2014/main" id="{EEA66575-48F1-4BA7-8AAE-F2334BB048C3}"/>
+              </a:ext>
+            </a:extLst>
+          </p:cNvPr>
+          <p:cNvSpPr txBox="1"/>
+          <p:nvPr/>
+        </p:nvSpPr>
+        <p:spPr>
+          <a:xfrm>
+            <a:off x="637563" y="214390"/>
+            <a:ext cx="3122971" cy="400110"/>
+          </a:xfrm>
+          <a:prstGeom prst="rect">
+            <a:avLst/>
+          </a:prstGeom>
+          <a:noFill/>
+        </p:spPr>
+        <p:txBody>
+          <a:bodyPr wrap="none" rtlCol="0">
+            <a:spAutoFit/>
+          </a:bodyPr>
+          <a:lstStyle/>
+          <a:p>
+            <a:r>
+              <a:rPr lang="pt-BR" sz="2000" dirty="0">
+                <a:latin typeface="Arial" panose="020B0604020202020204" pitchFamily="34" charset="0"/>
+                <a:cs typeface="Arial" panose="020B0604020202020204" pitchFamily="34" charset="0"/>
+              </a:rPr>
+              <a:t>Felipe Figueiredo Furtado</a:t>
+            </a:r>
+          </a:p>
+        </p:txBody>
+      </p:sp>
+      <p:sp>
+        <p:nvSpPr>
+          <p:cNvPr id="4" name="Título 1">
+            <a:extLst>
+              <a:ext uri="{FF2B5EF4-FFF2-40B4-BE49-F238E27FC236}">
+                <a16:creationId xmlns:a16="http://schemas.microsoft.com/office/drawing/2014/main" id="{CBFCFD9F-FCDA-4493-8BF9-512BEE6AC6FC}"/>
               </a:ext>
             </a:extLst>
           </p:cNvPr>
@@ -8484,293 +9393,1016 @@
         </p:nvSpPr>
         <p:spPr>
           <a:xfrm>
-            <a:off x="2108243" y="3643564"/>
-            <a:ext cx="3887089" cy="762000"/>
+            <a:off x="1854694" y="625463"/>
+            <a:ext cx="4688720" cy="708387"/>
           </a:xfrm>
           <a:prstGeom prst="rect">
             <a:avLst/>
           </a:prstGeom>
         </p:spPr>
         <p:txBody>
-          <a:bodyPr vert="horz" lIns="91440" tIns="45720" rIns="91440" bIns="45720" rtlCol="0" anchor="t">
-            <a:noAutofit/>
+          <a:bodyPr>
+            <a:normAutofit/>
           </a:bodyPr>
           <a:lstStyle>
-            <a:lvl1pPr marL="0" indent="0" algn="l" defTabSz="457200" rtl="0" eaLnBrk="1" latinLnBrk="0" hangingPunct="1">
+            <a:lvl1pPr algn="l" defTabSz="457200" rtl="0" eaLnBrk="1" latinLnBrk="0" hangingPunct="1">
               <a:spcBef>
-                <a:spcPts val="1000"/>
+                <a:spcPct val="0"/>
               </a:spcBef>
-              <a:spcAft>
-                <a:spcPts val="0"/>
-              </a:spcAft>
-              <a:buClr>
-                <a:schemeClr val="accent1"/>
-              </a:buClr>
-              <a:buFont typeface="Wingdings 3" charset="2"/>
               <a:buNone/>
-              <a:defRPr sz="1800" kern="1200">
-                <a:solidFill>
-                  <a:schemeClr val="tx1">
-                    <a:lumMod val="65000"/>
-                    <a:lumOff val="35000"/>
+              <a:defRPr sz="3600" kern="1200">
+                <a:solidFill>
+                  <a:schemeClr val="accent2">
+                    <a:lumMod val="75000"/>
                   </a:schemeClr>
                 </a:solidFill>
-                <a:latin typeface="+mn-lt"/>
-                <a:ea typeface="+mn-ea"/>
-                <a:cs typeface="+mn-cs"/>
+                <a:latin typeface="+mj-lt"/>
+                <a:ea typeface="+mj-ea"/>
+                <a:cs typeface="+mj-cs"/>
               </a:defRPr>
             </a:lvl1pPr>
-            <a:lvl2pPr marL="457200" indent="0" algn="ctr" defTabSz="457200" rtl="0" eaLnBrk="1" latinLnBrk="0" hangingPunct="1">
-              <a:spcBef>
-                <a:spcPts val="1000"/>
-              </a:spcBef>
-              <a:spcAft>
-                <a:spcPts val="0"/>
-              </a:spcAft>
-              <a:buClr>
-                <a:schemeClr val="accent1"/>
-              </a:buClr>
-              <a:buFont typeface="Wingdings 3" charset="2"/>
-              <a:buNone/>
-              <a:defRPr sz="1600" kern="1200">
-                <a:solidFill>
-                  <a:schemeClr val="tx1">
-                    <a:tint val="75000"/>
-                  </a:schemeClr>
-                </a:solidFill>
-                <a:latin typeface="+mn-lt"/>
-                <a:ea typeface="+mn-ea"/>
-                <a:cs typeface="+mn-cs"/>
+            <a:lvl2pPr eaLnBrk="1" hangingPunct="1">
+              <a:defRPr>
+                <a:solidFill>
+                  <a:schemeClr val="tx2"/>
+                </a:solidFill>
               </a:defRPr>
             </a:lvl2pPr>
-            <a:lvl3pPr marL="914400" indent="0" algn="ctr" defTabSz="457200" rtl="0" eaLnBrk="1" latinLnBrk="0" hangingPunct="1">
-              <a:spcBef>
-                <a:spcPts val="1000"/>
-              </a:spcBef>
-              <a:spcAft>
-                <a:spcPts val="0"/>
-              </a:spcAft>
-              <a:buClr>
-                <a:schemeClr val="accent1"/>
-              </a:buClr>
-              <a:buFont typeface="Wingdings 3" charset="2"/>
-              <a:buNone/>
-              <a:defRPr sz="1400" kern="1200">
-                <a:solidFill>
-                  <a:schemeClr val="tx1">
-                    <a:tint val="75000"/>
-                  </a:schemeClr>
-                </a:solidFill>
-                <a:latin typeface="+mn-lt"/>
-                <a:ea typeface="+mn-ea"/>
-                <a:cs typeface="+mn-cs"/>
+            <a:lvl3pPr eaLnBrk="1" hangingPunct="1">
+              <a:defRPr>
+                <a:solidFill>
+                  <a:schemeClr val="tx2"/>
+                </a:solidFill>
               </a:defRPr>
             </a:lvl3pPr>
-            <a:lvl4pPr marL="1371600" indent="0" algn="ctr" defTabSz="457200" rtl="0" eaLnBrk="1" latinLnBrk="0" hangingPunct="1">
-              <a:spcBef>
-                <a:spcPts val="1000"/>
-              </a:spcBef>
-              <a:spcAft>
-                <a:spcPts val="0"/>
-              </a:spcAft>
-              <a:buClr>
-                <a:schemeClr val="accent1"/>
-              </a:buClr>
-              <a:buFont typeface="Wingdings 3" charset="2"/>
-              <a:buNone/>
-              <a:defRPr sz="1200" kern="1200">
-                <a:solidFill>
-                  <a:schemeClr val="tx1">
-                    <a:tint val="75000"/>
-                  </a:schemeClr>
-                </a:solidFill>
-                <a:latin typeface="+mn-lt"/>
-                <a:ea typeface="+mn-ea"/>
-                <a:cs typeface="+mn-cs"/>
+            <a:lvl4pPr eaLnBrk="1" hangingPunct="1">
+              <a:defRPr>
+                <a:solidFill>
+                  <a:schemeClr val="tx2"/>
+                </a:solidFill>
               </a:defRPr>
             </a:lvl4pPr>
-            <a:lvl5pPr marL="1828800" indent="0" algn="ctr" defTabSz="457200" rtl="0" eaLnBrk="1" latinLnBrk="0" hangingPunct="1">
-              <a:spcBef>
-                <a:spcPts val="1000"/>
-              </a:spcBef>
-              <a:spcAft>
-                <a:spcPts val="0"/>
-              </a:spcAft>
-              <a:buClr>
-                <a:schemeClr val="accent1"/>
-              </a:buClr>
-              <a:buFont typeface="Wingdings 3" charset="2"/>
-              <a:buNone/>
-              <a:defRPr sz="1200" kern="1200">
-                <a:solidFill>
-                  <a:schemeClr val="tx1">
-                    <a:tint val="75000"/>
-                  </a:schemeClr>
-                </a:solidFill>
-                <a:latin typeface="+mn-lt"/>
-                <a:ea typeface="+mn-ea"/>
-                <a:cs typeface="+mn-cs"/>
+            <a:lvl5pPr eaLnBrk="1" hangingPunct="1">
+              <a:defRPr>
+                <a:solidFill>
+                  <a:schemeClr val="tx2"/>
+                </a:solidFill>
               </a:defRPr>
             </a:lvl5pPr>
-            <a:lvl6pPr marL="2286000" indent="0" algn="ctr" defTabSz="457200" rtl="0" eaLnBrk="1" latinLnBrk="0" hangingPunct="1">
-              <a:spcBef>
-                <a:spcPts val="1000"/>
-              </a:spcBef>
-              <a:spcAft>
-                <a:spcPts val="0"/>
-              </a:spcAft>
-              <a:buClr>
-                <a:schemeClr val="accent1"/>
-              </a:buClr>
-              <a:buFont typeface="Wingdings 3" charset="2"/>
-              <a:buNone/>
-              <a:defRPr sz="1200" kern="1200">
-                <a:solidFill>
-                  <a:schemeClr val="tx1">
-                    <a:tint val="75000"/>
-                  </a:schemeClr>
-                </a:solidFill>
-                <a:latin typeface="+mn-lt"/>
-                <a:ea typeface="+mn-ea"/>
-                <a:cs typeface="+mn-cs"/>
+            <a:lvl6pPr eaLnBrk="1" hangingPunct="1">
+              <a:defRPr>
+                <a:solidFill>
+                  <a:schemeClr val="tx2"/>
+                </a:solidFill>
               </a:defRPr>
             </a:lvl6pPr>
-            <a:lvl7pPr marL="2743200" indent="0" algn="ctr" defTabSz="457200" rtl="0" eaLnBrk="1" latinLnBrk="0" hangingPunct="1">
-              <a:spcBef>
-                <a:spcPts val="1000"/>
-              </a:spcBef>
-              <a:spcAft>
-                <a:spcPts val="0"/>
-              </a:spcAft>
-              <a:buClr>
-                <a:schemeClr val="accent1"/>
-              </a:buClr>
-              <a:buFont typeface="Wingdings 3" charset="2"/>
-              <a:buNone/>
-              <a:defRPr sz="1200" kern="1200">
-                <a:solidFill>
-                  <a:schemeClr val="tx1">
-                    <a:tint val="75000"/>
-                  </a:schemeClr>
-                </a:solidFill>
-                <a:latin typeface="+mn-lt"/>
-                <a:ea typeface="+mn-ea"/>
-                <a:cs typeface="+mn-cs"/>
+            <a:lvl7pPr eaLnBrk="1" hangingPunct="1">
+              <a:defRPr>
+                <a:solidFill>
+                  <a:schemeClr val="tx2"/>
+                </a:solidFill>
               </a:defRPr>
             </a:lvl7pPr>
-            <a:lvl8pPr marL="3200400" indent="0" algn="ctr" defTabSz="457200" rtl="0" eaLnBrk="1" latinLnBrk="0" hangingPunct="1">
-              <a:spcBef>
-                <a:spcPts val="1000"/>
-              </a:spcBef>
-              <a:spcAft>
-                <a:spcPts val="0"/>
-              </a:spcAft>
-              <a:buClr>
-                <a:schemeClr val="accent1"/>
-              </a:buClr>
-              <a:buFont typeface="Wingdings 3" charset="2"/>
-              <a:buNone/>
-              <a:defRPr sz="1200" kern="1200">
-                <a:solidFill>
-                  <a:schemeClr val="tx1">
-                    <a:tint val="75000"/>
-                  </a:schemeClr>
-                </a:solidFill>
-                <a:latin typeface="+mn-lt"/>
-                <a:ea typeface="+mn-ea"/>
-                <a:cs typeface="+mn-cs"/>
+            <a:lvl8pPr eaLnBrk="1" hangingPunct="1">
+              <a:defRPr>
+                <a:solidFill>
+                  <a:schemeClr val="tx2"/>
+                </a:solidFill>
               </a:defRPr>
             </a:lvl8pPr>
-            <a:lvl9pPr marL="3657600" indent="0" algn="ctr" defTabSz="457200" rtl="0" eaLnBrk="1" latinLnBrk="0" hangingPunct="1">
-              <a:spcBef>
-                <a:spcPts val="1000"/>
-              </a:spcBef>
-              <a:spcAft>
-                <a:spcPts val="0"/>
-              </a:spcAft>
-              <a:buClr>
-                <a:schemeClr val="accent1"/>
-              </a:buClr>
-              <a:buFont typeface="Wingdings 3" charset="2"/>
-              <a:buNone/>
-              <a:defRPr sz="1200" kern="1200">
-                <a:solidFill>
-                  <a:schemeClr val="tx1">
-                    <a:tint val="75000"/>
-                  </a:schemeClr>
-                </a:solidFill>
-                <a:latin typeface="+mn-lt"/>
-                <a:ea typeface="+mn-ea"/>
-                <a:cs typeface="+mn-cs"/>
+            <a:lvl9pPr eaLnBrk="1" hangingPunct="1">
+              <a:defRPr>
+                <a:solidFill>
+                  <a:schemeClr val="tx2"/>
+                </a:solidFill>
               </a:defRPr>
             </a:lvl9pPr>
           </a:lstStyle>
           <a:p>
-            <a:pPr algn="r">
-              <a:spcBef>
-                <a:spcPts val="0"/>
-              </a:spcBef>
-            </a:pPr>
-            <a:r>
-              <a:rPr lang="pt-BR" sz="1600" dirty="0">
-                <a:solidFill>
-                  <a:schemeClr val="tx1">
-                    <a:lumMod val="75000"/>
-                    <a:lumOff val="25000"/>
-                  </a:schemeClr>
+            <a:r>
+              <a:rPr lang="pt-BR" dirty="0">
+                <a:solidFill>
+                  <a:schemeClr val="tx1"/>
                 </a:solidFill>
               </a:rPr>
-              <a:t>Analista de Produção</a:t>
-            </a:r>
-          </a:p>
-          <a:p>
-            <a:pPr algn="r">
-              <a:spcBef>
-                <a:spcPts val="0"/>
-              </a:spcBef>
-            </a:pPr>
-            <a:r>
-              <a:rPr lang="pt-BR" sz="1600" dirty="0">
-                <a:solidFill>
-                  <a:schemeClr val="tx1">
-                    <a:lumMod val="75000"/>
-                    <a:lumOff val="25000"/>
-                  </a:schemeClr>
-                </a:solidFill>
-              </a:rPr>
-              <a:t>Estagio</a:t>
-            </a:r>
-          </a:p>
-          <a:p>
-            <a:pPr algn="r">
-              <a:spcBef>
-                <a:spcPts val="0"/>
-              </a:spcBef>
-            </a:pPr>
-            <a:r>
-              <a:rPr lang="pt-BR" sz="1600" dirty="0">
-                <a:solidFill>
-                  <a:schemeClr val="tx1">
-                    <a:lumMod val="75000"/>
-                    <a:lumOff val="25000"/>
-                  </a:schemeClr>
-                </a:solidFill>
-              </a:rPr>
-              <a:t>Departamento de Infraestrutura de TI</a:t>
-            </a:r>
-          </a:p>
-        </p:txBody>
-      </p:sp>
+              <a:t>Questões:</a:t>
+            </a:r>
+          </a:p>
+        </p:txBody>
+      </p:sp>
+      <p:sp>
+        <p:nvSpPr>
+          <p:cNvPr id="5" name="CaixaDeTexto 4">
+            <a:extLst>
+              <a:ext uri="{FF2B5EF4-FFF2-40B4-BE49-F238E27FC236}">
+                <a16:creationId xmlns:a16="http://schemas.microsoft.com/office/drawing/2014/main" id="{691A9EBA-A12F-4220-A9A3-E10BE885438A}"/>
+              </a:ext>
+            </a:extLst>
+          </p:cNvPr>
+          <p:cNvSpPr txBox="1"/>
+          <p:nvPr/>
+        </p:nvSpPr>
+        <p:spPr>
+          <a:xfrm>
+            <a:off x="5653087" y="1920151"/>
+            <a:ext cx="6048376" cy="2031325"/>
+          </a:xfrm>
+          <a:prstGeom prst="rect">
+            <a:avLst/>
+          </a:prstGeom>
+          <a:noFill/>
+        </p:spPr>
+        <p:txBody>
+          <a:bodyPr wrap="square" rtlCol="0">
+            <a:spAutoFit/>
+          </a:bodyPr>
+          <a:lstStyle/>
+          <a:p>
+            <a:r>
+              <a:rPr lang="en-US" b="1" dirty="0"/>
+              <a:t>Question 3</a:t>
+            </a:r>
+          </a:p>
+          <a:p>
+            <a:r>
+              <a:rPr lang="en-US" dirty="0"/>
+              <a:t>If each time a player landed on a ladder and there was only a 50% chance they could take it, what is the average number of rolls needed to </a:t>
+            </a:r>
+          </a:p>
+          <a:p>
+            <a:r>
+              <a:rPr lang="en-US" dirty="0"/>
+              <a:t>complete a game? </a:t>
+            </a:r>
+          </a:p>
+          <a:p>
+            <a:endParaRPr lang="pt-BR" dirty="0"/>
+          </a:p>
+          <a:p>
+            <a:r>
+              <a:rPr lang="pt-BR" dirty="0"/>
+              <a:t>Media de rolagens: 29.8934</a:t>
+            </a:r>
+          </a:p>
+        </p:txBody>
+      </p:sp>
+      <p:pic>
+        <p:nvPicPr>
+          <p:cNvPr id="7" name="Imagem 6">
+            <a:extLst>
+              <a:ext uri="{FF2B5EF4-FFF2-40B4-BE49-F238E27FC236}">
+                <a16:creationId xmlns:a16="http://schemas.microsoft.com/office/drawing/2014/main" id="{F94E2066-3C84-482C-A304-3E1CE059C424}"/>
+              </a:ext>
+            </a:extLst>
+          </p:cNvPr>
+          <p:cNvPicPr>
+            <a:picLocks noChangeAspect="1"/>
+          </p:cNvPicPr>
+          <p:nvPr/>
+        </p:nvPicPr>
+        <p:blipFill>
+          <a:blip r:embed="rId3"/>
+          <a:stretch>
+            <a:fillRect/>
+          </a:stretch>
+        </p:blipFill>
+        <p:spPr>
+          <a:xfrm>
+            <a:off x="1078140" y="1920151"/>
+            <a:ext cx="3667590" cy="3840302"/>
+          </a:xfrm>
+          <a:prstGeom prst="rect">
+            <a:avLst/>
+          </a:prstGeom>
+        </p:spPr>
+      </p:pic>
     </p:spTree>
     <p:extLst>
       <p:ext uri="{BB962C8B-B14F-4D97-AF65-F5344CB8AC3E}">
-        <p14:creationId xmlns:p14="http://schemas.microsoft.com/office/powerpoint/2010/main" val="1527727205"/>
+        <p14:creationId xmlns:p14="http://schemas.microsoft.com/office/powerpoint/2010/main" val="1657843882"/>
       </p:ext>
     </p:extLst>
   </p:cSld>
   <p:clrMapOvr>
     <a:masterClrMapping/>
   </p:clrMapOvr>
+  <mc:AlternateContent xmlns:mc="http://schemas.openxmlformats.org/markup-compatibility/2006">
+    <mc:Choice xmlns:p14="http://schemas.microsoft.com/office/powerpoint/2010/main" Requires="p14">
+      <p:transition spd="med" p14:dur="700">
+        <p:fade/>
+      </p:transition>
+    </mc:Choice>
+    <mc:Fallback>
+      <p:transition spd="med">
+        <p:fade/>
+      </p:transition>
+    </mc:Fallback>
+  </mc:AlternateContent>
+</p:sld>
+</file>
+
+<file path=ppt/slides/slide14.xml><?xml version="1.0" encoding="utf-8"?>
+<p:sld xmlns:a="http://schemas.openxmlformats.org/drawingml/2006/main" xmlns:r="http://schemas.openxmlformats.org/officeDocument/2006/relationships" xmlns:p="http://schemas.openxmlformats.org/presentationml/2006/main">
+  <p:cSld>
+    <p:spTree>
+      <p:nvGrpSpPr>
+        <p:cNvPr id="1" name=""/>
+        <p:cNvGrpSpPr/>
+        <p:nvPr/>
+      </p:nvGrpSpPr>
+      <p:grpSpPr>
+        <a:xfrm>
+          <a:off x="0" y="0"/>
+          <a:ext cx="0" cy="0"/>
+          <a:chOff x="0" y="0"/>
+          <a:chExt cx="0" cy="0"/>
+        </a:xfrm>
+      </p:grpSpPr>
+      <p:pic>
+        <p:nvPicPr>
+          <p:cNvPr id="2" name="Imagem 1">
+            <a:extLst>
+              <a:ext uri="{FF2B5EF4-FFF2-40B4-BE49-F238E27FC236}">
+                <a16:creationId xmlns:a16="http://schemas.microsoft.com/office/drawing/2014/main" id="{E25F9BC4-B60E-4A18-884F-7F234F4176AE}"/>
+              </a:ext>
+            </a:extLst>
+          </p:cNvPr>
+          <p:cNvPicPr>
+            <a:picLocks noChangeAspect="1"/>
+          </p:cNvPicPr>
+          <p:nvPr/>
+        </p:nvPicPr>
+        <p:blipFill>
+          <a:blip r:embed="rId2"/>
+          <a:stretch>
+            <a:fillRect/>
+          </a:stretch>
+        </p:blipFill>
+        <p:spPr>
+          <a:xfrm>
+            <a:off x="11407112" y="6027651"/>
+            <a:ext cx="726165" cy="763237"/>
+          </a:xfrm>
+          <a:prstGeom prst="rect">
+            <a:avLst/>
+          </a:prstGeom>
+        </p:spPr>
+      </p:pic>
+      <p:sp>
+        <p:nvSpPr>
+          <p:cNvPr id="3" name="CaixaDeTexto 2">
+            <a:extLst>
+              <a:ext uri="{FF2B5EF4-FFF2-40B4-BE49-F238E27FC236}">
+                <a16:creationId xmlns:a16="http://schemas.microsoft.com/office/drawing/2014/main" id="{EEA66575-48F1-4BA7-8AAE-F2334BB048C3}"/>
+              </a:ext>
+            </a:extLst>
+          </p:cNvPr>
+          <p:cNvSpPr txBox="1"/>
+          <p:nvPr/>
+        </p:nvSpPr>
+        <p:spPr>
+          <a:xfrm>
+            <a:off x="637563" y="214390"/>
+            <a:ext cx="3122971" cy="400110"/>
+          </a:xfrm>
+          <a:prstGeom prst="rect">
+            <a:avLst/>
+          </a:prstGeom>
+          <a:noFill/>
+        </p:spPr>
+        <p:txBody>
+          <a:bodyPr wrap="none" rtlCol="0">
+            <a:spAutoFit/>
+          </a:bodyPr>
+          <a:lstStyle/>
+          <a:p>
+            <a:r>
+              <a:rPr lang="pt-BR" sz="2000" dirty="0">
+                <a:latin typeface="Arial" panose="020B0604020202020204" pitchFamily="34" charset="0"/>
+                <a:cs typeface="Arial" panose="020B0604020202020204" pitchFamily="34" charset="0"/>
+              </a:rPr>
+              <a:t>Felipe Figueiredo Furtado</a:t>
+            </a:r>
+          </a:p>
+        </p:txBody>
+      </p:sp>
+      <p:sp>
+        <p:nvSpPr>
+          <p:cNvPr id="4" name="Título 1">
+            <a:extLst>
+              <a:ext uri="{FF2B5EF4-FFF2-40B4-BE49-F238E27FC236}">
+                <a16:creationId xmlns:a16="http://schemas.microsoft.com/office/drawing/2014/main" id="{CBFCFD9F-FCDA-4493-8BF9-512BEE6AC6FC}"/>
+              </a:ext>
+            </a:extLst>
+          </p:cNvPr>
+          <p:cNvSpPr txBox="1">
+            <a:spLocks/>
+          </p:cNvSpPr>
+          <p:nvPr/>
+        </p:nvSpPr>
+        <p:spPr>
+          <a:xfrm>
+            <a:off x="1854694" y="625463"/>
+            <a:ext cx="4688720" cy="708387"/>
+          </a:xfrm>
+          <a:prstGeom prst="rect">
+            <a:avLst/>
+          </a:prstGeom>
+        </p:spPr>
+        <p:txBody>
+          <a:bodyPr>
+            <a:normAutofit/>
+          </a:bodyPr>
+          <a:lstStyle>
+            <a:lvl1pPr algn="l" defTabSz="457200" rtl="0" eaLnBrk="1" latinLnBrk="0" hangingPunct="1">
+              <a:spcBef>
+                <a:spcPct val="0"/>
+              </a:spcBef>
+              <a:buNone/>
+              <a:defRPr sz="3600" kern="1200">
+                <a:solidFill>
+                  <a:schemeClr val="accent2">
+                    <a:lumMod val="75000"/>
+                  </a:schemeClr>
+                </a:solidFill>
+                <a:latin typeface="+mj-lt"/>
+                <a:ea typeface="+mj-ea"/>
+                <a:cs typeface="+mj-cs"/>
+              </a:defRPr>
+            </a:lvl1pPr>
+            <a:lvl2pPr eaLnBrk="1" hangingPunct="1">
+              <a:defRPr>
+                <a:solidFill>
+                  <a:schemeClr val="tx2"/>
+                </a:solidFill>
+              </a:defRPr>
+            </a:lvl2pPr>
+            <a:lvl3pPr eaLnBrk="1" hangingPunct="1">
+              <a:defRPr>
+                <a:solidFill>
+                  <a:schemeClr val="tx2"/>
+                </a:solidFill>
+              </a:defRPr>
+            </a:lvl3pPr>
+            <a:lvl4pPr eaLnBrk="1" hangingPunct="1">
+              <a:defRPr>
+                <a:solidFill>
+                  <a:schemeClr val="tx2"/>
+                </a:solidFill>
+              </a:defRPr>
+            </a:lvl4pPr>
+            <a:lvl5pPr eaLnBrk="1" hangingPunct="1">
+              <a:defRPr>
+                <a:solidFill>
+                  <a:schemeClr val="tx2"/>
+                </a:solidFill>
+              </a:defRPr>
+            </a:lvl5pPr>
+            <a:lvl6pPr eaLnBrk="1" hangingPunct="1">
+              <a:defRPr>
+                <a:solidFill>
+                  <a:schemeClr val="tx2"/>
+                </a:solidFill>
+              </a:defRPr>
+            </a:lvl6pPr>
+            <a:lvl7pPr eaLnBrk="1" hangingPunct="1">
+              <a:defRPr>
+                <a:solidFill>
+                  <a:schemeClr val="tx2"/>
+                </a:solidFill>
+              </a:defRPr>
+            </a:lvl7pPr>
+            <a:lvl8pPr eaLnBrk="1" hangingPunct="1">
+              <a:defRPr>
+                <a:solidFill>
+                  <a:schemeClr val="tx2"/>
+                </a:solidFill>
+              </a:defRPr>
+            </a:lvl8pPr>
+            <a:lvl9pPr eaLnBrk="1" hangingPunct="1">
+              <a:defRPr>
+                <a:solidFill>
+                  <a:schemeClr val="tx2"/>
+                </a:solidFill>
+              </a:defRPr>
+            </a:lvl9pPr>
+          </a:lstStyle>
+          <a:p>
+            <a:r>
+              <a:rPr lang="pt-BR" dirty="0">
+                <a:solidFill>
+                  <a:schemeClr val="tx1"/>
+                </a:solidFill>
+              </a:rPr>
+              <a:t>Questões:</a:t>
+            </a:r>
+          </a:p>
+        </p:txBody>
+      </p:sp>
+      <p:sp>
+        <p:nvSpPr>
+          <p:cNvPr id="6" name="CaixaDeTexto 5">
+            <a:extLst>
+              <a:ext uri="{FF2B5EF4-FFF2-40B4-BE49-F238E27FC236}">
+                <a16:creationId xmlns:a16="http://schemas.microsoft.com/office/drawing/2014/main" id="{2AA7C9A4-3CC2-4140-9508-68DE522445FF}"/>
+              </a:ext>
+            </a:extLst>
+          </p:cNvPr>
+          <p:cNvSpPr txBox="1"/>
+          <p:nvPr/>
+        </p:nvSpPr>
+        <p:spPr>
+          <a:xfrm>
+            <a:off x="3004782" y="2136338"/>
+            <a:ext cx="6182436" cy="2585323"/>
+          </a:xfrm>
+          <a:prstGeom prst="rect">
+            <a:avLst/>
+          </a:prstGeom>
+          <a:noFill/>
+        </p:spPr>
+        <p:txBody>
+          <a:bodyPr wrap="square" rtlCol="0">
+            <a:spAutoFit/>
+          </a:bodyPr>
+          <a:lstStyle/>
+          <a:p>
+            <a:r>
+              <a:rPr lang="en-US" b="1" dirty="0"/>
+              <a:t>Question 4 </a:t>
+            </a:r>
+          </a:p>
+          <a:p>
+            <a:r>
+              <a:rPr lang="en-US" dirty="0"/>
+              <a:t>Starting with the base game, you decide you want the game to have approximately fair odds. You do this by changing the square that Player 2 </a:t>
+            </a:r>
+          </a:p>
+          <a:p>
+            <a:r>
+              <a:rPr lang="en-US" dirty="0"/>
+              <a:t>starts on. Which square for Player 2’s start position gives the closest to equal odds for both players?</a:t>
+            </a:r>
+          </a:p>
+          <a:p>
+            <a:endParaRPr lang="en-US" dirty="0"/>
+          </a:p>
+          <a:p>
+            <a:r>
+              <a:rPr lang="en-US" dirty="0"/>
+              <a:t>Player 1 – 1</a:t>
+            </a:r>
+          </a:p>
+          <a:p>
+            <a:r>
+              <a:rPr lang="en-US" dirty="0"/>
+              <a:t>Player 2 – 7</a:t>
+            </a:r>
+          </a:p>
+        </p:txBody>
+      </p:sp>
+    </p:spTree>
+    <p:extLst>
+      <p:ext uri="{BB962C8B-B14F-4D97-AF65-F5344CB8AC3E}">
+        <p14:creationId xmlns:p14="http://schemas.microsoft.com/office/powerpoint/2010/main" val="2346791617"/>
+      </p:ext>
+    </p:extLst>
+  </p:cSld>
+  <p:clrMapOvr>
+    <a:masterClrMapping/>
+  </p:clrMapOvr>
+  <mc:AlternateContent xmlns:mc="http://schemas.openxmlformats.org/markup-compatibility/2006">
+    <mc:Choice xmlns:p14="http://schemas.microsoft.com/office/powerpoint/2010/main" Requires="p14">
+      <p:transition spd="med" p14:dur="700">
+        <p:fade/>
+      </p:transition>
+    </mc:Choice>
+    <mc:Fallback>
+      <p:transition spd="med">
+        <p:fade/>
+      </p:transition>
+    </mc:Fallback>
+  </mc:AlternateContent>
+</p:sld>
+</file>
+
+<file path=ppt/slides/slide15.xml><?xml version="1.0" encoding="utf-8"?>
+<p:sld xmlns:a="http://schemas.openxmlformats.org/drawingml/2006/main" xmlns:r="http://schemas.openxmlformats.org/officeDocument/2006/relationships" xmlns:p="http://schemas.openxmlformats.org/presentationml/2006/main">
+  <p:cSld>
+    <p:spTree>
+      <p:nvGrpSpPr>
+        <p:cNvPr id="1" name=""/>
+        <p:cNvGrpSpPr/>
+        <p:nvPr/>
+      </p:nvGrpSpPr>
+      <p:grpSpPr>
+        <a:xfrm>
+          <a:off x="0" y="0"/>
+          <a:ext cx="0" cy="0"/>
+          <a:chOff x="0" y="0"/>
+          <a:chExt cx="0" cy="0"/>
+        </a:xfrm>
+      </p:grpSpPr>
+      <p:pic>
+        <p:nvPicPr>
+          <p:cNvPr id="2" name="Imagem 1">
+            <a:extLst>
+              <a:ext uri="{FF2B5EF4-FFF2-40B4-BE49-F238E27FC236}">
+                <a16:creationId xmlns:a16="http://schemas.microsoft.com/office/drawing/2014/main" id="{C230D0BB-1CDC-467E-82C9-A5FD344C4BAA}"/>
+              </a:ext>
+            </a:extLst>
+          </p:cNvPr>
+          <p:cNvPicPr>
+            <a:picLocks noChangeAspect="1"/>
+          </p:cNvPicPr>
+          <p:nvPr/>
+        </p:nvPicPr>
+        <p:blipFill>
+          <a:blip r:embed="rId2"/>
+          <a:stretch>
+            <a:fillRect/>
+          </a:stretch>
+        </p:blipFill>
+        <p:spPr>
+          <a:xfrm>
+            <a:off x="11407112" y="6027651"/>
+            <a:ext cx="726165" cy="763237"/>
+          </a:xfrm>
+          <a:prstGeom prst="rect">
+            <a:avLst/>
+          </a:prstGeom>
+        </p:spPr>
+      </p:pic>
+      <p:sp>
+        <p:nvSpPr>
+          <p:cNvPr id="3" name="CaixaDeTexto 2">
+            <a:extLst>
+              <a:ext uri="{FF2B5EF4-FFF2-40B4-BE49-F238E27FC236}">
+                <a16:creationId xmlns:a16="http://schemas.microsoft.com/office/drawing/2014/main" id="{B90E1FB9-0699-45D3-B818-27444DE4801B}"/>
+              </a:ext>
+            </a:extLst>
+          </p:cNvPr>
+          <p:cNvSpPr txBox="1"/>
+          <p:nvPr/>
+        </p:nvSpPr>
+        <p:spPr>
+          <a:xfrm>
+            <a:off x="637563" y="214390"/>
+            <a:ext cx="3122971" cy="400110"/>
+          </a:xfrm>
+          <a:prstGeom prst="rect">
+            <a:avLst/>
+          </a:prstGeom>
+          <a:noFill/>
+        </p:spPr>
+        <p:txBody>
+          <a:bodyPr wrap="none" rtlCol="0">
+            <a:spAutoFit/>
+          </a:bodyPr>
+          <a:lstStyle/>
+          <a:p>
+            <a:r>
+              <a:rPr lang="pt-BR" sz="2000" dirty="0">
+                <a:latin typeface="Arial" panose="020B0604020202020204" pitchFamily="34" charset="0"/>
+                <a:cs typeface="Arial" panose="020B0604020202020204" pitchFamily="34" charset="0"/>
+              </a:rPr>
+              <a:t>Felipe Figueiredo Furtado</a:t>
+            </a:r>
+          </a:p>
+        </p:txBody>
+      </p:sp>
+      <p:sp>
+        <p:nvSpPr>
+          <p:cNvPr id="4" name="Título 1">
+            <a:extLst>
+              <a:ext uri="{FF2B5EF4-FFF2-40B4-BE49-F238E27FC236}">
+                <a16:creationId xmlns:a16="http://schemas.microsoft.com/office/drawing/2014/main" id="{7C120BC0-6979-42F8-80D8-0FE8C9FE98FD}"/>
+              </a:ext>
+            </a:extLst>
+          </p:cNvPr>
+          <p:cNvSpPr txBox="1">
+            <a:spLocks/>
+          </p:cNvSpPr>
+          <p:nvPr/>
+        </p:nvSpPr>
+        <p:spPr>
+          <a:xfrm>
+            <a:off x="1854693" y="625463"/>
+            <a:ext cx="6182435" cy="708387"/>
+          </a:xfrm>
+          <a:prstGeom prst="rect">
+            <a:avLst/>
+          </a:prstGeom>
+        </p:spPr>
+        <p:txBody>
+          <a:bodyPr>
+            <a:normAutofit/>
+          </a:bodyPr>
+          <a:lstStyle>
+            <a:lvl1pPr algn="l" defTabSz="457200" rtl="0" eaLnBrk="1" latinLnBrk="0" hangingPunct="1">
+              <a:spcBef>
+                <a:spcPct val="0"/>
+              </a:spcBef>
+              <a:buNone/>
+              <a:defRPr sz="3600" kern="1200">
+                <a:solidFill>
+                  <a:schemeClr val="accent2">
+                    <a:lumMod val="75000"/>
+                  </a:schemeClr>
+                </a:solidFill>
+                <a:latin typeface="+mj-lt"/>
+                <a:ea typeface="+mj-ea"/>
+                <a:cs typeface="+mj-cs"/>
+              </a:defRPr>
+            </a:lvl1pPr>
+            <a:lvl2pPr eaLnBrk="1" hangingPunct="1">
+              <a:defRPr>
+                <a:solidFill>
+                  <a:schemeClr val="tx2"/>
+                </a:solidFill>
+              </a:defRPr>
+            </a:lvl2pPr>
+            <a:lvl3pPr eaLnBrk="1" hangingPunct="1">
+              <a:defRPr>
+                <a:solidFill>
+                  <a:schemeClr val="tx2"/>
+                </a:solidFill>
+              </a:defRPr>
+            </a:lvl3pPr>
+            <a:lvl4pPr eaLnBrk="1" hangingPunct="1">
+              <a:defRPr>
+                <a:solidFill>
+                  <a:schemeClr val="tx2"/>
+                </a:solidFill>
+              </a:defRPr>
+            </a:lvl4pPr>
+            <a:lvl5pPr eaLnBrk="1" hangingPunct="1">
+              <a:defRPr>
+                <a:solidFill>
+                  <a:schemeClr val="tx2"/>
+                </a:solidFill>
+              </a:defRPr>
+            </a:lvl5pPr>
+            <a:lvl6pPr eaLnBrk="1" hangingPunct="1">
+              <a:defRPr>
+                <a:solidFill>
+                  <a:schemeClr val="tx2"/>
+                </a:solidFill>
+              </a:defRPr>
+            </a:lvl6pPr>
+            <a:lvl7pPr eaLnBrk="1" hangingPunct="1">
+              <a:defRPr>
+                <a:solidFill>
+                  <a:schemeClr val="tx2"/>
+                </a:solidFill>
+              </a:defRPr>
+            </a:lvl7pPr>
+            <a:lvl8pPr eaLnBrk="1" hangingPunct="1">
+              <a:defRPr>
+                <a:solidFill>
+                  <a:schemeClr val="tx2"/>
+                </a:solidFill>
+              </a:defRPr>
+            </a:lvl8pPr>
+            <a:lvl9pPr eaLnBrk="1" hangingPunct="1">
+              <a:defRPr>
+                <a:solidFill>
+                  <a:schemeClr val="tx2"/>
+                </a:solidFill>
+              </a:defRPr>
+            </a:lvl9pPr>
+          </a:lstStyle>
+          <a:p>
+            <a:r>
+              <a:rPr lang="pt-BR" dirty="0">
+                <a:solidFill>
+                  <a:schemeClr val="tx1"/>
+                </a:solidFill>
+              </a:rPr>
+              <a:t>Final</a:t>
+            </a:r>
+          </a:p>
+        </p:txBody>
+      </p:sp>
+      <p:sp>
+        <p:nvSpPr>
+          <p:cNvPr id="6" name="CaixaDeTexto 5">
+            <a:extLst>
+              <a:ext uri="{FF2B5EF4-FFF2-40B4-BE49-F238E27FC236}">
+                <a16:creationId xmlns:a16="http://schemas.microsoft.com/office/drawing/2014/main" id="{D25DDF24-79A1-4A3E-B15B-A42E38DC77D1}"/>
+              </a:ext>
+            </a:extLst>
+          </p:cNvPr>
+          <p:cNvSpPr txBox="1"/>
+          <p:nvPr/>
+        </p:nvSpPr>
+        <p:spPr>
+          <a:xfrm>
+            <a:off x="4748515" y="2496925"/>
+            <a:ext cx="2694969" cy="646331"/>
+          </a:xfrm>
+          <a:prstGeom prst="rect">
+            <a:avLst/>
+          </a:prstGeom>
+          <a:noFill/>
+        </p:spPr>
+        <p:txBody>
+          <a:bodyPr wrap="none" rtlCol="0">
+            <a:spAutoFit/>
+          </a:bodyPr>
+          <a:lstStyle/>
+          <a:p>
+            <a:r>
+              <a:rPr lang="pt-BR" sz="3600" dirty="0"/>
+              <a:t>Perguntas?</a:t>
+            </a:r>
+          </a:p>
+        </p:txBody>
+      </p:sp>
+    </p:spTree>
+    <p:extLst>
+      <p:ext uri="{BB962C8B-B14F-4D97-AF65-F5344CB8AC3E}">
+        <p14:creationId xmlns:p14="http://schemas.microsoft.com/office/powerpoint/2010/main" val="3245347578"/>
+      </p:ext>
+    </p:extLst>
+  </p:cSld>
+  <p:clrMapOvr>
+    <a:masterClrMapping/>
+  </p:clrMapOvr>
+  <mc:AlternateContent xmlns:mc="http://schemas.openxmlformats.org/markup-compatibility/2006">
+    <mc:Choice xmlns:p14="http://schemas.microsoft.com/office/powerpoint/2010/main" Requires="p14">
+      <p:transition spd="med" p14:dur="700">
+        <p:fade/>
+      </p:transition>
+    </mc:Choice>
+    <mc:Fallback>
+      <p:transition spd="med">
+        <p:fade/>
+      </p:transition>
+    </mc:Fallback>
+  </mc:AlternateContent>
+</p:sld>
+</file>
+
+<file path=ppt/slides/slide16.xml><?xml version="1.0" encoding="utf-8"?>
+<p:sld xmlns:a="http://schemas.openxmlformats.org/drawingml/2006/main" xmlns:r="http://schemas.openxmlformats.org/officeDocument/2006/relationships" xmlns:p="http://schemas.openxmlformats.org/presentationml/2006/main">
+  <p:cSld>
+    <p:spTree>
+      <p:nvGrpSpPr>
+        <p:cNvPr id="1" name=""/>
+        <p:cNvGrpSpPr/>
+        <p:nvPr/>
+      </p:nvGrpSpPr>
+      <p:grpSpPr>
+        <a:xfrm>
+          <a:off x="0" y="0"/>
+          <a:ext cx="0" cy="0"/>
+          <a:chOff x="0" y="0"/>
+          <a:chExt cx="0" cy="0"/>
+        </a:xfrm>
+      </p:grpSpPr>
+      <p:pic>
+        <p:nvPicPr>
+          <p:cNvPr id="2" name="Imagem 1">
+            <a:extLst>
+              <a:ext uri="{FF2B5EF4-FFF2-40B4-BE49-F238E27FC236}">
+                <a16:creationId xmlns:a16="http://schemas.microsoft.com/office/drawing/2014/main" id="{C230D0BB-1CDC-467E-82C9-A5FD344C4BAA}"/>
+              </a:ext>
+            </a:extLst>
+          </p:cNvPr>
+          <p:cNvPicPr>
+            <a:picLocks noChangeAspect="1"/>
+          </p:cNvPicPr>
+          <p:nvPr/>
+        </p:nvPicPr>
+        <p:blipFill>
+          <a:blip r:embed="rId2"/>
+          <a:stretch>
+            <a:fillRect/>
+          </a:stretch>
+        </p:blipFill>
+        <p:spPr>
+          <a:xfrm>
+            <a:off x="11407112" y="6027651"/>
+            <a:ext cx="726165" cy="763237"/>
+          </a:xfrm>
+          <a:prstGeom prst="rect">
+            <a:avLst/>
+          </a:prstGeom>
+        </p:spPr>
+      </p:pic>
+      <p:sp>
+        <p:nvSpPr>
+          <p:cNvPr id="3" name="CaixaDeTexto 2">
+            <a:extLst>
+              <a:ext uri="{FF2B5EF4-FFF2-40B4-BE49-F238E27FC236}">
+                <a16:creationId xmlns:a16="http://schemas.microsoft.com/office/drawing/2014/main" id="{B90E1FB9-0699-45D3-B818-27444DE4801B}"/>
+              </a:ext>
+            </a:extLst>
+          </p:cNvPr>
+          <p:cNvSpPr txBox="1"/>
+          <p:nvPr/>
+        </p:nvSpPr>
+        <p:spPr>
+          <a:xfrm>
+            <a:off x="637563" y="214390"/>
+            <a:ext cx="3122971" cy="400110"/>
+          </a:xfrm>
+          <a:prstGeom prst="rect">
+            <a:avLst/>
+          </a:prstGeom>
+          <a:noFill/>
+        </p:spPr>
+        <p:txBody>
+          <a:bodyPr wrap="none" rtlCol="0">
+            <a:spAutoFit/>
+          </a:bodyPr>
+          <a:lstStyle/>
+          <a:p>
+            <a:r>
+              <a:rPr lang="pt-BR" sz="2000" dirty="0">
+                <a:latin typeface="Arial" panose="020B0604020202020204" pitchFamily="34" charset="0"/>
+                <a:cs typeface="Arial" panose="020B0604020202020204" pitchFamily="34" charset="0"/>
+              </a:rPr>
+              <a:t>Felipe Figueiredo Furtado</a:t>
+            </a:r>
+          </a:p>
+        </p:txBody>
+      </p:sp>
+      <p:sp>
+        <p:nvSpPr>
+          <p:cNvPr id="4" name="Título 1">
+            <a:extLst>
+              <a:ext uri="{FF2B5EF4-FFF2-40B4-BE49-F238E27FC236}">
+                <a16:creationId xmlns:a16="http://schemas.microsoft.com/office/drawing/2014/main" id="{7C120BC0-6979-42F8-80D8-0FE8C9FE98FD}"/>
+              </a:ext>
+            </a:extLst>
+          </p:cNvPr>
+          <p:cNvSpPr txBox="1">
+            <a:spLocks/>
+          </p:cNvSpPr>
+          <p:nvPr/>
+        </p:nvSpPr>
+        <p:spPr>
+          <a:xfrm>
+            <a:off x="1854693" y="625463"/>
+            <a:ext cx="6182435" cy="708387"/>
+          </a:xfrm>
+          <a:prstGeom prst="rect">
+            <a:avLst/>
+          </a:prstGeom>
+        </p:spPr>
+        <p:txBody>
+          <a:bodyPr>
+            <a:normAutofit/>
+          </a:bodyPr>
+          <a:lstStyle>
+            <a:lvl1pPr algn="l" defTabSz="457200" rtl="0" eaLnBrk="1" latinLnBrk="0" hangingPunct="1">
+              <a:spcBef>
+                <a:spcPct val="0"/>
+              </a:spcBef>
+              <a:buNone/>
+              <a:defRPr sz="3600" kern="1200">
+                <a:solidFill>
+                  <a:schemeClr val="accent2">
+                    <a:lumMod val="75000"/>
+                  </a:schemeClr>
+                </a:solidFill>
+                <a:latin typeface="+mj-lt"/>
+                <a:ea typeface="+mj-ea"/>
+                <a:cs typeface="+mj-cs"/>
+              </a:defRPr>
+            </a:lvl1pPr>
+            <a:lvl2pPr eaLnBrk="1" hangingPunct="1">
+              <a:defRPr>
+                <a:solidFill>
+                  <a:schemeClr val="tx2"/>
+                </a:solidFill>
+              </a:defRPr>
+            </a:lvl2pPr>
+            <a:lvl3pPr eaLnBrk="1" hangingPunct="1">
+              <a:defRPr>
+                <a:solidFill>
+                  <a:schemeClr val="tx2"/>
+                </a:solidFill>
+              </a:defRPr>
+            </a:lvl3pPr>
+            <a:lvl4pPr eaLnBrk="1" hangingPunct="1">
+              <a:defRPr>
+                <a:solidFill>
+                  <a:schemeClr val="tx2"/>
+                </a:solidFill>
+              </a:defRPr>
+            </a:lvl4pPr>
+            <a:lvl5pPr eaLnBrk="1" hangingPunct="1">
+              <a:defRPr>
+                <a:solidFill>
+                  <a:schemeClr val="tx2"/>
+                </a:solidFill>
+              </a:defRPr>
+            </a:lvl5pPr>
+            <a:lvl6pPr eaLnBrk="1" hangingPunct="1">
+              <a:defRPr>
+                <a:solidFill>
+                  <a:schemeClr val="tx2"/>
+                </a:solidFill>
+              </a:defRPr>
+            </a:lvl6pPr>
+            <a:lvl7pPr eaLnBrk="1" hangingPunct="1">
+              <a:defRPr>
+                <a:solidFill>
+                  <a:schemeClr val="tx2"/>
+                </a:solidFill>
+              </a:defRPr>
+            </a:lvl7pPr>
+            <a:lvl8pPr eaLnBrk="1" hangingPunct="1">
+              <a:defRPr>
+                <a:solidFill>
+                  <a:schemeClr val="tx2"/>
+                </a:solidFill>
+              </a:defRPr>
+            </a:lvl8pPr>
+            <a:lvl9pPr eaLnBrk="1" hangingPunct="1">
+              <a:defRPr>
+                <a:solidFill>
+                  <a:schemeClr val="tx2"/>
+                </a:solidFill>
+              </a:defRPr>
+            </a:lvl9pPr>
+          </a:lstStyle>
+          <a:p>
+            <a:r>
+              <a:rPr lang="pt-BR" dirty="0">
+                <a:solidFill>
+                  <a:schemeClr val="tx1"/>
+                </a:solidFill>
+              </a:rPr>
+              <a:t>Final</a:t>
+            </a:r>
+          </a:p>
+        </p:txBody>
+      </p:sp>
+      <p:sp>
+        <p:nvSpPr>
+          <p:cNvPr id="7" name="CaixaDeTexto 6">
+            <a:extLst>
+              <a:ext uri="{FF2B5EF4-FFF2-40B4-BE49-F238E27FC236}">
+                <a16:creationId xmlns:a16="http://schemas.microsoft.com/office/drawing/2014/main" id="{9085FB63-6FDF-4776-B9C6-EF9D121B0911}"/>
+              </a:ext>
+            </a:extLst>
+          </p:cNvPr>
+          <p:cNvSpPr txBox="1"/>
+          <p:nvPr/>
+        </p:nvSpPr>
+        <p:spPr>
+          <a:xfrm>
+            <a:off x="3004782" y="4306332"/>
+            <a:ext cx="6182436" cy="646331"/>
+          </a:xfrm>
+          <a:prstGeom prst="rect">
+            <a:avLst/>
+          </a:prstGeom>
+          <a:noFill/>
+        </p:spPr>
+        <p:txBody>
+          <a:bodyPr wrap="square" rtlCol="0">
+            <a:spAutoFit/>
+          </a:bodyPr>
+          <a:lstStyle/>
+          <a:p>
+            <a:r>
+              <a:rPr lang="pt-BR" sz="3600" dirty="0">
+                <a:solidFill>
+                  <a:schemeClr val="tx1"/>
+                </a:solidFill>
+              </a:rPr>
+              <a:t>Abrigado pela atenção!</a:t>
+            </a:r>
+          </a:p>
+        </p:txBody>
+      </p:sp>
+    </p:spTree>
+    <p:extLst>
+      <p:ext uri="{BB962C8B-B14F-4D97-AF65-F5344CB8AC3E}">
+        <p14:creationId xmlns:p14="http://schemas.microsoft.com/office/powerpoint/2010/main" val="1713233030"/>
+      </p:ext>
+    </p:extLst>
+  </p:cSld>
+  <p:clrMapOvr>
+    <a:masterClrMapping/>
+  </p:clrMapOvr>
+  <mc:AlternateContent xmlns:mc="http://schemas.openxmlformats.org/markup-compatibility/2006">
+    <mc:Choice xmlns:p159="http://schemas.microsoft.com/office/powerpoint/2015/09/main" Requires="p159">
+      <p:transition xmlns:p14="http://schemas.microsoft.com/office/powerpoint/2010/main" spd="slow" p14:dur="2000">
+        <p159:morph option="byObject"/>
+      </p:transition>
+    </mc:Choice>
+    <mc:Fallback>
+      <p:transition spd="slow">
+        <p:fade/>
+      </p:transition>
+    </mc:Fallback>
+  </mc:AlternateContent>
 </p:sld>
 </file>
 
@@ -8793,10 +10425,10 @@
       </p:grpSpPr>
       <p:sp>
         <p:nvSpPr>
-          <p:cNvPr id="2" name="Título 1">
+          <p:cNvPr id="4" name="Título 1">
             <a:extLst>
               <a:ext uri="{FF2B5EF4-FFF2-40B4-BE49-F238E27FC236}">
-                <a16:creationId xmlns:a16="http://schemas.microsoft.com/office/drawing/2014/main" id="{E9CEF631-3726-4423-AD8C-F16C1D1207BE}"/>
+                <a16:creationId xmlns:a16="http://schemas.microsoft.com/office/drawing/2014/main" id="{AF0E39DD-F867-44F6-98ED-A28F6B8B111E}"/>
               </a:ext>
             </a:extLst>
           </p:cNvPr>
@@ -8809,36 +10441,115 @@
         </p:nvSpPr>
         <p:spPr>
           <a:xfrm>
-            <a:off x="1854694" y="625464"/>
-            <a:ext cx="4453827" cy="642628"/>
-          </a:xfrm>
-        </p:spPr>
-        <p:txBody>
-          <a:bodyPr/>
+            <a:off x="1854694" y="625463"/>
+            <a:ext cx="4688720" cy="708387"/>
+          </a:xfrm>
+        </p:spPr>
+        <p:txBody>
+          <a:bodyPr>
+            <a:normAutofit/>
+          </a:bodyPr>
           <a:lstStyle/>
           <a:p>
             <a:r>
-              <a:rPr lang="pt-BR" dirty="0"/>
-              <a:t>Pequenos Projetos:</a:t>
+              <a:rPr lang="pt-BR" b="1" dirty="0" err="1">
+                <a:solidFill>
+                  <a:schemeClr val="tx1"/>
+                </a:solidFill>
+              </a:rPr>
+              <a:t>Snakes</a:t>
+            </a:r>
+            <a:r>
+              <a:rPr lang="pt-BR" b="1" dirty="0">
+                <a:solidFill>
+                  <a:schemeClr val="tx1"/>
+                </a:solidFill>
+              </a:rPr>
+              <a:t> </a:t>
+            </a:r>
+            <a:r>
+              <a:rPr lang="pt-BR" b="1" dirty="0" err="1">
+                <a:solidFill>
+                  <a:schemeClr val="tx1"/>
+                </a:solidFill>
+              </a:rPr>
+              <a:t>and</a:t>
+            </a:r>
+            <a:r>
+              <a:rPr lang="pt-BR" b="1" dirty="0">
+                <a:solidFill>
+                  <a:schemeClr val="tx1"/>
+                </a:solidFill>
+              </a:rPr>
+              <a:t> </a:t>
+            </a:r>
+            <a:r>
+              <a:rPr lang="pt-BR" b="1" dirty="0" err="1">
+                <a:solidFill>
+                  <a:schemeClr val="tx1"/>
+                </a:solidFill>
+              </a:rPr>
+              <a:t>Ladders</a:t>
+            </a:r>
+            <a:endParaRPr lang="pt-BR" b="1" dirty="0">
+              <a:solidFill>
+                <a:schemeClr val="tx1"/>
+              </a:solidFill>
+            </a:endParaRPr>
+          </a:p>
+        </p:txBody>
+      </p:sp>
+      <p:sp>
+        <p:nvSpPr>
+          <p:cNvPr id="6" name="CaixaDeTexto 5">
+            <a:extLst>
+              <a:ext uri="{FF2B5EF4-FFF2-40B4-BE49-F238E27FC236}">
+                <a16:creationId xmlns:a16="http://schemas.microsoft.com/office/drawing/2014/main" id="{35D9A92F-3531-41B5-8646-4665E32962DE}"/>
+              </a:ext>
+            </a:extLst>
+          </p:cNvPr>
+          <p:cNvSpPr txBox="1"/>
+          <p:nvPr/>
+        </p:nvSpPr>
+        <p:spPr>
+          <a:xfrm>
+            <a:off x="637563" y="214390"/>
+            <a:ext cx="3122971" cy="400110"/>
+          </a:xfrm>
+          <a:prstGeom prst="rect">
+            <a:avLst/>
+          </a:prstGeom>
+          <a:noFill/>
+        </p:spPr>
+        <p:txBody>
+          <a:bodyPr wrap="none" rtlCol="0">
+            <a:spAutoFit/>
+          </a:bodyPr>
+          <a:lstStyle/>
+          <a:p>
+            <a:r>
+              <a:rPr lang="pt-BR" sz="2000" dirty="0">
+                <a:latin typeface="Arial" panose="020B0604020202020204" pitchFamily="34" charset="0"/>
+                <a:cs typeface="Arial" panose="020B0604020202020204" pitchFamily="34" charset="0"/>
+              </a:rPr>
+              <a:t>Felipe Figueiredo Furtado</a:t>
             </a:r>
           </a:p>
         </p:txBody>
       </p:sp>
       <p:pic>
         <p:nvPicPr>
-          <p:cNvPr id="6" name="Espaço Reservado para Conteúdo 5">
+          <p:cNvPr id="11" name="Imagem 10">
             <a:extLst>
               <a:ext uri="{FF2B5EF4-FFF2-40B4-BE49-F238E27FC236}">
-                <a16:creationId xmlns:a16="http://schemas.microsoft.com/office/drawing/2014/main" id="{57E17CC2-E5CA-4BC3-9F59-F27F455BBBF0}"/>
+                <a16:creationId xmlns:a16="http://schemas.microsoft.com/office/drawing/2014/main" id="{DC6E2998-667F-4C51-8877-8D5F522EFEB9}"/>
               </a:ext>
             </a:extLst>
           </p:cNvPr>
           <p:cNvPicPr>
-            <a:picLocks noGrp="1" noChangeAspect="1"/>
+            <a:picLocks noChangeAspect="1"/>
           </p:cNvPicPr>
-          <p:nvPr>
-            <p:ph idx="1"/>
-          </p:nvPr>
+          <p:nvPr/>
         </p:nvPicPr>
         <p:blipFill>
           <a:blip r:embed="rId2"/>
@@ -8848,17 +10559,20 @@
         </p:blipFill>
         <p:spPr>
           <a:xfrm>
-            <a:off x="1698902" y="2224426"/>
-            <a:ext cx="2206304" cy="2941740"/>
-          </a:xfrm>
+            <a:off x="11407112" y="6027651"/>
+            <a:ext cx="726165" cy="763237"/>
+          </a:xfrm>
+          <a:prstGeom prst="rect">
+            <a:avLst/>
+          </a:prstGeom>
         </p:spPr>
       </p:pic>
       <p:pic>
         <p:nvPicPr>
-          <p:cNvPr id="4" name="Imagem 3">
+          <p:cNvPr id="7" name="Imagem 6">
             <a:extLst>
               <a:ext uri="{FF2B5EF4-FFF2-40B4-BE49-F238E27FC236}">
-                <a16:creationId xmlns:a16="http://schemas.microsoft.com/office/drawing/2014/main" id="{CC7C93F7-E4D9-4550-8517-5273F7E166FC}"/>
+                <a16:creationId xmlns:a16="http://schemas.microsoft.com/office/drawing/2014/main" id="{C91D0671-458D-40A1-8C49-445138B938B5}"/>
               </a:ext>
             </a:extLst>
           </p:cNvPr>
@@ -8875,8 +10589,8 @@
         </p:blipFill>
         <p:spPr>
           <a:xfrm>
-            <a:off x="10645629" y="61298"/>
-            <a:ext cx="1457212" cy="706294"/>
+            <a:off x="6808271" y="1428810"/>
+            <a:ext cx="4598841" cy="4598841"/>
           </a:xfrm>
           <a:prstGeom prst="rect">
             <a:avLst/>
@@ -8885,10 +10599,10 @@
       </p:pic>
       <p:sp>
         <p:nvSpPr>
-          <p:cNvPr id="7" name="CaixaDeTexto 6">
+          <p:cNvPr id="8" name="CaixaDeTexto 7">
             <a:extLst>
               <a:ext uri="{FF2B5EF4-FFF2-40B4-BE49-F238E27FC236}">
-                <a16:creationId xmlns:a16="http://schemas.microsoft.com/office/drawing/2014/main" id="{4DA3DE29-06D6-45CB-8012-AADA902053AF}"/>
+                <a16:creationId xmlns:a16="http://schemas.microsoft.com/office/drawing/2014/main" id="{642DB99F-A014-462F-B121-D521A049D9A4}"/>
               </a:ext>
             </a:extLst>
           </p:cNvPr>
@@ -8897,8 +10611,8 @@
         </p:nvSpPr>
         <p:spPr>
           <a:xfrm>
-            <a:off x="1560368" y="5307007"/>
-            <a:ext cx="2483372" cy="923330"/>
+            <a:off x="1978745" y="2435569"/>
+            <a:ext cx="3563577" cy="2585323"/>
           </a:xfrm>
           <a:prstGeom prst="rect">
             <a:avLst/>
@@ -8906,204 +10620,102 @@
           <a:noFill/>
         </p:spPr>
         <p:txBody>
-          <a:bodyPr wrap="none" rtlCol="0">
-            <a:spAutoFit/>
-          </a:bodyPr>
-          <a:lstStyle/>
-          <a:p>
-            <a:r>
-              <a:rPr lang="pt-BR" dirty="0"/>
-              <a:t>Sistema de Irrigação</a:t>
-            </a:r>
-          </a:p>
-          <a:p>
-            <a:pPr algn="ctr"/>
-            <a:r>
-              <a:rPr lang="pt-BR" dirty="0"/>
-              <a:t>automático</a:t>
-            </a:r>
-          </a:p>
-          <a:p>
-            <a:endParaRPr lang="pt-BR" dirty="0"/>
-          </a:p>
-        </p:txBody>
-      </p:sp>
-      <p:pic>
-        <p:nvPicPr>
-          <p:cNvPr id="8" name="Imagem 7">
-            <a:extLst>
-              <a:ext uri="{FF2B5EF4-FFF2-40B4-BE49-F238E27FC236}">
-                <a16:creationId xmlns:a16="http://schemas.microsoft.com/office/drawing/2014/main" id="{C6F51D8C-9A39-46FB-895E-D4581FF5096B}"/>
-              </a:ext>
-            </a:extLst>
-          </p:cNvPr>
-          <p:cNvPicPr>
-            <a:picLocks noChangeAspect="1"/>
-          </p:cNvPicPr>
-          <p:nvPr/>
-        </p:nvPicPr>
-        <p:blipFill>
-          <a:blip r:embed="rId4"/>
-          <a:stretch>
-            <a:fillRect/>
-          </a:stretch>
-        </p:blipFill>
-        <p:spPr>
-          <a:xfrm>
-            <a:off x="4374136" y="2224426"/>
-            <a:ext cx="2889342" cy="2941740"/>
-          </a:xfrm>
-          <a:prstGeom prst="rect">
-            <a:avLst/>
-          </a:prstGeom>
-        </p:spPr>
-      </p:pic>
-      <p:sp>
-        <p:nvSpPr>
-          <p:cNvPr id="10" name="CaixaDeTexto 9">
-            <a:extLst>
-              <a:ext uri="{FF2B5EF4-FFF2-40B4-BE49-F238E27FC236}">
-                <a16:creationId xmlns:a16="http://schemas.microsoft.com/office/drawing/2014/main" id="{763548FC-6D40-4156-93FF-4043BABCA281}"/>
-              </a:ext>
-            </a:extLst>
-          </p:cNvPr>
-          <p:cNvSpPr txBox="1"/>
-          <p:nvPr/>
-        </p:nvSpPr>
-        <p:spPr>
-          <a:xfrm>
-            <a:off x="4305041" y="5303241"/>
-            <a:ext cx="3027532" cy="646331"/>
-          </a:xfrm>
-          <a:prstGeom prst="rect">
-            <a:avLst/>
-          </a:prstGeom>
-          <a:noFill/>
-        </p:spPr>
-        <p:txBody>
           <a:bodyPr wrap="square" rtlCol="0">
             <a:spAutoFit/>
           </a:bodyPr>
           <a:lstStyle/>
           <a:p>
-            <a:pPr algn="ctr"/>
+            <a:pPr marL="285750" indent="-285750">
+              <a:buFont typeface="Arial" panose="020B0604020202020204" pitchFamily="34" charset="0"/>
+              <a:buChar char="•"/>
+            </a:pPr>
             <a:r>
               <a:rPr lang="pt-BR" dirty="0"/>
-              <a:t>Gerenciamento de Assistência técnica</a:t>
-            </a:r>
-          </a:p>
-        </p:txBody>
-      </p:sp>
-      <p:sp>
-        <p:nvSpPr>
-          <p:cNvPr id="11" name="CaixaDeTexto 10">
-            <a:extLst>
-              <a:ext uri="{FF2B5EF4-FFF2-40B4-BE49-F238E27FC236}">
-                <a16:creationId xmlns:a16="http://schemas.microsoft.com/office/drawing/2014/main" id="{40878977-088D-47F7-B1E0-4C2C9C568F40}"/>
-              </a:ext>
-            </a:extLst>
-          </p:cNvPr>
-          <p:cNvSpPr txBox="1"/>
-          <p:nvPr/>
-        </p:nvSpPr>
-        <p:spPr>
-          <a:xfrm>
-            <a:off x="7732408" y="2298583"/>
-            <a:ext cx="4045735" cy="1754326"/>
-          </a:xfrm>
-          <a:prstGeom prst="rect">
-            <a:avLst/>
-          </a:prstGeom>
-          <a:noFill/>
-        </p:spPr>
-        <p:txBody>
-          <a:bodyPr wrap="square" rtlCol="0">
-            <a:spAutoFit/>
-          </a:bodyPr>
-          <a:lstStyle/>
-          <a:p>
-            <a:r>
-              <a:rPr lang="pt-BR" dirty="0"/>
-              <a:t>Demais projetos:</a:t>
-            </a:r>
-          </a:p>
-          <a:p>
-            <a:endParaRPr lang="pt-BR" dirty="0"/>
+              <a:t>Índia Antiga( século II d.C.)</a:t>
+            </a:r>
           </a:p>
           <a:p>
             <a:pPr marL="285750" indent="-285750">
-              <a:buFontTx/>
-              <a:buChar char="-"/>
-            </a:pPr>
-            <a:r>
-              <a:rPr lang="pt-BR" dirty="0"/>
-              <a:t>Provando a aceleração da gravidade</a:t>
-            </a:r>
-          </a:p>
-          <a:p>
-            <a:pPr marL="285750" indent="-285750">
-              <a:buFontTx/>
-              <a:buChar char="-"/>
+              <a:buFont typeface="Arial" panose="020B0604020202020204" pitchFamily="34" charset="0"/>
+              <a:buChar char="•"/>
             </a:pPr>
             <a:endParaRPr lang="pt-BR" dirty="0"/>
           </a:p>
           <a:p>
             <a:pPr marL="285750" indent="-285750">
-              <a:buFontTx/>
-              <a:buChar char="-"/>
+              <a:buFont typeface="Arial" panose="020B0604020202020204" pitchFamily="34" charset="0"/>
+              <a:buChar char="•"/>
+            </a:pPr>
+            <a:r>
+              <a:rPr lang="pt-BR" dirty="0"/>
+              <a:t>8*8, 10*10, 12*12</a:t>
+            </a:r>
+          </a:p>
+          <a:p>
+            <a:pPr marL="285750" indent="-285750">
+              <a:buFont typeface="Arial" panose="020B0604020202020204" pitchFamily="34" charset="0"/>
+              <a:buChar char="•"/>
             </a:pPr>
             <a:endParaRPr lang="pt-BR" dirty="0"/>
           </a:p>
-        </p:txBody>
-      </p:sp>
-      <p:sp>
-        <p:nvSpPr>
-          <p:cNvPr id="12" name="CaixaDeTexto 11">
-            <a:extLst>
-              <a:ext uri="{FF2B5EF4-FFF2-40B4-BE49-F238E27FC236}">
-                <a16:creationId xmlns:a16="http://schemas.microsoft.com/office/drawing/2014/main" id="{A8E3771A-D886-4E57-8563-A2E8E0812E9A}"/>
-              </a:ext>
-            </a:extLst>
-          </p:cNvPr>
-          <p:cNvSpPr txBox="1"/>
-          <p:nvPr/>
-        </p:nvSpPr>
-        <p:spPr>
-          <a:xfrm>
-            <a:off x="637563" y="214390"/>
-            <a:ext cx="3122971" cy="400110"/>
-          </a:xfrm>
-          <a:prstGeom prst="rect">
-            <a:avLst/>
-          </a:prstGeom>
-          <a:noFill/>
-        </p:spPr>
-        <p:txBody>
-          <a:bodyPr wrap="none" rtlCol="0">
-            <a:spAutoFit/>
-          </a:bodyPr>
-          <a:lstStyle/>
-          <a:p>
-            <a:r>
-              <a:rPr lang="pt-BR" sz="2000" dirty="0">
-                <a:latin typeface="Arial" panose="020B0604020202020204" pitchFamily="34" charset="0"/>
-                <a:cs typeface="Arial" panose="020B0604020202020204" pitchFamily="34" charset="0"/>
-              </a:rPr>
-              <a:t>Felipe Figueiredo Furtado</a:t>
-            </a:r>
+          <a:p>
+            <a:pPr marL="285750" indent="-285750">
+              <a:buFont typeface="Arial" panose="020B0604020202020204" pitchFamily="34" charset="0"/>
+              <a:buChar char="•"/>
+            </a:pPr>
+            <a:r>
+              <a:rPr lang="pt-BR" dirty="0"/>
+              <a:t>6+</a:t>
+            </a:r>
+          </a:p>
+          <a:p>
+            <a:pPr marL="285750" indent="-285750">
+              <a:buFont typeface="Arial" panose="020B0604020202020204" pitchFamily="34" charset="0"/>
+              <a:buChar char="•"/>
+            </a:pPr>
+            <a:endParaRPr lang="pt-BR" dirty="0"/>
+          </a:p>
+          <a:p>
+            <a:pPr marL="285750" indent="-285750">
+              <a:buFont typeface="Arial" panose="020B0604020202020204" pitchFamily="34" charset="0"/>
+              <a:buChar char="•"/>
+            </a:pPr>
+            <a:r>
+              <a:rPr lang="pt-BR" dirty="0"/>
+              <a:t>Ganha quem atingir a posição máxima</a:t>
+            </a:r>
+          </a:p>
+          <a:p>
+            <a:pPr marL="285750" indent="-285750">
+              <a:buFont typeface="Arial" panose="020B0604020202020204" pitchFamily="34" charset="0"/>
+              <a:buChar char="•"/>
+            </a:pPr>
+            <a:endParaRPr lang="pt-BR" dirty="0"/>
           </a:p>
         </p:txBody>
       </p:sp>
     </p:spTree>
     <p:extLst>
       <p:ext uri="{BB962C8B-B14F-4D97-AF65-F5344CB8AC3E}">
-        <p14:creationId xmlns:p14="http://schemas.microsoft.com/office/powerpoint/2010/main" val="2042816778"/>
+        <p14:creationId xmlns:p14="http://schemas.microsoft.com/office/powerpoint/2010/main" val="3427394569"/>
       </p:ext>
     </p:extLst>
   </p:cSld>
   <p:clrMapOvr>
     <a:masterClrMapping/>
   </p:clrMapOvr>
+  <mc:AlternateContent xmlns:mc="http://schemas.openxmlformats.org/markup-compatibility/2006">
+    <mc:Choice xmlns:p159="http://schemas.microsoft.com/office/powerpoint/2015/09/main" Requires="p159">
+      <p:transition xmlns:p14="http://schemas.microsoft.com/office/powerpoint/2010/main" spd="slow" p14:dur="2000">
+        <p159:morph option="byObject"/>
+      </p:transition>
+    </mc:Choice>
+    <mc:Fallback>
+      <p:transition spd="slow">
+        <p:fade/>
+      </p:transition>
+    </mc:Fallback>
+  </mc:AlternateContent>
 </p:sld>
 </file>
 
@@ -9153,18 +10765,60 @@
           <a:lstStyle/>
           <a:p>
             <a:r>
-              <a:rPr lang="pt-BR" dirty="0"/>
+              <a:rPr lang="pt-BR" dirty="0">
+                <a:solidFill>
+                  <a:schemeClr val="tx1"/>
+                </a:solidFill>
+              </a:rPr>
               <a:t>Resolução do Case:</a:t>
+            </a:r>
+          </a:p>
+        </p:txBody>
+      </p:sp>
+      <p:sp>
+        <p:nvSpPr>
+          <p:cNvPr id="6" name="CaixaDeTexto 5">
+            <a:extLst>
+              <a:ext uri="{FF2B5EF4-FFF2-40B4-BE49-F238E27FC236}">
+                <a16:creationId xmlns:a16="http://schemas.microsoft.com/office/drawing/2014/main" id="{35D9A92F-3531-41B5-8646-4665E32962DE}"/>
+              </a:ext>
+            </a:extLst>
+          </p:cNvPr>
+          <p:cNvSpPr txBox="1"/>
+          <p:nvPr/>
+        </p:nvSpPr>
+        <p:spPr>
+          <a:xfrm>
+            <a:off x="637563" y="214390"/>
+            <a:ext cx="3122971" cy="400110"/>
+          </a:xfrm>
+          <a:prstGeom prst="rect">
+            <a:avLst/>
+          </a:prstGeom>
+          <a:noFill/>
+        </p:spPr>
+        <p:txBody>
+          <a:bodyPr wrap="none" rtlCol="0">
+            <a:spAutoFit/>
+          </a:bodyPr>
+          <a:lstStyle/>
+          <a:p>
+            <a:r>
+              <a:rPr lang="pt-BR" sz="2000" dirty="0">
+                <a:latin typeface="Arial" panose="020B0604020202020204" pitchFamily="34" charset="0"/>
+                <a:cs typeface="Arial" panose="020B0604020202020204" pitchFamily="34" charset="0"/>
+              </a:rPr>
+              <a:t>Felipe Figueiredo Furtado</a:t>
             </a:r>
           </a:p>
         </p:txBody>
       </p:sp>
       <p:pic>
         <p:nvPicPr>
-          <p:cNvPr id="5" name="Imagem 4">
+          <p:cNvPr id="8" name="Imagem 7">
             <a:extLst>
               <a:ext uri="{FF2B5EF4-FFF2-40B4-BE49-F238E27FC236}">
-                <a16:creationId xmlns:a16="http://schemas.microsoft.com/office/drawing/2014/main" id="{C634BCC2-7DFB-4BBD-9BFF-4F925DD11204}"/>
+                <a16:creationId xmlns:a16="http://schemas.microsoft.com/office/drawing/2014/main" id="{3A18C06E-7145-4CF2-BD04-76B707741571}"/>
               </a:ext>
             </a:extLst>
           </p:cNvPr>
@@ -9181,8 +10835,8 @@
         </p:blipFill>
         <p:spPr>
           <a:xfrm>
-            <a:off x="10645629" y="61298"/>
-            <a:ext cx="1457212" cy="706294"/>
+            <a:off x="2567098" y="1513323"/>
+            <a:ext cx="875956" cy="875956"/>
           </a:xfrm>
           <a:prstGeom prst="rect">
             <a:avLst/>
@@ -9191,10 +10845,10 @@
       </p:pic>
       <p:sp>
         <p:nvSpPr>
-          <p:cNvPr id="6" name="CaixaDeTexto 5">
+          <p:cNvPr id="9" name="CaixaDeTexto 8">
             <a:extLst>
               <a:ext uri="{FF2B5EF4-FFF2-40B4-BE49-F238E27FC236}">
-                <a16:creationId xmlns:a16="http://schemas.microsoft.com/office/drawing/2014/main" id="{35D9A92F-3531-41B5-8646-4665E32962DE}"/>
+                <a16:creationId xmlns:a16="http://schemas.microsoft.com/office/drawing/2014/main" id="{E04BD7C1-F9A8-42DC-A9A5-9FE316C3F734}"/>
               </a:ext>
             </a:extLst>
           </p:cNvPr>
@@ -9203,8 +10857,8 @@
         </p:nvSpPr>
         <p:spPr>
           <a:xfrm>
-            <a:off x="637563" y="214390"/>
-            <a:ext cx="3122971" cy="400110"/>
+            <a:off x="3459127" y="1766635"/>
+            <a:ext cx="6090129" cy="369332"/>
           </a:xfrm>
           <a:prstGeom prst="rect">
             <a:avLst/>
@@ -9218,21 +10872,18 @@
           <a:lstStyle/>
           <a:p>
             <a:r>
-              <a:rPr lang="pt-BR" sz="2000" dirty="0">
-                <a:latin typeface="Arial" panose="020B0604020202020204" pitchFamily="34" charset="0"/>
-                <a:cs typeface="Arial" panose="020B0604020202020204" pitchFamily="34" charset="0"/>
-              </a:rPr>
-              <a:t>Felipe Figueiredo Furtado</a:t>
+              <a:rPr lang="pt-BR" dirty="0"/>
+              <a:t>https://github.com/Furtado145/Snakers-and-Ladders</a:t>
             </a:r>
           </a:p>
         </p:txBody>
       </p:sp>
       <p:pic>
         <p:nvPicPr>
-          <p:cNvPr id="8" name="Imagem 7">
+          <p:cNvPr id="16" name="Imagem 15">
             <a:extLst>
               <a:ext uri="{FF2B5EF4-FFF2-40B4-BE49-F238E27FC236}">
-                <a16:creationId xmlns:a16="http://schemas.microsoft.com/office/drawing/2014/main" id="{3A18C06E-7145-4CF2-BD04-76B707741571}"/>
+                <a16:creationId xmlns:a16="http://schemas.microsoft.com/office/drawing/2014/main" id="{0447BB1B-5650-4596-946C-0EBC0E442627}"/>
               </a:ext>
             </a:extLst>
           </p:cNvPr>
@@ -9249,55 +10900,20 @@
         </p:blipFill>
         <p:spPr>
           <a:xfrm>
-            <a:off x="2567098" y="1513323"/>
-            <a:ext cx="875956" cy="875956"/>
+            <a:off x="5501491" y="4551385"/>
+            <a:ext cx="1512000" cy="1512000"/>
           </a:xfrm>
           <a:prstGeom prst="rect">
             <a:avLst/>
           </a:prstGeom>
         </p:spPr>
       </p:pic>
-      <p:sp>
-        <p:nvSpPr>
-          <p:cNvPr id="9" name="CaixaDeTexto 8">
+      <p:pic>
+        <p:nvPicPr>
+          <p:cNvPr id="18" name="Imagem 17">
             <a:extLst>
               <a:ext uri="{FF2B5EF4-FFF2-40B4-BE49-F238E27FC236}">
-                <a16:creationId xmlns:a16="http://schemas.microsoft.com/office/drawing/2014/main" id="{E04BD7C1-F9A8-42DC-A9A5-9FE316C3F734}"/>
-              </a:ext>
-            </a:extLst>
-          </p:cNvPr>
-          <p:cNvSpPr txBox="1"/>
-          <p:nvPr/>
-        </p:nvSpPr>
-        <p:spPr>
-          <a:xfrm>
-            <a:off x="3459127" y="1766635"/>
-            <a:ext cx="6090129" cy="369332"/>
-          </a:xfrm>
-          <a:prstGeom prst="rect">
-            <a:avLst/>
-          </a:prstGeom>
-          <a:noFill/>
-        </p:spPr>
-        <p:txBody>
-          <a:bodyPr wrap="none" rtlCol="0">
-            <a:spAutoFit/>
-          </a:bodyPr>
-          <a:lstStyle/>
-          <a:p>
-            <a:r>
-              <a:rPr lang="pt-BR" dirty="0"/>
-              <a:t>https://github.com/Furtado145/Snakers-and-Ladders</a:t>
-            </a:r>
-          </a:p>
-        </p:txBody>
-      </p:sp>
-      <p:pic>
-        <p:nvPicPr>
-          <p:cNvPr id="16" name="Imagem 15">
-            <a:extLst>
-              <a:ext uri="{FF2B5EF4-FFF2-40B4-BE49-F238E27FC236}">
-                <a16:creationId xmlns:a16="http://schemas.microsoft.com/office/drawing/2014/main" id="{0447BB1B-5650-4596-946C-0EBC0E442627}"/>
+                <a16:creationId xmlns:a16="http://schemas.microsoft.com/office/drawing/2014/main" id="{4DA88A07-C69D-4F95-94AE-DDAC5BF4382B}"/>
               </a:ext>
             </a:extLst>
           </p:cNvPr>
@@ -9314,8 +10930,8 @@
         </p:blipFill>
         <p:spPr>
           <a:xfrm>
-            <a:off x="3729841" y="4393598"/>
-            <a:ext cx="1512000" cy="1512000"/>
+            <a:off x="4303358" y="2726539"/>
+            <a:ext cx="1645373" cy="1645373"/>
           </a:xfrm>
           <a:prstGeom prst="rect">
             <a:avLst/>
@@ -9324,10 +10940,10 @@
       </p:pic>
       <p:pic>
         <p:nvPicPr>
-          <p:cNvPr id="18" name="Imagem 17">
+          <p:cNvPr id="22" name="Imagem 21">
             <a:extLst>
               <a:ext uri="{FF2B5EF4-FFF2-40B4-BE49-F238E27FC236}">
-                <a16:creationId xmlns:a16="http://schemas.microsoft.com/office/drawing/2014/main" id="{4DA88A07-C69D-4F95-94AE-DDAC5BF4382B}"/>
+                <a16:creationId xmlns:a16="http://schemas.microsoft.com/office/drawing/2014/main" id="{A5E3B569-1E6C-4283-A772-5163A39BA466}"/>
               </a:ext>
             </a:extLst>
           </p:cNvPr>
@@ -9344,8 +10960,8 @@
         </p:blipFill>
         <p:spPr>
           <a:xfrm>
-            <a:off x="2531708" y="2568752"/>
-            <a:ext cx="1645373" cy="1645373"/>
+            <a:off x="6615615" y="2830787"/>
+            <a:ext cx="1512000" cy="1512000"/>
           </a:xfrm>
           <a:prstGeom prst="rect">
             <a:avLst/>
@@ -9354,10 +10970,10 @@
       </p:pic>
       <p:pic>
         <p:nvPicPr>
-          <p:cNvPr id="22" name="Imagem 21">
+          <p:cNvPr id="11" name="Imagem 10">
             <a:extLst>
               <a:ext uri="{FF2B5EF4-FFF2-40B4-BE49-F238E27FC236}">
-                <a16:creationId xmlns:a16="http://schemas.microsoft.com/office/drawing/2014/main" id="{A5E3B569-1E6C-4283-A772-5163A39BA466}"/>
+                <a16:creationId xmlns:a16="http://schemas.microsoft.com/office/drawing/2014/main" id="{DC6E2998-667F-4C51-8877-8D5F522EFEB9}"/>
               </a:ext>
             </a:extLst>
           </p:cNvPr>
@@ -9374,38 +10990,8 @@
         </p:blipFill>
         <p:spPr>
           <a:xfrm>
-            <a:off x="4843965" y="2673000"/>
-            <a:ext cx="1512000" cy="1512000"/>
-          </a:xfrm>
-          <a:prstGeom prst="rect">
-            <a:avLst/>
-          </a:prstGeom>
-        </p:spPr>
-      </p:pic>
-      <p:pic>
-        <p:nvPicPr>
-          <p:cNvPr id="27" name="Imagem 26">
-            <a:extLst>
-              <a:ext uri="{FF2B5EF4-FFF2-40B4-BE49-F238E27FC236}">
-                <a16:creationId xmlns:a16="http://schemas.microsoft.com/office/drawing/2014/main" id="{9D1ED965-8335-4D8F-BBCC-D471CC87E5DC}"/>
-              </a:ext>
-            </a:extLst>
-          </p:cNvPr>
-          <p:cNvPicPr>
-            <a:picLocks noChangeAspect="1"/>
-          </p:cNvPicPr>
-          <p:nvPr/>
-        </p:nvPicPr>
-        <p:blipFill>
-          <a:blip r:embed="rId7"/>
-          <a:stretch>
-            <a:fillRect/>
-          </a:stretch>
-        </p:blipFill>
-        <p:spPr>
-          <a:xfrm>
-            <a:off x="7264445" y="2744609"/>
-            <a:ext cx="3381184" cy="3073255"/>
+            <a:off x="11407112" y="6027651"/>
+            <a:ext cx="726165" cy="763237"/>
           </a:xfrm>
           <a:prstGeom prst="rect">
             <a:avLst/>
@@ -9422,6 +11008,2269 @@
   <p:clrMapOvr>
     <a:masterClrMapping/>
   </p:clrMapOvr>
+  <mc:AlternateContent xmlns:mc="http://schemas.openxmlformats.org/markup-compatibility/2006">
+    <mc:Choice xmlns:p14="http://schemas.microsoft.com/office/powerpoint/2010/main" Requires="p14">
+      <p:transition spd="med" p14:dur="700">
+        <p:fade/>
+      </p:transition>
+    </mc:Choice>
+    <mc:Fallback>
+      <p:transition spd="med">
+        <p:fade/>
+      </p:transition>
+    </mc:Fallback>
+  </mc:AlternateContent>
+</p:sld>
+</file>
+
+<file path=ppt/slides/slide4.xml><?xml version="1.0" encoding="utf-8"?>
+<p:sld xmlns:a="http://schemas.openxmlformats.org/drawingml/2006/main" xmlns:r="http://schemas.openxmlformats.org/officeDocument/2006/relationships" xmlns:p="http://schemas.openxmlformats.org/presentationml/2006/main">
+  <p:cSld>
+    <p:spTree>
+      <p:nvGrpSpPr>
+        <p:cNvPr id="1" name=""/>
+        <p:cNvGrpSpPr/>
+        <p:nvPr/>
+      </p:nvGrpSpPr>
+      <p:grpSpPr>
+        <a:xfrm>
+          <a:off x="0" y="0"/>
+          <a:ext cx="0" cy="0"/>
+          <a:chOff x="0" y="0"/>
+          <a:chExt cx="0" cy="0"/>
+        </a:xfrm>
+      </p:grpSpPr>
+      <p:pic>
+        <p:nvPicPr>
+          <p:cNvPr id="4" name="Imagem 3">
+            <a:extLst>
+              <a:ext uri="{FF2B5EF4-FFF2-40B4-BE49-F238E27FC236}">
+                <a16:creationId xmlns:a16="http://schemas.microsoft.com/office/drawing/2014/main" id="{36DA2D42-896E-425B-B958-FC39F8BAF9E8}"/>
+              </a:ext>
+            </a:extLst>
+          </p:cNvPr>
+          <p:cNvPicPr>
+            <a:picLocks noChangeAspect="1"/>
+          </p:cNvPicPr>
+          <p:nvPr/>
+        </p:nvPicPr>
+        <p:blipFill>
+          <a:blip r:embed="rId2"/>
+          <a:stretch>
+            <a:fillRect/>
+          </a:stretch>
+        </p:blipFill>
+        <p:spPr>
+          <a:xfrm>
+            <a:off x="11407112" y="6027651"/>
+            <a:ext cx="726165" cy="763237"/>
+          </a:xfrm>
+          <a:prstGeom prst="rect">
+            <a:avLst/>
+          </a:prstGeom>
+        </p:spPr>
+      </p:pic>
+      <p:sp>
+        <p:nvSpPr>
+          <p:cNvPr id="5" name="CaixaDeTexto 4">
+            <a:extLst>
+              <a:ext uri="{FF2B5EF4-FFF2-40B4-BE49-F238E27FC236}">
+                <a16:creationId xmlns:a16="http://schemas.microsoft.com/office/drawing/2014/main" id="{AE9FA71E-3088-4DE6-BF2E-E3391BCE3AB6}"/>
+              </a:ext>
+            </a:extLst>
+          </p:cNvPr>
+          <p:cNvSpPr txBox="1"/>
+          <p:nvPr/>
+        </p:nvSpPr>
+        <p:spPr>
+          <a:xfrm>
+            <a:off x="637563" y="214390"/>
+            <a:ext cx="3122971" cy="400110"/>
+          </a:xfrm>
+          <a:prstGeom prst="rect">
+            <a:avLst/>
+          </a:prstGeom>
+          <a:noFill/>
+        </p:spPr>
+        <p:txBody>
+          <a:bodyPr wrap="none" rtlCol="0">
+            <a:spAutoFit/>
+          </a:bodyPr>
+          <a:lstStyle/>
+          <a:p>
+            <a:r>
+              <a:rPr lang="pt-BR" sz="2000" dirty="0">
+                <a:latin typeface="Arial" panose="020B0604020202020204" pitchFamily="34" charset="0"/>
+                <a:cs typeface="Arial" panose="020B0604020202020204" pitchFamily="34" charset="0"/>
+              </a:rPr>
+              <a:t>Felipe Figueiredo Furtado</a:t>
+            </a:r>
+          </a:p>
+        </p:txBody>
+      </p:sp>
+      <p:sp>
+        <p:nvSpPr>
+          <p:cNvPr id="6" name="Título 1">
+            <a:extLst>
+              <a:ext uri="{FF2B5EF4-FFF2-40B4-BE49-F238E27FC236}">
+                <a16:creationId xmlns:a16="http://schemas.microsoft.com/office/drawing/2014/main" id="{2B99D1BF-E517-4DCE-B69E-B043FA92585F}"/>
+              </a:ext>
+            </a:extLst>
+          </p:cNvPr>
+          <p:cNvSpPr>
+            <a:spLocks noGrp="1"/>
+          </p:cNvSpPr>
+          <p:nvPr>
+            <p:ph type="title"/>
+          </p:nvPr>
+        </p:nvSpPr>
+        <p:spPr>
+          <a:xfrm>
+            <a:off x="1854694" y="625463"/>
+            <a:ext cx="4688720" cy="708387"/>
+          </a:xfrm>
+        </p:spPr>
+        <p:txBody>
+          <a:bodyPr>
+            <a:normAutofit/>
+          </a:bodyPr>
+          <a:lstStyle/>
+          <a:p>
+            <a:r>
+              <a:rPr lang="pt-BR" dirty="0">
+                <a:solidFill>
+                  <a:schemeClr val="tx1"/>
+                </a:solidFill>
+              </a:rPr>
+              <a:t>Jogo Único:</a:t>
+            </a:r>
+          </a:p>
+        </p:txBody>
+      </p:sp>
+      <p:pic>
+        <p:nvPicPr>
+          <p:cNvPr id="11" name="Imagem 10">
+            <a:extLst>
+              <a:ext uri="{FF2B5EF4-FFF2-40B4-BE49-F238E27FC236}">
+                <a16:creationId xmlns:a16="http://schemas.microsoft.com/office/drawing/2014/main" id="{9C7F85CE-08B8-45B8-9FB6-428CB2A82382}"/>
+              </a:ext>
+            </a:extLst>
+          </p:cNvPr>
+          <p:cNvPicPr>
+            <a:picLocks noChangeAspect="1"/>
+          </p:cNvPicPr>
+          <p:nvPr/>
+        </p:nvPicPr>
+        <p:blipFill>
+          <a:blip r:embed="rId3"/>
+          <a:stretch>
+            <a:fillRect/>
+          </a:stretch>
+        </p:blipFill>
+        <p:spPr>
+          <a:xfrm>
+            <a:off x="3289441" y="1985814"/>
+            <a:ext cx="5613117" cy="4108948"/>
+          </a:xfrm>
+          <a:prstGeom prst="rect">
+            <a:avLst/>
+          </a:prstGeom>
+          <a:effectLst>
+            <a:softEdge rad="38100"/>
+          </a:effectLst>
+        </p:spPr>
+      </p:pic>
+    </p:spTree>
+    <p:extLst>
+      <p:ext uri="{BB962C8B-B14F-4D97-AF65-F5344CB8AC3E}">
+        <p14:creationId xmlns:p14="http://schemas.microsoft.com/office/powerpoint/2010/main" val="3031990660"/>
+      </p:ext>
+    </p:extLst>
+  </p:cSld>
+  <p:clrMapOvr>
+    <a:masterClrMapping/>
+  </p:clrMapOvr>
+  <mc:AlternateContent xmlns:mc="http://schemas.openxmlformats.org/markup-compatibility/2006">
+    <mc:Choice xmlns:p159="http://schemas.microsoft.com/office/powerpoint/2015/09/main" Requires="p159">
+      <p:transition xmlns:p14="http://schemas.microsoft.com/office/powerpoint/2010/main" spd="slow" p14:dur="2000">
+        <p159:morph option="byObject"/>
+      </p:transition>
+    </mc:Choice>
+    <mc:Fallback>
+      <p:transition spd="slow">
+        <p:fade/>
+      </p:transition>
+    </mc:Fallback>
+  </mc:AlternateContent>
+</p:sld>
+</file>
+
+<file path=ppt/slides/slide5.xml><?xml version="1.0" encoding="utf-8"?>
+<p:sld xmlns:a="http://schemas.openxmlformats.org/drawingml/2006/main" xmlns:r="http://schemas.openxmlformats.org/officeDocument/2006/relationships" xmlns:p="http://schemas.openxmlformats.org/presentationml/2006/main">
+  <p:cSld>
+    <p:spTree>
+      <p:nvGrpSpPr>
+        <p:cNvPr id="1" name=""/>
+        <p:cNvGrpSpPr/>
+        <p:nvPr/>
+      </p:nvGrpSpPr>
+      <p:grpSpPr>
+        <a:xfrm>
+          <a:off x="0" y="0"/>
+          <a:ext cx="0" cy="0"/>
+          <a:chOff x="0" y="0"/>
+          <a:chExt cx="0" cy="0"/>
+        </a:xfrm>
+      </p:grpSpPr>
+      <p:sp>
+        <p:nvSpPr>
+          <p:cNvPr id="2" name="CaixaDeTexto 1">
+            <a:extLst>
+              <a:ext uri="{FF2B5EF4-FFF2-40B4-BE49-F238E27FC236}">
+                <a16:creationId xmlns:a16="http://schemas.microsoft.com/office/drawing/2014/main" id="{465CA91C-F058-492C-9578-7EA4B1BCEF68}"/>
+              </a:ext>
+            </a:extLst>
+          </p:cNvPr>
+          <p:cNvSpPr txBox="1"/>
+          <p:nvPr/>
+        </p:nvSpPr>
+        <p:spPr>
+          <a:xfrm>
+            <a:off x="637563" y="214390"/>
+            <a:ext cx="3122971" cy="400110"/>
+          </a:xfrm>
+          <a:prstGeom prst="rect">
+            <a:avLst/>
+          </a:prstGeom>
+          <a:noFill/>
+        </p:spPr>
+        <p:txBody>
+          <a:bodyPr wrap="none" rtlCol="0">
+            <a:spAutoFit/>
+          </a:bodyPr>
+          <a:lstStyle/>
+          <a:p>
+            <a:r>
+              <a:rPr lang="pt-BR" sz="2000" dirty="0">
+                <a:latin typeface="Arial" panose="020B0604020202020204" pitchFamily="34" charset="0"/>
+                <a:cs typeface="Arial" panose="020B0604020202020204" pitchFamily="34" charset="0"/>
+              </a:rPr>
+              <a:t>Felipe Figueiredo Furtado</a:t>
+            </a:r>
+          </a:p>
+        </p:txBody>
+      </p:sp>
+      <p:sp>
+        <p:nvSpPr>
+          <p:cNvPr id="3" name="Título 1">
+            <a:extLst>
+              <a:ext uri="{FF2B5EF4-FFF2-40B4-BE49-F238E27FC236}">
+                <a16:creationId xmlns:a16="http://schemas.microsoft.com/office/drawing/2014/main" id="{C0C2D17E-21E3-4991-B48B-ED223AEA1BD0}"/>
+              </a:ext>
+            </a:extLst>
+          </p:cNvPr>
+          <p:cNvSpPr txBox="1">
+            <a:spLocks/>
+          </p:cNvSpPr>
+          <p:nvPr/>
+        </p:nvSpPr>
+        <p:spPr>
+          <a:xfrm>
+            <a:off x="1854694" y="625463"/>
+            <a:ext cx="4688720" cy="708387"/>
+          </a:xfrm>
+          <a:prstGeom prst="rect">
+            <a:avLst/>
+          </a:prstGeom>
+        </p:spPr>
+        <p:txBody>
+          <a:bodyPr>
+            <a:normAutofit/>
+          </a:bodyPr>
+          <a:lstStyle>
+            <a:lvl1pPr algn="l" defTabSz="457200" rtl="0" eaLnBrk="1" latinLnBrk="0" hangingPunct="1">
+              <a:spcBef>
+                <a:spcPct val="0"/>
+              </a:spcBef>
+              <a:buNone/>
+              <a:defRPr sz="3600" kern="1200">
+                <a:solidFill>
+                  <a:schemeClr val="accent2">
+                    <a:lumMod val="75000"/>
+                  </a:schemeClr>
+                </a:solidFill>
+                <a:latin typeface="+mj-lt"/>
+                <a:ea typeface="+mj-ea"/>
+                <a:cs typeface="+mj-cs"/>
+              </a:defRPr>
+            </a:lvl1pPr>
+            <a:lvl2pPr eaLnBrk="1" hangingPunct="1">
+              <a:defRPr>
+                <a:solidFill>
+                  <a:schemeClr val="tx2"/>
+                </a:solidFill>
+              </a:defRPr>
+            </a:lvl2pPr>
+            <a:lvl3pPr eaLnBrk="1" hangingPunct="1">
+              <a:defRPr>
+                <a:solidFill>
+                  <a:schemeClr val="tx2"/>
+                </a:solidFill>
+              </a:defRPr>
+            </a:lvl3pPr>
+            <a:lvl4pPr eaLnBrk="1" hangingPunct="1">
+              <a:defRPr>
+                <a:solidFill>
+                  <a:schemeClr val="tx2"/>
+                </a:solidFill>
+              </a:defRPr>
+            </a:lvl4pPr>
+            <a:lvl5pPr eaLnBrk="1" hangingPunct="1">
+              <a:defRPr>
+                <a:solidFill>
+                  <a:schemeClr val="tx2"/>
+                </a:solidFill>
+              </a:defRPr>
+            </a:lvl5pPr>
+            <a:lvl6pPr eaLnBrk="1" hangingPunct="1">
+              <a:defRPr>
+                <a:solidFill>
+                  <a:schemeClr val="tx2"/>
+                </a:solidFill>
+              </a:defRPr>
+            </a:lvl6pPr>
+            <a:lvl7pPr eaLnBrk="1" hangingPunct="1">
+              <a:defRPr>
+                <a:solidFill>
+                  <a:schemeClr val="tx2"/>
+                </a:solidFill>
+              </a:defRPr>
+            </a:lvl7pPr>
+            <a:lvl8pPr eaLnBrk="1" hangingPunct="1">
+              <a:defRPr>
+                <a:solidFill>
+                  <a:schemeClr val="tx2"/>
+                </a:solidFill>
+              </a:defRPr>
+            </a:lvl8pPr>
+            <a:lvl9pPr eaLnBrk="1" hangingPunct="1">
+              <a:defRPr>
+                <a:solidFill>
+                  <a:schemeClr val="tx2"/>
+                </a:solidFill>
+              </a:defRPr>
+            </a:lvl9pPr>
+          </a:lstStyle>
+          <a:p>
+            <a:r>
+              <a:rPr lang="pt-BR" dirty="0">
+                <a:solidFill>
+                  <a:schemeClr val="tx1"/>
+                </a:solidFill>
+              </a:rPr>
+              <a:t>Jogo Único:</a:t>
+            </a:r>
+          </a:p>
+        </p:txBody>
+      </p:sp>
+      <p:pic>
+        <p:nvPicPr>
+          <p:cNvPr id="4" name="Imagem 3">
+            <a:extLst>
+              <a:ext uri="{FF2B5EF4-FFF2-40B4-BE49-F238E27FC236}">
+                <a16:creationId xmlns:a16="http://schemas.microsoft.com/office/drawing/2014/main" id="{28609F45-1299-48C4-8560-581AF6EE13E4}"/>
+              </a:ext>
+            </a:extLst>
+          </p:cNvPr>
+          <p:cNvPicPr>
+            <a:picLocks noChangeAspect="1"/>
+          </p:cNvPicPr>
+          <p:nvPr/>
+        </p:nvPicPr>
+        <p:blipFill>
+          <a:blip r:embed="rId2"/>
+          <a:stretch>
+            <a:fillRect/>
+          </a:stretch>
+        </p:blipFill>
+        <p:spPr>
+          <a:xfrm>
+            <a:off x="11407112" y="6027651"/>
+            <a:ext cx="726165" cy="763237"/>
+          </a:xfrm>
+          <a:prstGeom prst="rect">
+            <a:avLst/>
+          </a:prstGeom>
+        </p:spPr>
+      </p:pic>
+      <p:pic>
+        <p:nvPicPr>
+          <p:cNvPr id="14" name="Imagem 13">
+            <a:extLst>
+              <a:ext uri="{FF2B5EF4-FFF2-40B4-BE49-F238E27FC236}">
+                <a16:creationId xmlns:a16="http://schemas.microsoft.com/office/drawing/2014/main" id="{BE1CDB72-380F-45E4-8FA2-34C7ACF56172}"/>
+              </a:ext>
+            </a:extLst>
+          </p:cNvPr>
+          <p:cNvPicPr>
+            <a:picLocks noChangeAspect="1"/>
+          </p:cNvPicPr>
+          <p:nvPr/>
+        </p:nvPicPr>
+        <p:blipFill>
+          <a:blip r:embed="rId3"/>
+          <a:stretch>
+            <a:fillRect/>
+          </a:stretch>
+        </p:blipFill>
+        <p:spPr>
+          <a:xfrm>
+            <a:off x="3456061" y="1623698"/>
+            <a:ext cx="5279877" cy="4403953"/>
+          </a:xfrm>
+          <a:prstGeom prst="rect">
+            <a:avLst/>
+          </a:prstGeom>
+          <a:effectLst>
+            <a:softEdge rad="38100"/>
+          </a:effectLst>
+        </p:spPr>
+      </p:pic>
+    </p:spTree>
+    <p:extLst>
+      <p:ext uri="{BB962C8B-B14F-4D97-AF65-F5344CB8AC3E}">
+        <p14:creationId xmlns:p14="http://schemas.microsoft.com/office/powerpoint/2010/main" val="3487447178"/>
+      </p:ext>
+    </p:extLst>
+  </p:cSld>
+  <p:clrMapOvr>
+    <a:masterClrMapping/>
+  </p:clrMapOvr>
+  <mc:AlternateContent xmlns:mc="http://schemas.openxmlformats.org/markup-compatibility/2006">
+    <mc:Choice xmlns:p159="http://schemas.microsoft.com/office/powerpoint/2015/09/main" Requires="p159">
+      <p:transition xmlns:p14="http://schemas.microsoft.com/office/powerpoint/2010/main" spd="slow" p14:dur="2000">
+        <p159:morph option="byObject"/>
+      </p:transition>
+    </mc:Choice>
+    <mc:Fallback>
+      <p:transition spd="slow">
+        <p:fade/>
+      </p:transition>
+    </mc:Fallback>
+  </mc:AlternateContent>
+</p:sld>
+</file>
+
+<file path=ppt/slides/slide6.xml><?xml version="1.0" encoding="utf-8"?>
+<p:sld xmlns:a="http://schemas.openxmlformats.org/drawingml/2006/main" xmlns:r="http://schemas.openxmlformats.org/officeDocument/2006/relationships" xmlns:p="http://schemas.openxmlformats.org/presentationml/2006/main">
+  <p:cSld>
+    <p:spTree>
+      <p:nvGrpSpPr>
+        <p:cNvPr id="1" name=""/>
+        <p:cNvGrpSpPr/>
+        <p:nvPr/>
+      </p:nvGrpSpPr>
+      <p:grpSpPr>
+        <a:xfrm>
+          <a:off x="0" y="0"/>
+          <a:ext cx="0" cy="0"/>
+          <a:chOff x="0" y="0"/>
+          <a:chExt cx="0" cy="0"/>
+        </a:xfrm>
+      </p:grpSpPr>
+      <p:sp>
+        <p:nvSpPr>
+          <p:cNvPr id="2" name="CaixaDeTexto 1">
+            <a:extLst>
+              <a:ext uri="{FF2B5EF4-FFF2-40B4-BE49-F238E27FC236}">
+                <a16:creationId xmlns:a16="http://schemas.microsoft.com/office/drawing/2014/main" id="{45468C54-79FA-4BC6-A001-C30FABAC41B0}"/>
+              </a:ext>
+            </a:extLst>
+          </p:cNvPr>
+          <p:cNvSpPr txBox="1"/>
+          <p:nvPr/>
+        </p:nvSpPr>
+        <p:spPr>
+          <a:xfrm>
+            <a:off x="637563" y="214390"/>
+            <a:ext cx="3122971" cy="400110"/>
+          </a:xfrm>
+          <a:prstGeom prst="rect">
+            <a:avLst/>
+          </a:prstGeom>
+          <a:noFill/>
+        </p:spPr>
+        <p:txBody>
+          <a:bodyPr wrap="none" rtlCol="0">
+            <a:spAutoFit/>
+          </a:bodyPr>
+          <a:lstStyle/>
+          <a:p>
+            <a:r>
+              <a:rPr lang="pt-BR" sz="2000" dirty="0">
+                <a:latin typeface="Arial" panose="020B0604020202020204" pitchFamily="34" charset="0"/>
+                <a:cs typeface="Arial" panose="020B0604020202020204" pitchFamily="34" charset="0"/>
+              </a:rPr>
+              <a:t>Felipe Figueiredo Furtado</a:t>
+            </a:r>
+          </a:p>
+        </p:txBody>
+      </p:sp>
+      <p:sp>
+        <p:nvSpPr>
+          <p:cNvPr id="3" name="Título 1">
+            <a:extLst>
+              <a:ext uri="{FF2B5EF4-FFF2-40B4-BE49-F238E27FC236}">
+                <a16:creationId xmlns:a16="http://schemas.microsoft.com/office/drawing/2014/main" id="{2A5BC5CB-E2C6-494D-864D-B9223CD172A5}"/>
+              </a:ext>
+            </a:extLst>
+          </p:cNvPr>
+          <p:cNvSpPr txBox="1">
+            <a:spLocks/>
+          </p:cNvSpPr>
+          <p:nvPr/>
+        </p:nvSpPr>
+        <p:spPr>
+          <a:xfrm>
+            <a:off x="1854694" y="625463"/>
+            <a:ext cx="4688720" cy="708387"/>
+          </a:xfrm>
+          <a:prstGeom prst="rect">
+            <a:avLst/>
+          </a:prstGeom>
+        </p:spPr>
+        <p:txBody>
+          <a:bodyPr>
+            <a:normAutofit/>
+          </a:bodyPr>
+          <a:lstStyle>
+            <a:lvl1pPr algn="l" defTabSz="457200" rtl="0" eaLnBrk="1" latinLnBrk="0" hangingPunct="1">
+              <a:spcBef>
+                <a:spcPct val="0"/>
+              </a:spcBef>
+              <a:buNone/>
+              <a:defRPr sz="3600" kern="1200">
+                <a:solidFill>
+                  <a:schemeClr val="accent2">
+                    <a:lumMod val="75000"/>
+                  </a:schemeClr>
+                </a:solidFill>
+                <a:latin typeface="+mj-lt"/>
+                <a:ea typeface="+mj-ea"/>
+                <a:cs typeface="+mj-cs"/>
+              </a:defRPr>
+            </a:lvl1pPr>
+            <a:lvl2pPr eaLnBrk="1" hangingPunct="1">
+              <a:defRPr>
+                <a:solidFill>
+                  <a:schemeClr val="tx2"/>
+                </a:solidFill>
+              </a:defRPr>
+            </a:lvl2pPr>
+            <a:lvl3pPr eaLnBrk="1" hangingPunct="1">
+              <a:defRPr>
+                <a:solidFill>
+                  <a:schemeClr val="tx2"/>
+                </a:solidFill>
+              </a:defRPr>
+            </a:lvl3pPr>
+            <a:lvl4pPr eaLnBrk="1" hangingPunct="1">
+              <a:defRPr>
+                <a:solidFill>
+                  <a:schemeClr val="tx2"/>
+                </a:solidFill>
+              </a:defRPr>
+            </a:lvl4pPr>
+            <a:lvl5pPr eaLnBrk="1" hangingPunct="1">
+              <a:defRPr>
+                <a:solidFill>
+                  <a:schemeClr val="tx2"/>
+                </a:solidFill>
+              </a:defRPr>
+            </a:lvl5pPr>
+            <a:lvl6pPr eaLnBrk="1" hangingPunct="1">
+              <a:defRPr>
+                <a:solidFill>
+                  <a:schemeClr val="tx2"/>
+                </a:solidFill>
+              </a:defRPr>
+            </a:lvl6pPr>
+            <a:lvl7pPr eaLnBrk="1" hangingPunct="1">
+              <a:defRPr>
+                <a:solidFill>
+                  <a:schemeClr val="tx2"/>
+                </a:solidFill>
+              </a:defRPr>
+            </a:lvl7pPr>
+            <a:lvl8pPr eaLnBrk="1" hangingPunct="1">
+              <a:defRPr>
+                <a:solidFill>
+                  <a:schemeClr val="tx2"/>
+                </a:solidFill>
+              </a:defRPr>
+            </a:lvl8pPr>
+            <a:lvl9pPr eaLnBrk="1" hangingPunct="1">
+              <a:defRPr>
+                <a:solidFill>
+                  <a:schemeClr val="tx2"/>
+                </a:solidFill>
+              </a:defRPr>
+            </a:lvl9pPr>
+          </a:lstStyle>
+          <a:p>
+            <a:r>
+              <a:rPr lang="pt-BR" dirty="0">
+                <a:solidFill>
+                  <a:schemeClr val="tx1"/>
+                </a:solidFill>
+              </a:rPr>
+              <a:t>Jogo Base:</a:t>
+            </a:r>
+          </a:p>
+        </p:txBody>
+      </p:sp>
+      <p:sp>
+        <p:nvSpPr>
+          <p:cNvPr id="7" name="CaixaDeTexto 6">
+            <a:extLst>
+              <a:ext uri="{FF2B5EF4-FFF2-40B4-BE49-F238E27FC236}">
+                <a16:creationId xmlns:a16="http://schemas.microsoft.com/office/drawing/2014/main" id="{801D0EEE-2B34-4C47-BBAB-45B08C25D845}"/>
+              </a:ext>
+            </a:extLst>
+          </p:cNvPr>
+          <p:cNvSpPr txBox="1"/>
+          <p:nvPr/>
+        </p:nvSpPr>
+        <p:spPr>
+          <a:xfrm>
+            <a:off x="5334498" y="-11095345"/>
+            <a:ext cx="2417832" cy="11095345"/>
+          </a:xfrm>
+          <a:prstGeom prst="rect">
+            <a:avLst/>
+          </a:prstGeom>
+          <a:noFill/>
+        </p:spPr>
+        <p:txBody>
+          <a:bodyPr wrap="square" numCol="1" rtlCol="0">
+            <a:spAutoFit/>
+          </a:bodyPr>
+          <a:lstStyle/>
+          <a:p>
+            <a:r>
+              <a:rPr lang="pt-BR" sz="1100" dirty="0"/>
+              <a:t>Player 1 - </a:t>
+            </a:r>
+            <a:r>
+              <a:rPr lang="pt-BR" sz="1100" dirty="0" err="1"/>
+              <a:t>posicao</a:t>
+            </a:r>
+            <a:r>
+              <a:rPr lang="pt-BR" sz="1100" dirty="0"/>
+              <a:t> atual = 1</a:t>
+            </a:r>
+          </a:p>
+          <a:p>
+            <a:r>
+              <a:rPr lang="pt-BR" sz="1100" dirty="0"/>
+              <a:t>    Valor do dado: 2</a:t>
+            </a:r>
+          </a:p>
+          <a:p>
+            <a:r>
+              <a:rPr lang="pt-BR" sz="1100" dirty="0"/>
+              <a:t>    3 -- ESCADA!!! --&gt; 16</a:t>
+            </a:r>
+          </a:p>
+          <a:p>
+            <a:r>
+              <a:rPr lang="pt-BR" sz="1100" dirty="0"/>
+              <a:t>    final da rodada </a:t>
+            </a:r>
+            <a:r>
+              <a:rPr lang="pt-BR" sz="1100" dirty="0" err="1"/>
+              <a:t>pos</a:t>
+            </a:r>
+            <a:r>
+              <a:rPr lang="pt-BR" sz="1100" dirty="0"/>
+              <a:t>:  16</a:t>
+            </a:r>
+          </a:p>
+          <a:p>
+            <a:endParaRPr lang="pt-BR" sz="1100" dirty="0"/>
+          </a:p>
+          <a:p>
+            <a:r>
+              <a:rPr lang="pt-BR" sz="1100" dirty="0"/>
+              <a:t>Player 2 - </a:t>
+            </a:r>
+            <a:r>
+              <a:rPr lang="pt-BR" sz="1100" dirty="0" err="1"/>
+              <a:t>posicao</a:t>
+            </a:r>
+            <a:r>
+              <a:rPr lang="pt-BR" sz="1100" dirty="0"/>
+              <a:t> atual = 1</a:t>
+            </a:r>
+          </a:p>
+          <a:p>
+            <a:r>
+              <a:rPr lang="pt-BR" sz="1100" dirty="0"/>
+              <a:t>    Valor do dado: 4</a:t>
+            </a:r>
+          </a:p>
+          <a:p>
+            <a:r>
+              <a:rPr lang="pt-BR" sz="1100" dirty="0"/>
+              <a:t>    5 -- ESCADA!!! --&gt; 7</a:t>
+            </a:r>
+          </a:p>
+          <a:p>
+            <a:r>
+              <a:rPr lang="pt-BR" sz="1100" dirty="0"/>
+              <a:t>    final da rodada </a:t>
+            </a:r>
+            <a:r>
+              <a:rPr lang="pt-BR" sz="1100" dirty="0" err="1"/>
+              <a:t>pos</a:t>
+            </a:r>
+            <a:r>
+              <a:rPr lang="pt-BR" sz="1100" dirty="0"/>
+              <a:t>:  7</a:t>
+            </a:r>
+          </a:p>
+          <a:p>
+            <a:endParaRPr lang="pt-BR" sz="1100" dirty="0"/>
+          </a:p>
+          <a:p>
+            <a:r>
+              <a:rPr lang="pt-BR" sz="1100" dirty="0"/>
+              <a:t>Player 1 - </a:t>
+            </a:r>
+            <a:r>
+              <a:rPr lang="pt-BR" sz="1100" dirty="0" err="1"/>
+              <a:t>posicao</a:t>
+            </a:r>
+            <a:r>
+              <a:rPr lang="pt-BR" sz="1100" dirty="0"/>
+              <a:t> atual = 16</a:t>
+            </a:r>
+          </a:p>
+          <a:p>
+            <a:r>
+              <a:rPr lang="pt-BR" sz="1100" dirty="0"/>
+              <a:t>    Valor do dado: 4</a:t>
+            </a:r>
+          </a:p>
+          <a:p>
+            <a:r>
+              <a:rPr lang="pt-BR" sz="1100" dirty="0"/>
+              <a:t>    final da rodada </a:t>
+            </a:r>
+            <a:r>
+              <a:rPr lang="pt-BR" sz="1100" dirty="0" err="1"/>
+              <a:t>pos</a:t>
+            </a:r>
+            <a:r>
+              <a:rPr lang="pt-BR" sz="1100" dirty="0"/>
+              <a:t>:  20</a:t>
+            </a:r>
+          </a:p>
+          <a:p>
+            <a:endParaRPr lang="pt-BR" sz="1100" dirty="0"/>
+          </a:p>
+          <a:p>
+            <a:r>
+              <a:rPr lang="pt-BR" sz="1100" dirty="0"/>
+              <a:t>Player 2 - </a:t>
+            </a:r>
+            <a:r>
+              <a:rPr lang="pt-BR" sz="1100" dirty="0" err="1"/>
+              <a:t>posicao</a:t>
+            </a:r>
+            <a:r>
+              <a:rPr lang="pt-BR" sz="1100" dirty="0"/>
+              <a:t> atual = 7</a:t>
+            </a:r>
+          </a:p>
+          <a:p>
+            <a:r>
+              <a:rPr lang="pt-BR" sz="1100" dirty="0"/>
+              <a:t>    Valor do dado: 5</a:t>
+            </a:r>
+          </a:p>
+          <a:p>
+            <a:r>
+              <a:rPr lang="pt-BR" sz="1100" dirty="0"/>
+              <a:t>    12 -- COBRA!!! --&gt; 2</a:t>
+            </a:r>
+          </a:p>
+          <a:p>
+            <a:r>
+              <a:rPr lang="pt-BR" sz="1100" dirty="0"/>
+              <a:t>    final da rodada </a:t>
+            </a:r>
+            <a:r>
+              <a:rPr lang="pt-BR" sz="1100" dirty="0" err="1"/>
+              <a:t>pos</a:t>
+            </a:r>
+            <a:r>
+              <a:rPr lang="pt-BR" sz="1100" dirty="0"/>
+              <a:t>:  2</a:t>
+            </a:r>
+          </a:p>
+          <a:p>
+            <a:endParaRPr lang="pt-BR" sz="1100" dirty="0"/>
+          </a:p>
+          <a:p>
+            <a:r>
+              <a:rPr lang="pt-BR" sz="1100" dirty="0"/>
+              <a:t>Player 1 - </a:t>
+            </a:r>
+            <a:r>
+              <a:rPr lang="pt-BR" sz="1100" dirty="0" err="1"/>
+              <a:t>posicao</a:t>
+            </a:r>
+            <a:r>
+              <a:rPr lang="pt-BR" sz="1100" dirty="0"/>
+              <a:t> atual = 20</a:t>
+            </a:r>
+          </a:p>
+          <a:p>
+            <a:r>
+              <a:rPr lang="pt-BR" sz="1100" dirty="0"/>
+              <a:t>    Valor do dado: 2</a:t>
+            </a:r>
+          </a:p>
+          <a:p>
+            <a:r>
+              <a:rPr lang="pt-BR" sz="1100" dirty="0"/>
+              <a:t>    final da rodada </a:t>
+            </a:r>
+            <a:r>
+              <a:rPr lang="pt-BR" sz="1100" dirty="0" err="1"/>
+              <a:t>pos</a:t>
+            </a:r>
+            <a:r>
+              <a:rPr lang="pt-BR" sz="1100" dirty="0"/>
+              <a:t>:  22</a:t>
+            </a:r>
+          </a:p>
+          <a:p>
+            <a:endParaRPr lang="pt-BR" sz="1100" dirty="0"/>
+          </a:p>
+          <a:p>
+            <a:endParaRPr lang="pt-BR" sz="1100" dirty="0"/>
+          </a:p>
+          <a:p>
+            <a:r>
+              <a:rPr lang="pt-BR" sz="1100" dirty="0"/>
+              <a:t>Player 2 - </a:t>
+            </a:r>
+            <a:r>
+              <a:rPr lang="pt-BR" sz="1100" dirty="0" err="1"/>
+              <a:t>posicao</a:t>
+            </a:r>
+            <a:r>
+              <a:rPr lang="pt-BR" sz="1100" dirty="0"/>
+              <a:t> atual = 2</a:t>
+            </a:r>
+          </a:p>
+          <a:p>
+            <a:r>
+              <a:rPr lang="pt-BR" sz="1100" dirty="0"/>
+              <a:t>    Valor do dado: 2</a:t>
+            </a:r>
+          </a:p>
+          <a:p>
+            <a:r>
+              <a:rPr lang="pt-BR" sz="1100" dirty="0"/>
+              <a:t>    final da rodada </a:t>
+            </a:r>
+            <a:r>
+              <a:rPr lang="pt-BR" sz="1100" dirty="0" err="1"/>
+              <a:t>pos</a:t>
+            </a:r>
+            <a:r>
+              <a:rPr lang="pt-BR" sz="1100" dirty="0"/>
+              <a:t>:  4</a:t>
+            </a:r>
+          </a:p>
+          <a:p>
+            <a:endParaRPr lang="pt-BR" sz="1100" dirty="0"/>
+          </a:p>
+          <a:p>
+            <a:r>
+              <a:rPr lang="pt-BR" sz="1100" dirty="0"/>
+              <a:t>Player 1 - </a:t>
+            </a:r>
+            <a:r>
+              <a:rPr lang="pt-BR" sz="1100" dirty="0" err="1"/>
+              <a:t>posicao</a:t>
+            </a:r>
+            <a:r>
+              <a:rPr lang="pt-BR" sz="1100" dirty="0"/>
+              <a:t> atual = 22</a:t>
+            </a:r>
+          </a:p>
+          <a:p>
+            <a:r>
+              <a:rPr lang="pt-BR" sz="1100" dirty="0"/>
+              <a:t>    Valor do dado: 5</a:t>
+            </a:r>
+          </a:p>
+          <a:p>
+            <a:r>
+              <a:rPr lang="pt-BR" sz="1100" dirty="0"/>
+              <a:t>    final da rodada </a:t>
+            </a:r>
+            <a:r>
+              <a:rPr lang="pt-BR" sz="1100" dirty="0" err="1"/>
+              <a:t>pos</a:t>
+            </a:r>
+            <a:r>
+              <a:rPr lang="pt-BR" sz="1100" dirty="0"/>
+              <a:t>:  27</a:t>
+            </a:r>
+          </a:p>
+          <a:p>
+            <a:endParaRPr lang="pt-BR" sz="1100" dirty="0"/>
+          </a:p>
+          <a:p>
+            <a:r>
+              <a:rPr lang="pt-BR" sz="1100" dirty="0"/>
+              <a:t>		</a:t>
+            </a:r>
+          </a:p>
+          <a:p>
+            <a:r>
+              <a:rPr lang="pt-BR" sz="1100" dirty="0"/>
+              <a:t>		...	       </a:t>
+            </a:r>
+          </a:p>
+          <a:p>
+            <a:endParaRPr lang="pt-BR" sz="1100" dirty="0"/>
+          </a:p>
+          <a:p>
+            <a:endParaRPr lang="pt-BR" sz="1100" dirty="0"/>
+          </a:p>
+          <a:p>
+            <a:r>
+              <a:rPr lang="pt-BR" sz="1100" dirty="0"/>
+              <a:t>Player 1 - </a:t>
+            </a:r>
+            <a:r>
+              <a:rPr lang="pt-BR" sz="1100" dirty="0" err="1"/>
+              <a:t>posicao</a:t>
+            </a:r>
+            <a:r>
+              <a:rPr lang="pt-BR" sz="1100" dirty="0"/>
+              <a:t> atual = 91</a:t>
+            </a:r>
+          </a:p>
+          <a:p>
+            <a:r>
+              <a:rPr lang="pt-BR" sz="1100" dirty="0"/>
+              <a:t>    Valor do dado: 3</a:t>
+            </a:r>
+          </a:p>
+          <a:p>
+            <a:r>
+              <a:rPr lang="pt-BR" sz="1100" dirty="0"/>
+              <a:t>    final da rodada </a:t>
+            </a:r>
+            <a:r>
+              <a:rPr lang="pt-BR" sz="1100" dirty="0" err="1"/>
+              <a:t>pos</a:t>
+            </a:r>
+            <a:r>
+              <a:rPr lang="pt-BR" sz="1100" dirty="0"/>
+              <a:t>:  94</a:t>
+            </a:r>
+          </a:p>
+          <a:p>
+            <a:endParaRPr lang="pt-BR" sz="1100" dirty="0"/>
+          </a:p>
+          <a:p>
+            <a:r>
+              <a:rPr lang="pt-BR" sz="1100" dirty="0"/>
+              <a:t>Player 2 - </a:t>
+            </a:r>
+            <a:r>
+              <a:rPr lang="pt-BR" sz="1100" dirty="0" err="1"/>
+              <a:t>posicao</a:t>
+            </a:r>
+            <a:r>
+              <a:rPr lang="pt-BR" sz="1100" dirty="0"/>
+              <a:t> atual = 74</a:t>
+            </a:r>
+          </a:p>
+          <a:p>
+            <a:r>
+              <a:rPr lang="pt-BR" sz="1100" dirty="0"/>
+              <a:t>    Valor do dado: 5</a:t>
+            </a:r>
+          </a:p>
+          <a:p>
+            <a:r>
+              <a:rPr lang="pt-BR" sz="1100" dirty="0"/>
+              <a:t>    final da rodada </a:t>
+            </a:r>
+            <a:r>
+              <a:rPr lang="pt-BR" sz="1100" dirty="0" err="1"/>
+              <a:t>pos</a:t>
+            </a:r>
+            <a:r>
+              <a:rPr lang="pt-BR" sz="1100" dirty="0"/>
+              <a:t>:  79</a:t>
+            </a:r>
+          </a:p>
+          <a:p>
+            <a:endParaRPr lang="pt-BR" sz="1100" dirty="0"/>
+          </a:p>
+          <a:p>
+            <a:r>
+              <a:rPr lang="pt-BR" sz="1100" dirty="0"/>
+              <a:t>Player 1 - </a:t>
+            </a:r>
+            <a:r>
+              <a:rPr lang="pt-BR" sz="1100" dirty="0" err="1"/>
+              <a:t>posicao</a:t>
+            </a:r>
+            <a:r>
+              <a:rPr lang="pt-BR" sz="1100" dirty="0"/>
+              <a:t> atual = 94</a:t>
+            </a:r>
+          </a:p>
+          <a:p>
+            <a:r>
+              <a:rPr lang="pt-BR" sz="1100" dirty="0"/>
+              <a:t>    Valor do dado: 3</a:t>
+            </a:r>
+          </a:p>
+          <a:p>
+            <a:r>
+              <a:rPr lang="pt-BR" sz="1100" dirty="0"/>
+              <a:t>    final da rodada </a:t>
+            </a:r>
+            <a:r>
+              <a:rPr lang="pt-BR" sz="1100" dirty="0" err="1"/>
+              <a:t>pos</a:t>
+            </a:r>
+            <a:r>
+              <a:rPr lang="pt-BR" sz="1100" dirty="0"/>
+              <a:t>:  97</a:t>
+            </a:r>
+          </a:p>
+          <a:p>
+            <a:endParaRPr lang="pt-BR" sz="1100" dirty="0"/>
+          </a:p>
+          <a:p>
+            <a:r>
+              <a:rPr lang="pt-BR" sz="1100" dirty="0"/>
+              <a:t>Player 2 - </a:t>
+            </a:r>
+            <a:r>
+              <a:rPr lang="pt-BR" sz="1100" dirty="0" err="1"/>
+              <a:t>posicao</a:t>
+            </a:r>
+            <a:r>
+              <a:rPr lang="pt-BR" sz="1100" dirty="0"/>
+              <a:t> atual = 79</a:t>
+            </a:r>
+          </a:p>
+          <a:p>
+            <a:r>
+              <a:rPr lang="pt-BR" sz="1100" dirty="0"/>
+              <a:t>    Valor do dado: 4</a:t>
+            </a:r>
+          </a:p>
+          <a:p>
+            <a:r>
+              <a:rPr lang="pt-BR" sz="1100" dirty="0"/>
+              <a:t>    final da rodada </a:t>
+            </a:r>
+            <a:r>
+              <a:rPr lang="pt-BR" sz="1100" dirty="0" err="1"/>
+              <a:t>pos</a:t>
+            </a:r>
+            <a:r>
+              <a:rPr lang="pt-BR" sz="1100" dirty="0"/>
+              <a:t>:  83</a:t>
+            </a:r>
+          </a:p>
+          <a:p>
+            <a:endParaRPr lang="pt-BR" sz="1100" dirty="0"/>
+          </a:p>
+          <a:p>
+            <a:r>
+              <a:rPr lang="pt-BR" sz="1100" dirty="0"/>
+              <a:t>Player 1 - </a:t>
+            </a:r>
+            <a:r>
+              <a:rPr lang="pt-BR" sz="1100" dirty="0" err="1"/>
+              <a:t>posicao</a:t>
+            </a:r>
+            <a:r>
+              <a:rPr lang="pt-BR" sz="1100" dirty="0"/>
+              <a:t> atual = 97</a:t>
+            </a:r>
+          </a:p>
+          <a:p>
+            <a:r>
+              <a:rPr lang="pt-BR" sz="1100" dirty="0"/>
+              <a:t>    Valor do dado: 2</a:t>
+            </a:r>
+          </a:p>
+          <a:p>
+            <a:r>
+              <a:rPr lang="pt-BR" sz="1100" dirty="0"/>
+              <a:t>    final da rodada </a:t>
+            </a:r>
+            <a:r>
+              <a:rPr lang="pt-BR" sz="1100" dirty="0" err="1"/>
+              <a:t>pos</a:t>
+            </a:r>
+            <a:r>
+              <a:rPr lang="pt-BR" sz="1100" dirty="0"/>
+              <a:t>:  99</a:t>
+            </a:r>
+          </a:p>
+          <a:p>
+            <a:endParaRPr lang="pt-BR" sz="1100" dirty="0"/>
+          </a:p>
+          <a:p>
+            <a:r>
+              <a:rPr lang="pt-BR" sz="1100" dirty="0"/>
+              <a:t>Player 2 - </a:t>
+            </a:r>
+            <a:r>
+              <a:rPr lang="pt-BR" sz="1100" dirty="0" err="1"/>
+              <a:t>posicao</a:t>
+            </a:r>
+            <a:r>
+              <a:rPr lang="pt-BR" sz="1100" dirty="0"/>
+              <a:t> atual = 83</a:t>
+            </a:r>
+          </a:p>
+          <a:p>
+            <a:r>
+              <a:rPr lang="pt-BR" sz="1100" dirty="0"/>
+              <a:t>    Valor do dado: 4</a:t>
+            </a:r>
+          </a:p>
+          <a:p>
+            <a:r>
+              <a:rPr lang="pt-BR" sz="1100" dirty="0"/>
+              <a:t>    final da rodada </a:t>
+            </a:r>
+            <a:r>
+              <a:rPr lang="pt-BR" sz="1100" dirty="0" err="1"/>
+              <a:t>pos</a:t>
+            </a:r>
+            <a:r>
+              <a:rPr lang="pt-BR" sz="1100" dirty="0"/>
+              <a:t>:  87</a:t>
+            </a:r>
+          </a:p>
+          <a:p>
+            <a:endParaRPr lang="pt-BR" sz="1100" dirty="0"/>
+          </a:p>
+          <a:p>
+            <a:r>
+              <a:rPr lang="pt-BR" sz="1100" dirty="0"/>
+              <a:t>Player 1 - </a:t>
+            </a:r>
+            <a:r>
+              <a:rPr lang="pt-BR" sz="1100" dirty="0" err="1"/>
+              <a:t>posicao</a:t>
+            </a:r>
+            <a:r>
+              <a:rPr lang="pt-BR" sz="1100" dirty="0"/>
+              <a:t> atual = 99</a:t>
+            </a:r>
+          </a:p>
+          <a:p>
+            <a:r>
+              <a:rPr lang="pt-BR" sz="1100" dirty="0"/>
+              <a:t>    Valor do dado: 4</a:t>
+            </a:r>
+          </a:p>
+          <a:p>
+            <a:r>
+              <a:rPr lang="pt-BR" sz="1100" dirty="0"/>
+              <a:t>    final da rodada </a:t>
+            </a:r>
+            <a:r>
+              <a:rPr lang="pt-BR" sz="1100" dirty="0" err="1"/>
+              <a:t>pos</a:t>
+            </a:r>
+            <a:r>
+              <a:rPr lang="pt-BR" sz="1100" dirty="0"/>
+              <a:t>:  103</a:t>
+            </a:r>
+          </a:p>
+          <a:p>
+            <a:endParaRPr lang="pt-BR" sz="1100" dirty="0"/>
+          </a:p>
+        </p:txBody>
+      </p:sp>
+      <p:pic>
+        <p:nvPicPr>
+          <p:cNvPr id="8" name="Imagem 7">
+            <a:extLst>
+              <a:ext uri="{FF2B5EF4-FFF2-40B4-BE49-F238E27FC236}">
+                <a16:creationId xmlns:a16="http://schemas.microsoft.com/office/drawing/2014/main" id="{A963CEE8-C1C4-444D-92E9-7054824BF9F7}"/>
+              </a:ext>
+            </a:extLst>
+          </p:cNvPr>
+          <p:cNvPicPr>
+            <a:picLocks noChangeAspect="1"/>
+          </p:cNvPicPr>
+          <p:nvPr/>
+        </p:nvPicPr>
+        <p:blipFill>
+          <a:blip r:embed="rId2"/>
+          <a:stretch>
+            <a:fillRect/>
+          </a:stretch>
+        </p:blipFill>
+        <p:spPr>
+          <a:xfrm>
+            <a:off x="11407112" y="6027651"/>
+            <a:ext cx="726165" cy="763237"/>
+          </a:xfrm>
+          <a:prstGeom prst="rect">
+            <a:avLst/>
+          </a:prstGeom>
+        </p:spPr>
+      </p:pic>
+      <p:sp>
+        <p:nvSpPr>
+          <p:cNvPr id="9" name="CaixaDeTexto 8">
+            <a:extLst>
+              <a:ext uri="{FF2B5EF4-FFF2-40B4-BE49-F238E27FC236}">
+                <a16:creationId xmlns:a16="http://schemas.microsoft.com/office/drawing/2014/main" id="{478D6F3D-31FF-4AD0-AF2C-EF89F88D06DD}"/>
+              </a:ext>
+            </a:extLst>
+          </p:cNvPr>
+          <p:cNvSpPr txBox="1"/>
+          <p:nvPr/>
+        </p:nvSpPr>
+        <p:spPr>
+          <a:xfrm>
+            <a:off x="5129982" y="3244332"/>
+            <a:ext cx="2826864" cy="584775"/>
+          </a:xfrm>
+          <a:prstGeom prst="rect">
+            <a:avLst/>
+          </a:prstGeom>
+          <a:noFill/>
+        </p:spPr>
+        <p:txBody>
+          <a:bodyPr wrap="square" rtlCol="0">
+            <a:spAutoFit/>
+          </a:bodyPr>
+          <a:lstStyle/>
+          <a:p>
+            <a:r>
+              <a:rPr lang="pt-BR" sz="3200" dirty="0">
+                <a:effectLst>
+                  <a:outerShdw blurRad="38100" dist="38100" dir="2700000" algn="tl">
+                    <a:srgbClr val="000000">
+                      <a:alpha val="43137"/>
+                    </a:srgbClr>
+                  </a:outerShdw>
+                </a:effectLst>
+              </a:rPr>
+              <a:t>Player1 </a:t>
+            </a:r>
+            <a:r>
+              <a:rPr lang="pt-BR" sz="3200" dirty="0" err="1">
+                <a:effectLst>
+                  <a:outerShdw blurRad="38100" dist="38100" dir="2700000" algn="tl">
+                    <a:srgbClr val="000000">
+                      <a:alpha val="43137"/>
+                    </a:srgbClr>
+                  </a:outerShdw>
+                </a:effectLst>
+              </a:rPr>
+              <a:t>Wins</a:t>
+            </a:r>
+            <a:endParaRPr lang="pt-BR" sz="3200" dirty="0">
+              <a:effectLst>
+                <a:outerShdw blurRad="38100" dist="38100" dir="2700000" algn="tl">
+                  <a:srgbClr val="000000">
+                    <a:alpha val="43137"/>
+                  </a:srgbClr>
+                </a:outerShdw>
+              </a:effectLst>
+            </a:endParaRPr>
+          </a:p>
+        </p:txBody>
+      </p:sp>
+    </p:spTree>
+    <p:extLst>
+      <p:ext uri="{BB962C8B-B14F-4D97-AF65-F5344CB8AC3E}">
+        <p14:creationId xmlns:p14="http://schemas.microsoft.com/office/powerpoint/2010/main" val="1592044115"/>
+      </p:ext>
+    </p:extLst>
+  </p:cSld>
+  <p:clrMapOvr>
+    <a:masterClrMapping/>
+  </p:clrMapOvr>
+  <mc:AlternateContent xmlns:mc="http://schemas.openxmlformats.org/markup-compatibility/2006">
+    <mc:Choice xmlns:p14="http://schemas.microsoft.com/office/powerpoint/2010/main" Requires="p14">
+      <p:transition spd="med" p14:dur="700">
+        <p:fade/>
+      </p:transition>
+    </mc:Choice>
+    <mc:Fallback>
+      <p:transition spd="med">
+        <p:fade/>
+      </p:transition>
+    </mc:Fallback>
+  </mc:AlternateContent>
+  <p:timing>
+    <p:tnLst>
+      <p:par>
+        <p:cTn id="1" dur="indefinite" restart="never" nodeType="tmRoot">
+          <p:childTnLst>
+            <p:seq concurrent="1" nextAc="seek">
+              <p:cTn id="2" dur="indefinite" nodeType="mainSeq">
+                <p:childTnLst>
+                  <p:par>
+                    <p:cTn id="3" fill="hold">
+                      <p:stCondLst>
+                        <p:cond delay="indefinite"/>
+                        <p:cond evt="onBegin" delay="0">
+                          <p:tn val="2"/>
+                        </p:cond>
+                      </p:stCondLst>
+                      <p:childTnLst>
+                        <p:par>
+                          <p:cTn id="4" fill="hold">
+                            <p:stCondLst>
+                              <p:cond delay="0"/>
+                            </p:stCondLst>
+                            <p:childTnLst>
+                              <p:par>
+                                <p:cTn id="5" presetID="2" presetClass="entr" presetSubtype="4" fill="hold" grpId="0" nodeType="withEffect">
+                                  <p:stCondLst>
+                                    <p:cond delay="0"/>
+                                  </p:stCondLst>
+                                  <p:childTnLst>
+                                    <p:set>
+                                      <p:cBhvr>
+                                        <p:cTn id="6" dur="1" fill="hold">
+                                          <p:stCondLst>
+                                            <p:cond delay="0"/>
+                                          </p:stCondLst>
+                                        </p:cTn>
+                                        <p:tgtEl>
+                                          <p:spTgt spid="7"/>
+                                        </p:tgtEl>
+                                        <p:attrNameLst>
+                                          <p:attrName>style.visibility</p:attrName>
+                                        </p:attrNameLst>
+                                      </p:cBhvr>
+                                      <p:to>
+                                        <p:strVal val="visible"/>
+                                      </p:to>
+                                    </p:set>
+                                    <p:anim calcmode="lin" valueType="num">
+                                      <p:cBhvr additive="base">
+                                        <p:cTn id="7" dur="7500" fill="hold"/>
+                                        <p:tgtEl>
+                                          <p:spTgt spid="7"/>
+                                        </p:tgtEl>
+                                        <p:attrNameLst>
+                                          <p:attrName>ppt_x</p:attrName>
+                                        </p:attrNameLst>
+                                      </p:cBhvr>
+                                      <p:tavLst>
+                                        <p:tav tm="0">
+                                          <p:val>
+                                            <p:strVal val="#ppt_x"/>
+                                          </p:val>
+                                        </p:tav>
+                                        <p:tav tm="100000">
+                                          <p:val>
+                                            <p:strVal val="#ppt_x"/>
+                                          </p:val>
+                                        </p:tav>
+                                      </p:tavLst>
+                                    </p:anim>
+                                    <p:anim calcmode="lin" valueType="num">
+                                      <p:cBhvr additive="base">
+                                        <p:cTn id="8" dur="7500" fill="hold"/>
+                                        <p:tgtEl>
+                                          <p:spTgt spid="7"/>
+                                        </p:tgtEl>
+                                        <p:attrNameLst>
+                                          <p:attrName>ppt_y</p:attrName>
+                                        </p:attrNameLst>
+                                      </p:cBhvr>
+                                      <p:tavLst>
+                                        <p:tav tm="0">
+                                          <p:val>
+                                            <p:strVal val="1+#ppt_h/2"/>
+                                          </p:val>
+                                        </p:tav>
+                                        <p:tav tm="100000">
+                                          <p:val>
+                                            <p:strVal val="#ppt_y"/>
+                                          </p:val>
+                                        </p:tav>
+                                      </p:tavLst>
+                                    </p:anim>
+                                  </p:childTnLst>
+                                </p:cTn>
+                              </p:par>
+                            </p:childTnLst>
+                          </p:cTn>
+                        </p:par>
+                        <p:par>
+                          <p:cTn id="9" fill="hold">
+                            <p:stCondLst>
+                              <p:cond delay="7500"/>
+                            </p:stCondLst>
+                            <p:childTnLst>
+                              <p:par>
+                                <p:cTn id="10" presetID="10" presetClass="entr" presetSubtype="0" fill="hold" grpId="0" nodeType="afterEffect">
+                                  <p:stCondLst>
+                                    <p:cond delay="0"/>
+                                  </p:stCondLst>
+                                  <p:childTnLst>
+                                    <p:set>
+                                      <p:cBhvr>
+                                        <p:cTn id="11" dur="1" fill="hold">
+                                          <p:stCondLst>
+                                            <p:cond delay="0"/>
+                                          </p:stCondLst>
+                                        </p:cTn>
+                                        <p:tgtEl>
+                                          <p:spTgt spid="9"/>
+                                        </p:tgtEl>
+                                        <p:attrNameLst>
+                                          <p:attrName>style.visibility</p:attrName>
+                                        </p:attrNameLst>
+                                      </p:cBhvr>
+                                      <p:to>
+                                        <p:strVal val="visible"/>
+                                      </p:to>
+                                    </p:set>
+                                    <p:animEffect transition="in" filter="fade">
+                                      <p:cBhvr>
+                                        <p:cTn id="12" dur="1000"/>
+                                        <p:tgtEl>
+                                          <p:spTgt spid="9"/>
+                                        </p:tgtEl>
+                                      </p:cBhvr>
+                                    </p:animEffect>
+                                  </p:childTnLst>
+                                </p:cTn>
+                              </p:par>
+                            </p:childTnLst>
+                          </p:cTn>
+                        </p:par>
+                      </p:childTnLst>
+                    </p:cTn>
+                  </p:par>
+                </p:childTnLst>
+              </p:cTn>
+              <p:prevCondLst>
+                <p:cond evt="onPrev" delay="0">
+                  <p:tgtEl>
+                    <p:sldTgt/>
+                  </p:tgtEl>
+                </p:cond>
+              </p:prevCondLst>
+              <p:nextCondLst>
+                <p:cond evt="onNext" delay="0">
+                  <p:tgtEl>
+                    <p:sldTgt/>
+                  </p:tgtEl>
+                </p:cond>
+              </p:nextCondLst>
+            </p:seq>
+          </p:childTnLst>
+        </p:cTn>
+      </p:par>
+    </p:tnLst>
+    <p:bldLst>
+      <p:bldP spid="7" grpId="0"/>
+      <p:bldP spid="9" grpId="0"/>
+    </p:bldLst>
+  </p:timing>
+</p:sld>
+</file>
+
+<file path=ppt/slides/slide7.xml><?xml version="1.0" encoding="utf-8"?>
+<p:sld xmlns:a="http://schemas.openxmlformats.org/drawingml/2006/main" xmlns:r="http://schemas.openxmlformats.org/officeDocument/2006/relationships" xmlns:p="http://schemas.openxmlformats.org/presentationml/2006/main">
+  <p:cSld>
+    <p:spTree>
+      <p:nvGrpSpPr>
+        <p:cNvPr id="1" name=""/>
+        <p:cNvGrpSpPr/>
+        <p:nvPr/>
+      </p:nvGrpSpPr>
+      <p:grpSpPr>
+        <a:xfrm>
+          <a:off x="0" y="0"/>
+          <a:ext cx="0" cy="0"/>
+          <a:chOff x="0" y="0"/>
+          <a:chExt cx="0" cy="0"/>
+        </a:xfrm>
+      </p:grpSpPr>
+      <p:pic>
+        <p:nvPicPr>
+          <p:cNvPr id="2" name="Imagem 1">
+            <a:extLst>
+              <a:ext uri="{FF2B5EF4-FFF2-40B4-BE49-F238E27FC236}">
+                <a16:creationId xmlns:a16="http://schemas.microsoft.com/office/drawing/2014/main" id="{9FC7D2F6-80DD-4558-8D0F-9F44CEEFBE9A}"/>
+              </a:ext>
+            </a:extLst>
+          </p:cNvPr>
+          <p:cNvPicPr>
+            <a:picLocks noChangeAspect="1"/>
+          </p:cNvPicPr>
+          <p:nvPr/>
+        </p:nvPicPr>
+        <p:blipFill>
+          <a:blip r:embed="rId2"/>
+          <a:stretch>
+            <a:fillRect/>
+          </a:stretch>
+        </p:blipFill>
+        <p:spPr>
+          <a:xfrm>
+            <a:off x="11407112" y="6027651"/>
+            <a:ext cx="726165" cy="763237"/>
+          </a:xfrm>
+          <a:prstGeom prst="rect">
+            <a:avLst/>
+          </a:prstGeom>
+        </p:spPr>
+      </p:pic>
+      <p:sp>
+        <p:nvSpPr>
+          <p:cNvPr id="3" name="CaixaDeTexto 2">
+            <a:extLst>
+              <a:ext uri="{FF2B5EF4-FFF2-40B4-BE49-F238E27FC236}">
+                <a16:creationId xmlns:a16="http://schemas.microsoft.com/office/drawing/2014/main" id="{0D46AA68-83D4-4B07-9760-3E34A34B5E4F}"/>
+              </a:ext>
+            </a:extLst>
+          </p:cNvPr>
+          <p:cNvSpPr txBox="1"/>
+          <p:nvPr/>
+        </p:nvSpPr>
+        <p:spPr>
+          <a:xfrm>
+            <a:off x="637563" y="214390"/>
+            <a:ext cx="3122971" cy="400110"/>
+          </a:xfrm>
+          <a:prstGeom prst="rect">
+            <a:avLst/>
+          </a:prstGeom>
+          <a:noFill/>
+        </p:spPr>
+        <p:txBody>
+          <a:bodyPr wrap="none" rtlCol="0">
+            <a:spAutoFit/>
+          </a:bodyPr>
+          <a:lstStyle/>
+          <a:p>
+            <a:r>
+              <a:rPr lang="pt-BR" sz="2000" dirty="0">
+                <a:latin typeface="Arial" panose="020B0604020202020204" pitchFamily="34" charset="0"/>
+                <a:cs typeface="Arial" panose="020B0604020202020204" pitchFamily="34" charset="0"/>
+              </a:rPr>
+              <a:t>Felipe Figueiredo Furtado</a:t>
+            </a:r>
+          </a:p>
+        </p:txBody>
+      </p:sp>
+      <p:sp>
+        <p:nvSpPr>
+          <p:cNvPr id="4" name="Título 1">
+            <a:extLst>
+              <a:ext uri="{FF2B5EF4-FFF2-40B4-BE49-F238E27FC236}">
+                <a16:creationId xmlns:a16="http://schemas.microsoft.com/office/drawing/2014/main" id="{BA2CB470-55A7-4432-B880-06303126DD3C}"/>
+              </a:ext>
+            </a:extLst>
+          </p:cNvPr>
+          <p:cNvSpPr txBox="1">
+            <a:spLocks/>
+          </p:cNvSpPr>
+          <p:nvPr/>
+        </p:nvSpPr>
+        <p:spPr>
+          <a:xfrm>
+            <a:off x="1854694" y="625463"/>
+            <a:ext cx="4688720" cy="708387"/>
+          </a:xfrm>
+          <a:prstGeom prst="rect">
+            <a:avLst/>
+          </a:prstGeom>
+        </p:spPr>
+        <p:txBody>
+          <a:bodyPr>
+            <a:normAutofit/>
+          </a:bodyPr>
+          <a:lstStyle>
+            <a:lvl1pPr algn="l" defTabSz="457200" rtl="0" eaLnBrk="1" latinLnBrk="0" hangingPunct="1">
+              <a:spcBef>
+                <a:spcPct val="0"/>
+              </a:spcBef>
+              <a:buNone/>
+              <a:defRPr sz="3600" kern="1200">
+                <a:solidFill>
+                  <a:schemeClr val="accent2">
+                    <a:lumMod val="75000"/>
+                  </a:schemeClr>
+                </a:solidFill>
+                <a:latin typeface="+mj-lt"/>
+                <a:ea typeface="+mj-ea"/>
+                <a:cs typeface="+mj-cs"/>
+              </a:defRPr>
+            </a:lvl1pPr>
+            <a:lvl2pPr eaLnBrk="1" hangingPunct="1">
+              <a:defRPr>
+                <a:solidFill>
+                  <a:schemeClr val="tx2"/>
+                </a:solidFill>
+              </a:defRPr>
+            </a:lvl2pPr>
+            <a:lvl3pPr eaLnBrk="1" hangingPunct="1">
+              <a:defRPr>
+                <a:solidFill>
+                  <a:schemeClr val="tx2"/>
+                </a:solidFill>
+              </a:defRPr>
+            </a:lvl3pPr>
+            <a:lvl4pPr eaLnBrk="1" hangingPunct="1">
+              <a:defRPr>
+                <a:solidFill>
+                  <a:schemeClr val="tx2"/>
+                </a:solidFill>
+              </a:defRPr>
+            </a:lvl4pPr>
+            <a:lvl5pPr eaLnBrk="1" hangingPunct="1">
+              <a:defRPr>
+                <a:solidFill>
+                  <a:schemeClr val="tx2"/>
+                </a:solidFill>
+              </a:defRPr>
+            </a:lvl5pPr>
+            <a:lvl6pPr eaLnBrk="1" hangingPunct="1">
+              <a:defRPr>
+                <a:solidFill>
+                  <a:schemeClr val="tx2"/>
+                </a:solidFill>
+              </a:defRPr>
+            </a:lvl6pPr>
+            <a:lvl7pPr eaLnBrk="1" hangingPunct="1">
+              <a:defRPr>
+                <a:solidFill>
+                  <a:schemeClr val="tx2"/>
+                </a:solidFill>
+              </a:defRPr>
+            </a:lvl7pPr>
+            <a:lvl8pPr eaLnBrk="1" hangingPunct="1">
+              <a:defRPr>
+                <a:solidFill>
+                  <a:schemeClr val="tx2"/>
+                </a:solidFill>
+              </a:defRPr>
+            </a:lvl8pPr>
+            <a:lvl9pPr eaLnBrk="1" hangingPunct="1">
+              <a:defRPr>
+                <a:solidFill>
+                  <a:schemeClr val="tx2"/>
+                </a:solidFill>
+              </a:defRPr>
+            </a:lvl9pPr>
+          </a:lstStyle>
+          <a:p>
+            <a:r>
+              <a:rPr lang="pt-BR" dirty="0">
+                <a:solidFill>
+                  <a:schemeClr val="tx1"/>
+                </a:solidFill>
+              </a:rPr>
+              <a:t>Jogos aleatórios:</a:t>
+            </a:r>
+          </a:p>
+        </p:txBody>
+      </p:sp>
+      <p:pic>
+        <p:nvPicPr>
+          <p:cNvPr id="8" name="Imagem 7">
+            <a:extLst>
+              <a:ext uri="{FF2B5EF4-FFF2-40B4-BE49-F238E27FC236}">
+                <a16:creationId xmlns:a16="http://schemas.microsoft.com/office/drawing/2014/main" id="{3747F65B-9DA9-4A02-A209-F4857BA4A237}"/>
+              </a:ext>
+            </a:extLst>
+          </p:cNvPr>
+          <p:cNvPicPr>
+            <a:picLocks noChangeAspect="1"/>
+          </p:cNvPicPr>
+          <p:nvPr/>
+        </p:nvPicPr>
+        <p:blipFill>
+          <a:blip r:embed="rId3"/>
+          <a:stretch>
+            <a:fillRect/>
+          </a:stretch>
+        </p:blipFill>
+        <p:spPr>
+          <a:xfrm>
+            <a:off x="3578295" y="1419745"/>
+            <a:ext cx="5035410" cy="4812792"/>
+          </a:xfrm>
+          <a:prstGeom prst="rect">
+            <a:avLst/>
+          </a:prstGeom>
+          <a:effectLst>
+            <a:softEdge rad="38100"/>
+          </a:effectLst>
+        </p:spPr>
+      </p:pic>
+    </p:spTree>
+    <p:extLst>
+      <p:ext uri="{BB962C8B-B14F-4D97-AF65-F5344CB8AC3E}">
+        <p14:creationId xmlns:p14="http://schemas.microsoft.com/office/powerpoint/2010/main" val="1611159777"/>
+      </p:ext>
+    </p:extLst>
+  </p:cSld>
+  <p:clrMapOvr>
+    <a:masterClrMapping/>
+  </p:clrMapOvr>
+  <mc:AlternateContent xmlns:mc="http://schemas.openxmlformats.org/markup-compatibility/2006">
+    <mc:Choice xmlns:p159="http://schemas.microsoft.com/office/powerpoint/2015/09/main" Requires="p159">
+      <p:transition xmlns:p14="http://schemas.microsoft.com/office/powerpoint/2010/main" spd="slow" p14:dur="2000">
+        <p159:morph option="byObject"/>
+      </p:transition>
+    </mc:Choice>
+    <mc:Fallback>
+      <p:transition spd="slow">
+        <p:fade/>
+      </p:transition>
+    </mc:Fallback>
+  </mc:AlternateContent>
+</p:sld>
+</file>
+
+<file path=ppt/slides/slide8.xml><?xml version="1.0" encoding="utf-8"?>
+<p:sld xmlns:a="http://schemas.openxmlformats.org/drawingml/2006/main" xmlns:r="http://schemas.openxmlformats.org/officeDocument/2006/relationships" xmlns:p="http://schemas.openxmlformats.org/presentationml/2006/main">
+  <p:cSld>
+    <p:spTree>
+      <p:nvGrpSpPr>
+        <p:cNvPr id="1" name=""/>
+        <p:cNvGrpSpPr/>
+        <p:nvPr/>
+      </p:nvGrpSpPr>
+      <p:grpSpPr>
+        <a:xfrm>
+          <a:off x="0" y="0"/>
+          <a:ext cx="0" cy="0"/>
+          <a:chOff x="0" y="0"/>
+          <a:chExt cx="0" cy="0"/>
+        </a:xfrm>
+      </p:grpSpPr>
+      <p:pic>
+        <p:nvPicPr>
+          <p:cNvPr id="2" name="Imagem 1">
+            <a:extLst>
+              <a:ext uri="{FF2B5EF4-FFF2-40B4-BE49-F238E27FC236}">
+                <a16:creationId xmlns:a16="http://schemas.microsoft.com/office/drawing/2014/main" id="{D8A73978-4482-46A7-A989-4CD291A889D7}"/>
+              </a:ext>
+            </a:extLst>
+          </p:cNvPr>
+          <p:cNvPicPr>
+            <a:picLocks noChangeAspect="1"/>
+          </p:cNvPicPr>
+          <p:nvPr/>
+        </p:nvPicPr>
+        <p:blipFill>
+          <a:blip r:embed="rId2"/>
+          <a:stretch>
+            <a:fillRect/>
+          </a:stretch>
+        </p:blipFill>
+        <p:spPr>
+          <a:xfrm>
+            <a:off x="11407112" y="6027651"/>
+            <a:ext cx="726165" cy="763237"/>
+          </a:xfrm>
+          <a:prstGeom prst="rect">
+            <a:avLst/>
+          </a:prstGeom>
+        </p:spPr>
+      </p:pic>
+      <p:sp>
+        <p:nvSpPr>
+          <p:cNvPr id="3" name="CaixaDeTexto 2">
+            <a:extLst>
+              <a:ext uri="{FF2B5EF4-FFF2-40B4-BE49-F238E27FC236}">
+                <a16:creationId xmlns:a16="http://schemas.microsoft.com/office/drawing/2014/main" id="{A0C60F21-B8EB-458E-A5D6-45D61201D661}"/>
+              </a:ext>
+            </a:extLst>
+          </p:cNvPr>
+          <p:cNvSpPr txBox="1"/>
+          <p:nvPr/>
+        </p:nvSpPr>
+        <p:spPr>
+          <a:xfrm>
+            <a:off x="637563" y="214390"/>
+            <a:ext cx="3122971" cy="400110"/>
+          </a:xfrm>
+          <a:prstGeom prst="rect">
+            <a:avLst/>
+          </a:prstGeom>
+          <a:noFill/>
+        </p:spPr>
+        <p:txBody>
+          <a:bodyPr wrap="none" rtlCol="0">
+            <a:spAutoFit/>
+          </a:bodyPr>
+          <a:lstStyle/>
+          <a:p>
+            <a:r>
+              <a:rPr lang="pt-BR" sz="2000" dirty="0">
+                <a:latin typeface="Arial" panose="020B0604020202020204" pitchFamily="34" charset="0"/>
+                <a:cs typeface="Arial" panose="020B0604020202020204" pitchFamily="34" charset="0"/>
+              </a:rPr>
+              <a:t>Felipe Figueiredo Furtado</a:t>
+            </a:r>
+          </a:p>
+        </p:txBody>
+      </p:sp>
+      <p:sp>
+        <p:nvSpPr>
+          <p:cNvPr id="4" name="Título 1">
+            <a:extLst>
+              <a:ext uri="{FF2B5EF4-FFF2-40B4-BE49-F238E27FC236}">
+                <a16:creationId xmlns:a16="http://schemas.microsoft.com/office/drawing/2014/main" id="{54F809FF-99AC-4ADF-B81E-917197F9F2AC}"/>
+              </a:ext>
+            </a:extLst>
+          </p:cNvPr>
+          <p:cNvSpPr txBox="1">
+            <a:spLocks/>
+          </p:cNvSpPr>
+          <p:nvPr/>
+        </p:nvSpPr>
+        <p:spPr>
+          <a:xfrm>
+            <a:off x="1854694" y="625463"/>
+            <a:ext cx="4688720" cy="708387"/>
+          </a:xfrm>
+          <a:prstGeom prst="rect">
+            <a:avLst/>
+          </a:prstGeom>
+        </p:spPr>
+        <p:txBody>
+          <a:bodyPr>
+            <a:normAutofit/>
+          </a:bodyPr>
+          <a:lstStyle>
+            <a:lvl1pPr algn="l" defTabSz="457200" rtl="0" eaLnBrk="1" latinLnBrk="0" hangingPunct="1">
+              <a:spcBef>
+                <a:spcPct val="0"/>
+              </a:spcBef>
+              <a:buNone/>
+              <a:defRPr sz="3600" kern="1200">
+                <a:solidFill>
+                  <a:schemeClr val="accent2">
+                    <a:lumMod val="75000"/>
+                  </a:schemeClr>
+                </a:solidFill>
+                <a:latin typeface="+mj-lt"/>
+                <a:ea typeface="+mj-ea"/>
+                <a:cs typeface="+mj-cs"/>
+              </a:defRPr>
+            </a:lvl1pPr>
+            <a:lvl2pPr eaLnBrk="1" hangingPunct="1">
+              <a:defRPr>
+                <a:solidFill>
+                  <a:schemeClr val="tx2"/>
+                </a:solidFill>
+              </a:defRPr>
+            </a:lvl2pPr>
+            <a:lvl3pPr eaLnBrk="1" hangingPunct="1">
+              <a:defRPr>
+                <a:solidFill>
+                  <a:schemeClr val="tx2"/>
+                </a:solidFill>
+              </a:defRPr>
+            </a:lvl3pPr>
+            <a:lvl4pPr eaLnBrk="1" hangingPunct="1">
+              <a:defRPr>
+                <a:solidFill>
+                  <a:schemeClr val="tx2"/>
+                </a:solidFill>
+              </a:defRPr>
+            </a:lvl4pPr>
+            <a:lvl5pPr eaLnBrk="1" hangingPunct="1">
+              <a:defRPr>
+                <a:solidFill>
+                  <a:schemeClr val="tx2"/>
+                </a:solidFill>
+              </a:defRPr>
+            </a:lvl5pPr>
+            <a:lvl6pPr eaLnBrk="1" hangingPunct="1">
+              <a:defRPr>
+                <a:solidFill>
+                  <a:schemeClr val="tx2"/>
+                </a:solidFill>
+              </a:defRPr>
+            </a:lvl6pPr>
+            <a:lvl7pPr eaLnBrk="1" hangingPunct="1">
+              <a:defRPr>
+                <a:solidFill>
+                  <a:schemeClr val="tx2"/>
+                </a:solidFill>
+              </a:defRPr>
+            </a:lvl7pPr>
+            <a:lvl8pPr eaLnBrk="1" hangingPunct="1">
+              <a:defRPr>
+                <a:solidFill>
+                  <a:schemeClr val="tx2"/>
+                </a:solidFill>
+              </a:defRPr>
+            </a:lvl8pPr>
+            <a:lvl9pPr eaLnBrk="1" hangingPunct="1">
+              <a:defRPr>
+                <a:solidFill>
+                  <a:schemeClr val="tx2"/>
+                </a:solidFill>
+              </a:defRPr>
+            </a:lvl9pPr>
+          </a:lstStyle>
+          <a:p>
+            <a:r>
+              <a:rPr lang="pt-BR" dirty="0">
+                <a:solidFill>
+                  <a:schemeClr val="tx1"/>
+                </a:solidFill>
+              </a:rPr>
+              <a:t>Jogos aleatórios:</a:t>
+            </a:r>
+          </a:p>
+        </p:txBody>
+      </p:sp>
+      <p:pic>
+        <p:nvPicPr>
+          <p:cNvPr id="6" name="Imagem 5">
+            <a:extLst>
+              <a:ext uri="{FF2B5EF4-FFF2-40B4-BE49-F238E27FC236}">
+                <a16:creationId xmlns:a16="http://schemas.microsoft.com/office/drawing/2014/main" id="{03A99874-2E3D-411D-89BD-99ED39334740}"/>
+              </a:ext>
+            </a:extLst>
+          </p:cNvPr>
+          <p:cNvPicPr>
+            <a:picLocks noChangeAspect="1"/>
+          </p:cNvPicPr>
+          <p:nvPr/>
+        </p:nvPicPr>
+        <p:blipFill>
+          <a:blip r:embed="rId3"/>
+          <a:stretch>
+            <a:fillRect/>
+          </a:stretch>
+        </p:blipFill>
+        <p:spPr>
+          <a:xfrm>
+            <a:off x="3489360" y="1414508"/>
+            <a:ext cx="5213280" cy="4982798"/>
+          </a:xfrm>
+          <a:prstGeom prst="rect">
+            <a:avLst/>
+          </a:prstGeom>
+          <a:effectLst>
+            <a:softEdge rad="38100"/>
+          </a:effectLst>
+        </p:spPr>
+      </p:pic>
+    </p:spTree>
+    <p:extLst>
+      <p:ext uri="{BB962C8B-B14F-4D97-AF65-F5344CB8AC3E}">
+        <p14:creationId xmlns:p14="http://schemas.microsoft.com/office/powerpoint/2010/main" val="2951594371"/>
+      </p:ext>
+    </p:extLst>
+  </p:cSld>
+  <p:clrMapOvr>
+    <a:masterClrMapping/>
+  </p:clrMapOvr>
+  <mc:AlternateContent xmlns:mc="http://schemas.openxmlformats.org/markup-compatibility/2006">
+    <mc:Choice xmlns:p159="http://schemas.microsoft.com/office/powerpoint/2015/09/main" Requires="p159">
+      <p:transition xmlns:p14="http://schemas.microsoft.com/office/powerpoint/2010/main" spd="slow" p14:dur="2000">
+        <p159:morph option="byObject"/>
+      </p:transition>
+    </mc:Choice>
+    <mc:Fallback>
+      <p:transition spd="slow">
+        <p:fade/>
+      </p:transition>
+    </mc:Fallback>
+  </mc:AlternateContent>
+</p:sld>
+</file>
+
+<file path=ppt/slides/slide9.xml><?xml version="1.0" encoding="utf-8"?>
+<p:sld xmlns:a="http://schemas.openxmlformats.org/drawingml/2006/main" xmlns:r="http://schemas.openxmlformats.org/officeDocument/2006/relationships" xmlns:p="http://schemas.openxmlformats.org/presentationml/2006/main">
+  <p:cSld>
+    <p:spTree>
+      <p:nvGrpSpPr>
+        <p:cNvPr id="1" name=""/>
+        <p:cNvGrpSpPr/>
+        <p:nvPr/>
+      </p:nvGrpSpPr>
+      <p:grpSpPr>
+        <a:xfrm>
+          <a:off x="0" y="0"/>
+          <a:ext cx="0" cy="0"/>
+          <a:chOff x="0" y="0"/>
+          <a:chExt cx="0" cy="0"/>
+        </a:xfrm>
+      </p:grpSpPr>
+      <p:pic>
+        <p:nvPicPr>
+          <p:cNvPr id="2" name="Imagem 1">
+            <a:extLst>
+              <a:ext uri="{FF2B5EF4-FFF2-40B4-BE49-F238E27FC236}">
+                <a16:creationId xmlns:a16="http://schemas.microsoft.com/office/drawing/2014/main" id="{DA3B6F17-C76F-45E3-B50D-F3BB538CFD61}"/>
+              </a:ext>
+            </a:extLst>
+          </p:cNvPr>
+          <p:cNvPicPr>
+            <a:picLocks noChangeAspect="1"/>
+          </p:cNvPicPr>
+          <p:nvPr/>
+        </p:nvPicPr>
+        <p:blipFill>
+          <a:blip r:embed="rId2"/>
+          <a:stretch>
+            <a:fillRect/>
+          </a:stretch>
+        </p:blipFill>
+        <p:spPr>
+          <a:xfrm>
+            <a:off x="11407112" y="6027651"/>
+            <a:ext cx="726165" cy="763237"/>
+          </a:xfrm>
+          <a:prstGeom prst="rect">
+            <a:avLst/>
+          </a:prstGeom>
+        </p:spPr>
+      </p:pic>
+      <p:sp>
+        <p:nvSpPr>
+          <p:cNvPr id="3" name="CaixaDeTexto 2">
+            <a:extLst>
+              <a:ext uri="{FF2B5EF4-FFF2-40B4-BE49-F238E27FC236}">
+                <a16:creationId xmlns:a16="http://schemas.microsoft.com/office/drawing/2014/main" id="{096B7F11-49F0-4BF9-8321-EE8D414FD774}"/>
+              </a:ext>
+            </a:extLst>
+          </p:cNvPr>
+          <p:cNvSpPr txBox="1"/>
+          <p:nvPr/>
+        </p:nvSpPr>
+        <p:spPr>
+          <a:xfrm>
+            <a:off x="637563" y="214390"/>
+            <a:ext cx="3122971" cy="400110"/>
+          </a:xfrm>
+          <a:prstGeom prst="rect">
+            <a:avLst/>
+          </a:prstGeom>
+          <a:noFill/>
+        </p:spPr>
+        <p:txBody>
+          <a:bodyPr wrap="none" rtlCol="0">
+            <a:spAutoFit/>
+          </a:bodyPr>
+          <a:lstStyle/>
+          <a:p>
+            <a:r>
+              <a:rPr lang="pt-BR" sz="2000" dirty="0">
+                <a:latin typeface="Arial" panose="020B0604020202020204" pitchFamily="34" charset="0"/>
+                <a:cs typeface="Arial" panose="020B0604020202020204" pitchFamily="34" charset="0"/>
+              </a:rPr>
+              <a:t>Felipe Figueiredo Furtado</a:t>
+            </a:r>
+          </a:p>
+        </p:txBody>
+      </p:sp>
+      <p:sp>
+        <p:nvSpPr>
+          <p:cNvPr id="4" name="Título 1">
+            <a:extLst>
+              <a:ext uri="{FF2B5EF4-FFF2-40B4-BE49-F238E27FC236}">
+                <a16:creationId xmlns:a16="http://schemas.microsoft.com/office/drawing/2014/main" id="{9F5E6733-03E2-4B25-B10C-25C8BAFB3A9F}"/>
+              </a:ext>
+            </a:extLst>
+          </p:cNvPr>
+          <p:cNvSpPr txBox="1">
+            <a:spLocks/>
+          </p:cNvSpPr>
+          <p:nvPr/>
+        </p:nvSpPr>
+        <p:spPr>
+          <a:xfrm>
+            <a:off x="1854694" y="625463"/>
+            <a:ext cx="4688720" cy="708387"/>
+          </a:xfrm>
+          <a:prstGeom prst="rect">
+            <a:avLst/>
+          </a:prstGeom>
+        </p:spPr>
+        <p:txBody>
+          <a:bodyPr>
+            <a:normAutofit/>
+          </a:bodyPr>
+          <a:lstStyle>
+            <a:lvl1pPr algn="l" defTabSz="457200" rtl="0" eaLnBrk="1" latinLnBrk="0" hangingPunct="1">
+              <a:spcBef>
+                <a:spcPct val="0"/>
+              </a:spcBef>
+              <a:buNone/>
+              <a:defRPr sz="3600" kern="1200">
+                <a:solidFill>
+                  <a:schemeClr val="accent2">
+                    <a:lumMod val="75000"/>
+                  </a:schemeClr>
+                </a:solidFill>
+                <a:latin typeface="+mj-lt"/>
+                <a:ea typeface="+mj-ea"/>
+                <a:cs typeface="+mj-cs"/>
+              </a:defRPr>
+            </a:lvl1pPr>
+            <a:lvl2pPr eaLnBrk="1" hangingPunct="1">
+              <a:defRPr>
+                <a:solidFill>
+                  <a:schemeClr val="tx2"/>
+                </a:solidFill>
+              </a:defRPr>
+            </a:lvl2pPr>
+            <a:lvl3pPr eaLnBrk="1" hangingPunct="1">
+              <a:defRPr>
+                <a:solidFill>
+                  <a:schemeClr val="tx2"/>
+                </a:solidFill>
+              </a:defRPr>
+            </a:lvl3pPr>
+            <a:lvl4pPr eaLnBrk="1" hangingPunct="1">
+              <a:defRPr>
+                <a:solidFill>
+                  <a:schemeClr val="tx2"/>
+                </a:solidFill>
+              </a:defRPr>
+            </a:lvl4pPr>
+            <a:lvl5pPr eaLnBrk="1" hangingPunct="1">
+              <a:defRPr>
+                <a:solidFill>
+                  <a:schemeClr val="tx2"/>
+                </a:solidFill>
+              </a:defRPr>
+            </a:lvl5pPr>
+            <a:lvl6pPr eaLnBrk="1" hangingPunct="1">
+              <a:defRPr>
+                <a:solidFill>
+                  <a:schemeClr val="tx2"/>
+                </a:solidFill>
+              </a:defRPr>
+            </a:lvl6pPr>
+            <a:lvl7pPr eaLnBrk="1" hangingPunct="1">
+              <a:defRPr>
+                <a:solidFill>
+                  <a:schemeClr val="tx2"/>
+                </a:solidFill>
+              </a:defRPr>
+            </a:lvl7pPr>
+            <a:lvl8pPr eaLnBrk="1" hangingPunct="1">
+              <a:defRPr>
+                <a:solidFill>
+                  <a:schemeClr val="tx2"/>
+                </a:solidFill>
+              </a:defRPr>
+            </a:lvl8pPr>
+            <a:lvl9pPr eaLnBrk="1" hangingPunct="1">
+              <a:defRPr>
+                <a:solidFill>
+                  <a:schemeClr val="tx2"/>
+                </a:solidFill>
+              </a:defRPr>
+            </a:lvl9pPr>
+          </a:lstStyle>
+          <a:p>
+            <a:r>
+              <a:rPr lang="pt-BR" dirty="0">
+                <a:solidFill>
+                  <a:schemeClr val="tx1"/>
+                </a:solidFill>
+              </a:rPr>
+              <a:t>Jogos aleatórios:</a:t>
+            </a:r>
+          </a:p>
+        </p:txBody>
+      </p:sp>
+      <p:pic>
+        <p:nvPicPr>
+          <p:cNvPr id="6" name="Imagem 5">
+            <a:extLst>
+              <a:ext uri="{FF2B5EF4-FFF2-40B4-BE49-F238E27FC236}">
+                <a16:creationId xmlns:a16="http://schemas.microsoft.com/office/drawing/2014/main" id="{74EAD5CB-B63F-439C-836D-32F1A9E9C1A4}"/>
+              </a:ext>
+            </a:extLst>
+          </p:cNvPr>
+          <p:cNvPicPr>
+            <a:picLocks noChangeAspect="1"/>
+          </p:cNvPicPr>
+          <p:nvPr/>
+        </p:nvPicPr>
+        <p:blipFill>
+          <a:blip r:embed="rId3"/>
+          <a:stretch>
+            <a:fillRect/>
+          </a:stretch>
+        </p:blipFill>
+        <p:spPr>
+          <a:xfrm>
+            <a:off x="3062522" y="1398942"/>
+            <a:ext cx="6243403" cy="5209162"/>
+          </a:xfrm>
+          <a:prstGeom prst="rect">
+            <a:avLst/>
+          </a:prstGeom>
+          <a:effectLst>
+            <a:softEdge rad="38100"/>
+          </a:effectLst>
+        </p:spPr>
+      </p:pic>
+    </p:spTree>
+    <p:extLst>
+      <p:ext uri="{BB962C8B-B14F-4D97-AF65-F5344CB8AC3E}">
+        <p14:creationId xmlns:p14="http://schemas.microsoft.com/office/powerpoint/2010/main" val="1066946309"/>
+      </p:ext>
+    </p:extLst>
+  </p:cSld>
+  <p:clrMapOvr>
+    <a:masterClrMapping/>
+  </p:clrMapOvr>
+  <mc:AlternateContent xmlns:mc="http://schemas.openxmlformats.org/markup-compatibility/2006">
+    <mc:Choice xmlns:p159="http://schemas.microsoft.com/office/powerpoint/2015/09/main" Requires="p159">
+      <p:transition xmlns:p14="http://schemas.microsoft.com/office/powerpoint/2010/main" spd="slow" p14:dur="2000">
+        <p159:morph option="byObject"/>
+      </p:transition>
+    </mc:Choice>
+    <mc:Fallback>
+      <p:transition spd="slow">
+        <p:fade/>
+      </p:transition>
+    </mc:Fallback>
+  </mc:AlternateContent>
 </p:sld>
 </file>
 
